--- a/materials/slides/ch17-php-how-to.pptx
+++ b/materials/slides/ch17-php-how-to.pptx
@@ -5,14 +5,24 @@
     <p:sldMasterId id="2147483648" r:id="rId1"/>
   </p:sldMasterIdLst>
   <p:notesMasterIdLst>
-    <p:notesMasterId r:id="rId4"/>
+    <p:notesMasterId r:id="rId14"/>
   </p:notesMasterIdLst>
   <p:handoutMasterIdLst>
-    <p:handoutMasterId r:id="rId5"/>
+    <p:handoutMasterId r:id="rId15"/>
   </p:handoutMasterIdLst>
   <p:sldIdLst>
     <p:sldId id="257" r:id="rId2"/>
     <p:sldId id="292" r:id="rId3"/>
+    <p:sldId id="293" r:id="rId4"/>
+    <p:sldId id="294" r:id="rId5"/>
+    <p:sldId id="295" r:id="rId6"/>
+    <p:sldId id="296" r:id="rId7"/>
+    <p:sldId id="297" r:id="rId8"/>
+    <p:sldId id="298" r:id="rId9"/>
+    <p:sldId id="299" r:id="rId10"/>
+    <p:sldId id="300" r:id="rId11"/>
+    <p:sldId id="301" r:id="rId12"/>
+    <p:sldId id="302" r:id="rId13"/>
   </p:sldIdLst>
   <p:sldSz cx="12192000" cy="6858000"/>
   <p:notesSz cx="6858000" cy="9144000"/>
@@ -740,6 +750,846 @@
     <p:extLst>
       <p:ext uri="{BB962C8B-B14F-4D97-AF65-F5344CB8AC3E}">
         <p14:creationId xmlns:p14="http://schemas.microsoft.com/office/powerpoint/2010/main" val="1599478336"/>
+      </p:ext>
+    </p:extLst>
+  </p:cSld>
+  <p:clrMapOvr>
+    <a:masterClrMapping/>
+  </p:clrMapOvr>
+</p:notes>
+</file>
+
+<file path=ppt/notesSlides/notesSlide10.xml><?xml version="1.0" encoding="utf-8"?>
+<p:notes xmlns:a="http://schemas.openxmlformats.org/drawingml/2006/main" xmlns:r="http://schemas.openxmlformats.org/officeDocument/2006/relationships" xmlns:p="http://schemas.openxmlformats.org/presentationml/2006/main">
+  <p:cSld>
+    <p:spTree>
+      <p:nvGrpSpPr>
+        <p:cNvPr id="1" name=""/>
+        <p:cNvGrpSpPr/>
+        <p:nvPr/>
+      </p:nvGrpSpPr>
+      <p:grpSpPr>
+        <a:xfrm>
+          <a:off x="0" y="0"/>
+          <a:ext cx="0" cy="0"/>
+          <a:chOff x="0" y="0"/>
+          <a:chExt cx="0" cy="0"/>
+        </a:xfrm>
+      </p:grpSpPr>
+      <p:sp>
+        <p:nvSpPr>
+          <p:cNvPr id="2" name="幻灯片图像占位符 1"/>
+          <p:cNvSpPr>
+            <a:spLocks noGrp="1" noRot="1" noChangeAspect="1"/>
+          </p:cNvSpPr>
+          <p:nvPr>
+            <p:ph type="sldImg"/>
+          </p:nvPr>
+        </p:nvSpPr>
+        <p:spPr/>
+      </p:sp>
+      <p:sp>
+        <p:nvSpPr>
+          <p:cNvPr id="3" name="备注占位符 2"/>
+          <p:cNvSpPr>
+            <a:spLocks noGrp="1"/>
+          </p:cNvSpPr>
+          <p:nvPr>
+            <p:ph type="body" idx="1"/>
+          </p:nvPr>
+        </p:nvSpPr>
+        <p:spPr/>
+        <p:txBody>
+          <a:bodyPr/>
+          <a:lstStyle/>
+          <a:p>
+            <a:endParaRPr lang="zh-CN" altLang="en-US" dirty="0"/>
+          </a:p>
+        </p:txBody>
+      </p:sp>
+      <p:sp>
+        <p:nvSpPr>
+          <p:cNvPr id="4" name="灯片编号占位符 3"/>
+          <p:cNvSpPr>
+            <a:spLocks noGrp="1"/>
+          </p:cNvSpPr>
+          <p:nvPr>
+            <p:ph type="sldNum" sz="quarter" idx="10"/>
+          </p:nvPr>
+        </p:nvSpPr>
+        <p:spPr/>
+        <p:txBody>
+          <a:bodyPr/>
+          <a:lstStyle/>
+          <a:p>
+            <a:fld id="{9FB975F3-1C40-4D40-A7FE-36EEB7CAFC85}" type="slidenum">
+              <a:rPr lang="zh-CN" altLang="en-US" smtClean="0"/>
+              <a:t>11</a:t>
+            </a:fld>
+            <a:endParaRPr lang="zh-CN" altLang="en-US"/>
+          </a:p>
+        </p:txBody>
+      </p:sp>
+    </p:spTree>
+    <p:extLst>
+      <p:ext uri="{BB962C8B-B14F-4D97-AF65-F5344CB8AC3E}">
+        <p14:creationId xmlns:p14="http://schemas.microsoft.com/office/powerpoint/2010/main" val="1028539976"/>
+      </p:ext>
+    </p:extLst>
+  </p:cSld>
+  <p:clrMapOvr>
+    <a:masterClrMapping/>
+  </p:clrMapOvr>
+</p:notes>
+</file>
+
+<file path=ppt/notesSlides/notesSlide11.xml><?xml version="1.0" encoding="utf-8"?>
+<p:notes xmlns:a="http://schemas.openxmlformats.org/drawingml/2006/main" xmlns:r="http://schemas.openxmlformats.org/officeDocument/2006/relationships" xmlns:p="http://schemas.openxmlformats.org/presentationml/2006/main">
+  <p:cSld>
+    <p:spTree>
+      <p:nvGrpSpPr>
+        <p:cNvPr id="1" name=""/>
+        <p:cNvGrpSpPr/>
+        <p:nvPr/>
+      </p:nvGrpSpPr>
+      <p:grpSpPr>
+        <a:xfrm>
+          <a:off x="0" y="0"/>
+          <a:ext cx="0" cy="0"/>
+          <a:chOff x="0" y="0"/>
+          <a:chExt cx="0" cy="0"/>
+        </a:xfrm>
+      </p:grpSpPr>
+      <p:sp>
+        <p:nvSpPr>
+          <p:cNvPr id="2" name="幻灯片图像占位符 1"/>
+          <p:cNvSpPr>
+            <a:spLocks noGrp="1" noRot="1" noChangeAspect="1"/>
+          </p:cNvSpPr>
+          <p:nvPr>
+            <p:ph type="sldImg"/>
+          </p:nvPr>
+        </p:nvSpPr>
+        <p:spPr/>
+      </p:sp>
+      <p:sp>
+        <p:nvSpPr>
+          <p:cNvPr id="3" name="备注占位符 2"/>
+          <p:cNvSpPr>
+            <a:spLocks noGrp="1"/>
+          </p:cNvSpPr>
+          <p:nvPr>
+            <p:ph type="body" idx="1"/>
+          </p:nvPr>
+        </p:nvSpPr>
+        <p:spPr/>
+        <p:txBody>
+          <a:bodyPr/>
+          <a:lstStyle/>
+          <a:p>
+            <a:endParaRPr lang="zh-CN" altLang="en-US" dirty="0"/>
+          </a:p>
+        </p:txBody>
+      </p:sp>
+      <p:sp>
+        <p:nvSpPr>
+          <p:cNvPr id="4" name="灯片编号占位符 3"/>
+          <p:cNvSpPr>
+            <a:spLocks noGrp="1"/>
+          </p:cNvSpPr>
+          <p:nvPr>
+            <p:ph type="sldNum" sz="quarter" idx="10"/>
+          </p:nvPr>
+        </p:nvSpPr>
+        <p:spPr/>
+        <p:txBody>
+          <a:bodyPr/>
+          <a:lstStyle/>
+          <a:p>
+            <a:fld id="{9FB975F3-1C40-4D40-A7FE-36EEB7CAFC85}" type="slidenum">
+              <a:rPr lang="zh-CN" altLang="en-US" smtClean="0"/>
+              <a:t>12</a:t>
+            </a:fld>
+            <a:endParaRPr lang="zh-CN" altLang="en-US"/>
+          </a:p>
+        </p:txBody>
+      </p:sp>
+    </p:spTree>
+    <p:extLst>
+      <p:ext uri="{BB962C8B-B14F-4D97-AF65-F5344CB8AC3E}">
+        <p14:creationId xmlns:p14="http://schemas.microsoft.com/office/powerpoint/2010/main" val="3497902690"/>
+      </p:ext>
+    </p:extLst>
+  </p:cSld>
+  <p:clrMapOvr>
+    <a:masterClrMapping/>
+  </p:clrMapOvr>
+</p:notes>
+</file>
+
+<file path=ppt/notesSlides/notesSlide2.xml><?xml version="1.0" encoding="utf-8"?>
+<p:notes xmlns:a="http://schemas.openxmlformats.org/drawingml/2006/main" xmlns:r="http://schemas.openxmlformats.org/officeDocument/2006/relationships" xmlns:p="http://schemas.openxmlformats.org/presentationml/2006/main">
+  <p:cSld>
+    <p:spTree>
+      <p:nvGrpSpPr>
+        <p:cNvPr id="1" name=""/>
+        <p:cNvGrpSpPr/>
+        <p:nvPr/>
+      </p:nvGrpSpPr>
+      <p:grpSpPr>
+        <a:xfrm>
+          <a:off x="0" y="0"/>
+          <a:ext cx="0" cy="0"/>
+          <a:chOff x="0" y="0"/>
+          <a:chExt cx="0" cy="0"/>
+        </a:xfrm>
+      </p:grpSpPr>
+      <p:sp>
+        <p:nvSpPr>
+          <p:cNvPr id="2" name="幻灯片图像占位符 1"/>
+          <p:cNvSpPr>
+            <a:spLocks noGrp="1" noRot="1" noChangeAspect="1"/>
+          </p:cNvSpPr>
+          <p:nvPr>
+            <p:ph type="sldImg"/>
+          </p:nvPr>
+        </p:nvSpPr>
+        <p:spPr/>
+      </p:sp>
+      <p:sp>
+        <p:nvSpPr>
+          <p:cNvPr id="3" name="备注占位符 2"/>
+          <p:cNvSpPr>
+            <a:spLocks noGrp="1"/>
+          </p:cNvSpPr>
+          <p:nvPr>
+            <p:ph type="body" idx="1"/>
+          </p:nvPr>
+        </p:nvSpPr>
+        <p:spPr/>
+        <p:txBody>
+          <a:bodyPr/>
+          <a:lstStyle/>
+          <a:p>
+            <a:endParaRPr lang="zh-CN" altLang="en-US" dirty="0"/>
+          </a:p>
+        </p:txBody>
+      </p:sp>
+      <p:sp>
+        <p:nvSpPr>
+          <p:cNvPr id="4" name="灯片编号占位符 3"/>
+          <p:cNvSpPr>
+            <a:spLocks noGrp="1"/>
+          </p:cNvSpPr>
+          <p:nvPr>
+            <p:ph type="sldNum" sz="quarter" idx="10"/>
+          </p:nvPr>
+        </p:nvSpPr>
+        <p:spPr/>
+        <p:txBody>
+          <a:bodyPr/>
+          <a:lstStyle/>
+          <a:p>
+            <a:fld id="{9FB975F3-1C40-4D40-A7FE-36EEB7CAFC85}" type="slidenum">
+              <a:rPr lang="zh-CN" altLang="en-US" smtClean="0"/>
+              <a:t>3</a:t>
+            </a:fld>
+            <a:endParaRPr lang="zh-CN" altLang="en-US"/>
+          </a:p>
+        </p:txBody>
+      </p:sp>
+    </p:spTree>
+    <p:extLst>
+      <p:ext uri="{BB962C8B-B14F-4D97-AF65-F5344CB8AC3E}">
+        <p14:creationId xmlns:p14="http://schemas.microsoft.com/office/powerpoint/2010/main" val="4198153747"/>
+      </p:ext>
+    </p:extLst>
+  </p:cSld>
+  <p:clrMapOvr>
+    <a:masterClrMapping/>
+  </p:clrMapOvr>
+</p:notes>
+</file>
+
+<file path=ppt/notesSlides/notesSlide3.xml><?xml version="1.0" encoding="utf-8"?>
+<p:notes xmlns:a="http://schemas.openxmlformats.org/drawingml/2006/main" xmlns:r="http://schemas.openxmlformats.org/officeDocument/2006/relationships" xmlns:p="http://schemas.openxmlformats.org/presentationml/2006/main">
+  <p:cSld>
+    <p:spTree>
+      <p:nvGrpSpPr>
+        <p:cNvPr id="1" name=""/>
+        <p:cNvGrpSpPr/>
+        <p:nvPr/>
+      </p:nvGrpSpPr>
+      <p:grpSpPr>
+        <a:xfrm>
+          <a:off x="0" y="0"/>
+          <a:ext cx="0" cy="0"/>
+          <a:chOff x="0" y="0"/>
+          <a:chExt cx="0" cy="0"/>
+        </a:xfrm>
+      </p:grpSpPr>
+      <p:sp>
+        <p:nvSpPr>
+          <p:cNvPr id="2" name="幻灯片图像占位符 1"/>
+          <p:cNvSpPr>
+            <a:spLocks noGrp="1" noRot="1" noChangeAspect="1"/>
+          </p:cNvSpPr>
+          <p:nvPr>
+            <p:ph type="sldImg"/>
+          </p:nvPr>
+        </p:nvSpPr>
+        <p:spPr/>
+      </p:sp>
+      <p:sp>
+        <p:nvSpPr>
+          <p:cNvPr id="3" name="备注占位符 2"/>
+          <p:cNvSpPr>
+            <a:spLocks noGrp="1"/>
+          </p:cNvSpPr>
+          <p:nvPr>
+            <p:ph type="body" idx="1"/>
+          </p:nvPr>
+        </p:nvSpPr>
+        <p:spPr/>
+        <p:txBody>
+          <a:bodyPr/>
+          <a:lstStyle/>
+          <a:p>
+            <a:endParaRPr lang="zh-CN" altLang="en-US" dirty="0"/>
+          </a:p>
+        </p:txBody>
+      </p:sp>
+      <p:sp>
+        <p:nvSpPr>
+          <p:cNvPr id="4" name="灯片编号占位符 3"/>
+          <p:cNvSpPr>
+            <a:spLocks noGrp="1"/>
+          </p:cNvSpPr>
+          <p:nvPr>
+            <p:ph type="sldNum" sz="quarter" idx="10"/>
+          </p:nvPr>
+        </p:nvSpPr>
+        <p:spPr/>
+        <p:txBody>
+          <a:bodyPr/>
+          <a:lstStyle/>
+          <a:p>
+            <a:fld id="{9FB975F3-1C40-4D40-A7FE-36EEB7CAFC85}" type="slidenum">
+              <a:rPr lang="zh-CN" altLang="en-US" smtClean="0"/>
+              <a:t>4</a:t>
+            </a:fld>
+            <a:endParaRPr lang="zh-CN" altLang="en-US"/>
+          </a:p>
+        </p:txBody>
+      </p:sp>
+    </p:spTree>
+    <p:extLst>
+      <p:ext uri="{BB962C8B-B14F-4D97-AF65-F5344CB8AC3E}">
+        <p14:creationId xmlns:p14="http://schemas.microsoft.com/office/powerpoint/2010/main" val="3134168215"/>
+      </p:ext>
+    </p:extLst>
+  </p:cSld>
+  <p:clrMapOvr>
+    <a:masterClrMapping/>
+  </p:clrMapOvr>
+</p:notes>
+</file>
+
+<file path=ppt/notesSlides/notesSlide4.xml><?xml version="1.0" encoding="utf-8"?>
+<p:notes xmlns:a="http://schemas.openxmlformats.org/drawingml/2006/main" xmlns:r="http://schemas.openxmlformats.org/officeDocument/2006/relationships" xmlns:p="http://schemas.openxmlformats.org/presentationml/2006/main">
+  <p:cSld>
+    <p:spTree>
+      <p:nvGrpSpPr>
+        <p:cNvPr id="1" name=""/>
+        <p:cNvGrpSpPr/>
+        <p:nvPr/>
+      </p:nvGrpSpPr>
+      <p:grpSpPr>
+        <a:xfrm>
+          <a:off x="0" y="0"/>
+          <a:ext cx="0" cy="0"/>
+          <a:chOff x="0" y="0"/>
+          <a:chExt cx="0" cy="0"/>
+        </a:xfrm>
+      </p:grpSpPr>
+      <p:sp>
+        <p:nvSpPr>
+          <p:cNvPr id="2" name="幻灯片图像占位符 1"/>
+          <p:cNvSpPr>
+            <a:spLocks noGrp="1" noRot="1" noChangeAspect="1"/>
+          </p:cNvSpPr>
+          <p:nvPr>
+            <p:ph type="sldImg"/>
+          </p:nvPr>
+        </p:nvSpPr>
+        <p:spPr/>
+      </p:sp>
+      <p:sp>
+        <p:nvSpPr>
+          <p:cNvPr id="3" name="备注占位符 2"/>
+          <p:cNvSpPr>
+            <a:spLocks noGrp="1"/>
+          </p:cNvSpPr>
+          <p:nvPr>
+            <p:ph type="body" idx="1"/>
+          </p:nvPr>
+        </p:nvSpPr>
+        <p:spPr/>
+        <p:txBody>
+          <a:bodyPr/>
+          <a:lstStyle/>
+          <a:p>
+            <a:endParaRPr lang="zh-CN" altLang="en-US" dirty="0"/>
+          </a:p>
+        </p:txBody>
+      </p:sp>
+      <p:sp>
+        <p:nvSpPr>
+          <p:cNvPr id="4" name="灯片编号占位符 3"/>
+          <p:cNvSpPr>
+            <a:spLocks noGrp="1"/>
+          </p:cNvSpPr>
+          <p:nvPr>
+            <p:ph type="sldNum" sz="quarter" idx="10"/>
+          </p:nvPr>
+        </p:nvSpPr>
+        <p:spPr/>
+        <p:txBody>
+          <a:bodyPr/>
+          <a:lstStyle/>
+          <a:p>
+            <a:fld id="{9FB975F3-1C40-4D40-A7FE-36EEB7CAFC85}" type="slidenum">
+              <a:rPr lang="zh-CN" altLang="en-US" smtClean="0"/>
+              <a:t>5</a:t>
+            </a:fld>
+            <a:endParaRPr lang="zh-CN" altLang="en-US"/>
+          </a:p>
+        </p:txBody>
+      </p:sp>
+    </p:spTree>
+    <p:extLst>
+      <p:ext uri="{BB962C8B-B14F-4D97-AF65-F5344CB8AC3E}">
+        <p14:creationId xmlns:p14="http://schemas.microsoft.com/office/powerpoint/2010/main" val="1256651087"/>
+      </p:ext>
+    </p:extLst>
+  </p:cSld>
+  <p:clrMapOvr>
+    <a:masterClrMapping/>
+  </p:clrMapOvr>
+</p:notes>
+</file>
+
+<file path=ppt/notesSlides/notesSlide5.xml><?xml version="1.0" encoding="utf-8"?>
+<p:notes xmlns:a="http://schemas.openxmlformats.org/drawingml/2006/main" xmlns:r="http://schemas.openxmlformats.org/officeDocument/2006/relationships" xmlns:p="http://schemas.openxmlformats.org/presentationml/2006/main">
+  <p:cSld>
+    <p:spTree>
+      <p:nvGrpSpPr>
+        <p:cNvPr id="1" name=""/>
+        <p:cNvGrpSpPr/>
+        <p:nvPr/>
+      </p:nvGrpSpPr>
+      <p:grpSpPr>
+        <a:xfrm>
+          <a:off x="0" y="0"/>
+          <a:ext cx="0" cy="0"/>
+          <a:chOff x="0" y="0"/>
+          <a:chExt cx="0" cy="0"/>
+        </a:xfrm>
+      </p:grpSpPr>
+      <p:sp>
+        <p:nvSpPr>
+          <p:cNvPr id="2" name="幻灯片图像占位符 1"/>
+          <p:cNvSpPr>
+            <a:spLocks noGrp="1" noRot="1" noChangeAspect="1"/>
+          </p:cNvSpPr>
+          <p:nvPr>
+            <p:ph type="sldImg"/>
+          </p:nvPr>
+        </p:nvSpPr>
+        <p:spPr/>
+      </p:sp>
+      <p:sp>
+        <p:nvSpPr>
+          <p:cNvPr id="3" name="备注占位符 2"/>
+          <p:cNvSpPr>
+            <a:spLocks noGrp="1"/>
+          </p:cNvSpPr>
+          <p:nvPr>
+            <p:ph type="body" idx="1"/>
+          </p:nvPr>
+        </p:nvSpPr>
+        <p:spPr/>
+        <p:txBody>
+          <a:bodyPr/>
+          <a:lstStyle/>
+          <a:p>
+            <a:endParaRPr lang="zh-CN" altLang="en-US" dirty="0"/>
+          </a:p>
+        </p:txBody>
+      </p:sp>
+      <p:sp>
+        <p:nvSpPr>
+          <p:cNvPr id="4" name="灯片编号占位符 3"/>
+          <p:cNvSpPr>
+            <a:spLocks noGrp="1"/>
+          </p:cNvSpPr>
+          <p:nvPr>
+            <p:ph type="sldNum" sz="quarter" idx="10"/>
+          </p:nvPr>
+        </p:nvSpPr>
+        <p:spPr/>
+        <p:txBody>
+          <a:bodyPr/>
+          <a:lstStyle/>
+          <a:p>
+            <a:fld id="{9FB975F3-1C40-4D40-A7FE-36EEB7CAFC85}" type="slidenum">
+              <a:rPr lang="zh-CN" altLang="en-US" smtClean="0"/>
+              <a:t>6</a:t>
+            </a:fld>
+            <a:endParaRPr lang="zh-CN" altLang="en-US"/>
+          </a:p>
+        </p:txBody>
+      </p:sp>
+    </p:spTree>
+    <p:extLst>
+      <p:ext uri="{BB962C8B-B14F-4D97-AF65-F5344CB8AC3E}">
+        <p14:creationId xmlns:p14="http://schemas.microsoft.com/office/powerpoint/2010/main" val="4278903517"/>
+      </p:ext>
+    </p:extLst>
+  </p:cSld>
+  <p:clrMapOvr>
+    <a:masterClrMapping/>
+  </p:clrMapOvr>
+</p:notes>
+</file>
+
+<file path=ppt/notesSlides/notesSlide6.xml><?xml version="1.0" encoding="utf-8"?>
+<p:notes xmlns:a="http://schemas.openxmlformats.org/drawingml/2006/main" xmlns:r="http://schemas.openxmlformats.org/officeDocument/2006/relationships" xmlns:p="http://schemas.openxmlformats.org/presentationml/2006/main">
+  <p:cSld>
+    <p:spTree>
+      <p:nvGrpSpPr>
+        <p:cNvPr id="1" name=""/>
+        <p:cNvGrpSpPr/>
+        <p:nvPr/>
+      </p:nvGrpSpPr>
+      <p:grpSpPr>
+        <a:xfrm>
+          <a:off x="0" y="0"/>
+          <a:ext cx="0" cy="0"/>
+          <a:chOff x="0" y="0"/>
+          <a:chExt cx="0" cy="0"/>
+        </a:xfrm>
+      </p:grpSpPr>
+      <p:sp>
+        <p:nvSpPr>
+          <p:cNvPr id="2" name="幻灯片图像占位符 1"/>
+          <p:cNvSpPr>
+            <a:spLocks noGrp="1" noRot="1" noChangeAspect="1"/>
+          </p:cNvSpPr>
+          <p:nvPr>
+            <p:ph type="sldImg"/>
+          </p:nvPr>
+        </p:nvSpPr>
+        <p:spPr/>
+      </p:sp>
+      <p:sp>
+        <p:nvSpPr>
+          <p:cNvPr id="3" name="备注占位符 2"/>
+          <p:cNvSpPr>
+            <a:spLocks noGrp="1"/>
+          </p:cNvSpPr>
+          <p:nvPr>
+            <p:ph type="body" idx="1"/>
+          </p:nvPr>
+        </p:nvSpPr>
+        <p:spPr/>
+        <p:txBody>
+          <a:bodyPr/>
+          <a:lstStyle/>
+          <a:p>
+            <a:endParaRPr lang="zh-CN" altLang="en-US" dirty="0"/>
+          </a:p>
+        </p:txBody>
+      </p:sp>
+      <p:sp>
+        <p:nvSpPr>
+          <p:cNvPr id="4" name="灯片编号占位符 3"/>
+          <p:cNvSpPr>
+            <a:spLocks noGrp="1"/>
+          </p:cNvSpPr>
+          <p:nvPr>
+            <p:ph type="sldNum" sz="quarter" idx="10"/>
+          </p:nvPr>
+        </p:nvSpPr>
+        <p:spPr/>
+        <p:txBody>
+          <a:bodyPr/>
+          <a:lstStyle/>
+          <a:p>
+            <a:fld id="{9FB975F3-1C40-4D40-A7FE-36EEB7CAFC85}" type="slidenum">
+              <a:rPr lang="zh-CN" altLang="en-US" smtClean="0"/>
+              <a:t>7</a:t>
+            </a:fld>
+            <a:endParaRPr lang="zh-CN" altLang="en-US"/>
+          </a:p>
+        </p:txBody>
+      </p:sp>
+    </p:spTree>
+    <p:extLst>
+      <p:ext uri="{BB962C8B-B14F-4D97-AF65-F5344CB8AC3E}">
+        <p14:creationId xmlns:p14="http://schemas.microsoft.com/office/powerpoint/2010/main" val="1302484444"/>
+      </p:ext>
+    </p:extLst>
+  </p:cSld>
+  <p:clrMapOvr>
+    <a:masterClrMapping/>
+  </p:clrMapOvr>
+</p:notes>
+</file>
+
+<file path=ppt/notesSlides/notesSlide7.xml><?xml version="1.0" encoding="utf-8"?>
+<p:notes xmlns:a="http://schemas.openxmlformats.org/drawingml/2006/main" xmlns:r="http://schemas.openxmlformats.org/officeDocument/2006/relationships" xmlns:p="http://schemas.openxmlformats.org/presentationml/2006/main">
+  <p:cSld>
+    <p:spTree>
+      <p:nvGrpSpPr>
+        <p:cNvPr id="1" name=""/>
+        <p:cNvGrpSpPr/>
+        <p:nvPr/>
+      </p:nvGrpSpPr>
+      <p:grpSpPr>
+        <a:xfrm>
+          <a:off x="0" y="0"/>
+          <a:ext cx="0" cy="0"/>
+          <a:chOff x="0" y="0"/>
+          <a:chExt cx="0" cy="0"/>
+        </a:xfrm>
+      </p:grpSpPr>
+      <p:sp>
+        <p:nvSpPr>
+          <p:cNvPr id="2" name="幻灯片图像占位符 1"/>
+          <p:cNvSpPr>
+            <a:spLocks noGrp="1" noRot="1" noChangeAspect="1"/>
+          </p:cNvSpPr>
+          <p:nvPr>
+            <p:ph type="sldImg"/>
+          </p:nvPr>
+        </p:nvSpPr>
+        <p:spPr/>
+      </p:sp>
+      <p:sp>
+        <p:nvSpPr>
+          <p:cNvPr id="3" name="备注占位符 2"/>
+          <p:cNvSpPr>
+            <a:spLocks noGrp="1"/>
+          </p:cNvSpPr>
+          <p:nvPr>
+            <p:ph type="body" idx="1"/>
+          </p:nvPr>
+        </p:nvSpPr>
+        <p:spPr/>
+        <p:txBody>
+          <a:bodyPr/>
+          <a:lstStyle/>
+          <a:p>
+            <a:endParaRPr lang="zh-CN" altLang="en-US" dirty="0"/>
+          </a:p>
+        </p:txBody>
+      </p:sp>
+      <p:sp>
+        <p:nvSpPr>
+          <p:cNvPr id="4" name="灯片编号占位符 3"/>
+          <p:cNvSpPr>
+            <a:spLocks noGrp="1"/>
+          </p:cNvSpPr>
+          <p:nvPr>
+            <p:ph type="sldNum" sz="quarter" idx="10"/>
+          </p:nvPr>
+        </p:nvSpPr>
+        <p:spPr/>
+        <p:txBody>
+          <a:bodyPr/>
+          <a:lstStyle/>
+          <a:p>
+            <a:fld id="{9FB975F3-1C40-4D40-A7FE-36EEB7CAFC85}" type="slidenum">
+              <a:rPr lang="zh-CN" altLang="en-US" smtClean="0"/>
+              <a:t>8</a:t>
+            </a:fld>
+            <a:endParaRPr lang="zh-CN" altLang="en-US"/>
+          </a:p>
+        </p:txBody>
+      </p:sp>
+    </p:spTree>
+    <p:extLst>
+      <p:ext uri="{BB962C8B-B14F-4D97-AF65-F5344CB8AC3E}">
+        <p14:creationId xmlns:p14="http://schemas.microsoft.com/office/powerpoint/2010/main" val="3585878904"/>
+      </p:ext>
+    </p:extLst>
+  </p:cSld>
+  <p:clrMapOvr>
+    <a:masterClrMapping/>
+  </p:clrMapOvr>
+</p:notes>
+</file>
+
+<file path=ppt/notesSlides/notesSlide8.xml><?xml version="1.0" encoding="utf-8"?>
+<p:notes xmlns:a="http://schemas.openxmlformats.org/drawingml/2006/main" xmlns:r="http://schemas.openxmlformats.org/officeDocument/2006/relationships" xmlns:p="http://schemas.openxmlformats.org/presentationml/2006/main">
+  <p:cSld>
+    <p:spTree>
+      <p:nvGrpSpPr>
+        <p:cNvPr id="1" name=""/>
+        <p:cNvGrpSpPr/>
+        <p:nvPr/>
+      </p:nvGrpSpPr>
+      <p:grpSpPr>
+        <a:xfrm>
+          <a:off x="0" y="0"/>
+          <a:ext cx="0" cy="0"/>
+          <a:chOff x="0" y="0"/>
+          <a:chExt cx="0" cy="0"/>
+        </a:xfrm>
+      </p:grpSpPr>
+      <p:sp>
+        <p:nvSpPr>
+          <p:cNvPr id="2" name="幻灯片图像占位符 1"/>
+          <p:cNvSpPr>
+            <a:spLocks noGrp="1" noRot="1" noChangeAspect="1"/>
+          </p:cNvSpPr>
+          <p:nvPr>
+            <p:ph type="sldImg"/>
+          </p:nvPr>
+        </p:nvSpPr>
+        <p:spPr/>
+      </p:sp>
+      <p:sp>
+        <p:nvSpPr>
+          <p:cNvPr id="3" name="备注占位符 2"/>
+          <p:cNvSpPr>
+            <a:spLocks noGrp="1"/>
+          </p:cNvSpPr>
+          <p:nvPr>
+            <p:ph type="body" idx="1"/>
+          </p:nvPr>
+        </p:nvSpPr>
+        <p:spPr/>
+        <p:txBody>
+          <a:bodyPr/>
+          <a:lstStyle/>
+          <a:p>
+            <a:endParaRPr lang="zh-CN" altLang="en-US" dirty="0"/>
+          </a:p>
+        </p:txBody>
+      </p:sp>
+      <p:sp>
+        <p:nvSpPr>
+          <p:cNvPr id="4" name="灯片编号占位符 3"/>
+          <p:cNvSpPr>
+            <a:spLocks noGrp="1"/>
+          </p:cNvSpPr>
+          <p:nvPr>
+            <p:ph type="sldNum" sz="quarter" idx="10"/>
+          </p:nvPr>
+        </p:nvSpPr>
+        <p:spPr/>
+        <p:txBody>
+          <a:bodyPr/>
+          <a:lstStyle/>
+          <a:p>
+            <a:fld id="{9FB975F3-1C40-4D40-A7FE-36EEB7CAFC85}" type="slidenum">
+              <a:rPr lang="zh-CN" altLang="en-US" smtClean="0"/>
+              <a:t>9</a:t>
+            </a:fld>
+            <a:endParaRPr lang="zh-CN" altLang="en-US"/>
+          </a:p>
+        </p:txBody>
+      </p:sp>
+    </p:spTree>
+    <p:extLst>
+      <p:ext uri="{BB962C8B-B14F-4D97-AF65-F5344CB8AC3E}">
+        <p14:creationId xmlns:p14="http://schemas.microsoft.com/office/powerpoint/2010/main" val="1841677463"/>
+      </p:ext>
+    </p:extLst>
+  </p:cSld>
+  <p:clrMapOvr>
+    <a:masterClrMapping/>
+  </p:clrMapOvr>
+</p:notes>
+</file>
+
+<file path=ppt/notesSlides/notesSlide9.xml><?xml version="1.0" encoding="utf-8"?>
+<p:notes xmlns:a="http://schemas.openxmlformats.org/drawingml/2006/main" xmlns:r="http://schemas.openxmlformats.org/officeDocument/2006/relationships" xmlns:p="http://schemas.openxmlformats.org/presentationml/2006/main">
+  <p:cSld>
+    <p:spTree>
+      <p:nvGrpSpPr>
+        <p:cNvPr id="1" name=""/>
+        <p:cNvGrpSpPr/>
+        <p:nvPr/>
+      </p:nvGrpSpPr>
+      <p:grpSpPr>
+        <a:xfrm>
+          <a:off x="0" y="0"/>
+          <a:ext cx="0" cy="0"/>
+          <a:chOff x="0" y="0"/>
+          <a:chExt cx="0" cy="0"/>
+        </a:xfrm>
+      </p:grpSpPr>
+      <p:sp>
+        <p:nvSpPr>
+          <p:cNvPr id="2" name="幻灯片图像占位符 1"/>
+          <p:cNvSpPr>
+            <a:spLocks noGrp="1" noRot="1" noChangeAspect="1"/>
+          </p:cNvSpPr>
+          <p:nvPr>
+            <p:ph type="sldImg"/>
+          </p:nvPr>
+        </p:nvSpPr>
+        <p:spPr/>
+      </p:sp>
+      <p:sp>
+        <p:nvSpPr>
+          <p:cNvPr id="3" name="备注占位符 2"/>
+          <p:cNvSpPr>
+            <a:spLocks noGrp="1"/>
+          </p:cNvSpPr>
+          <p:nvPr>
+            <p:ph type="body" idx="1"/>
+          </p:nvPr>
+        </p:nvSpPr>
+        <p:spPr/>
+        <p:txBody>
+          <a:bodyPr/>
+          <a:lstStyle/>
+          <a:p>
+            <a:endParaRPr lang="zh-CN" altLang="en-US" dirty="0"/>
+          </a:p>
+        </p:txBody>
+      </p:sp>
+      <p:sp>
+        <p:nvSpPr>
+          <p:cNvPr id="4" name="灯片编号占位符 3"/>
+          <p:cNvSpPr>
+            <a:spLocks noGrp="1"/>
+          </p:cNvSpPr>
+          <p:nvPr>
+            <p:ph type="sldNum" sz="quarter" idx="10"/>
+          </p:nvPr>
+        </p:nvSpPr>
+        <p:spPr/>
+        <p:txBody>
+          <a:bodyPr/>
+          <a:lstStyle/>
+          <a:p>
+            <a:fld id="{9FB975F3-1C40-4D40-A7FE-36EEB7CAFC85}" type="slidenum">
+              <a:rPr lang="zh-CN" altLang="en-US" smtClean="0"/>
+              <a:t>10</a:t>
+            </a:fld>
+            <a:endParaRPr lang="zh-CN" altLang="en-US"/>
+          </a:p>
+        </p:txBody>
+      </p:sp>
+    </p:spTree>
+    <p:extLst>
+      <p:ext uri="{BB962C8B-B14F-4D97-AF65-F5344CB8AC3E}">
+        <p14:creationId xmlns:p14="http://schemas.microsoft.com/office/powerpoint/2010/main" val="1506494526"/>
       </p:ext>
     </p:extLst>
   </p:cSld>
@@ -4367,6 +5217,327 @@
 </p:sld>
 </file>
 
+<file path=ppt/slides/slide10.xml><?xml version="1.0" encoding="utf-8"?>
+<p:sld xmlns:a="http://schemas.openxmlformats.org/drawingml/2006/main" xmlns:r="http://schemas.openxmlformats.org/officeDocument/2006/relationships" xmlns:p="http://schemas.openxmlformats.org/presentationml/2006/main">
+  <p:cSld>
+    <p:spTree>
+      <p:nvGrpSpPr>
+        <p:cNvPr id="1" name=""/>
+        <p:cNvGrpSpPr/>
+        <p:nvPr/>
+      </p:nvGrpSpPr>
+      <p:grpSpPr>
+        <a:xfrm>
+          <a:off x="0" y="0"/>
+          <a:ext cx="0" cy="0"/>
+          <a:chOff x="0" y="0"/>
+          <a:chExt cx="0" cy="0"/>
+        </a:xfrm>
+      </p:grpSpPr>
+      <p:sp>
+        <p:nvSpPr>
+          <p:cNvPr id="4" name="标题 3">
+            <a:extLst>
+              <a:ext uri="{FF2B5EF4-FFF2-40B4-BE49-F238E27FC236}">
+                <a16:creationId xmlns:a16="http://schemas.microsoft.com/office/drawing/2014/main" id="{2729939D-814A-4BD2-9922-3F8EA865938B}"/>
+              </a:ext>
+            </a:extLst>
+          </p:cNvPr>
+          <p:cNvSpPr>
+            <a:spLocks noGrp="1"/>
+          </p:cNvSpPr>
+          <p:nvPr>
+            <p:ph type="title"/>
+          </p:nvPr>
+        </p:nvSpPr>
+        <p:spPr>
+          <a:xfrm>
+            <a:off x="838200" y="683581"/>
+            <a:ext cx="10515600" cy="736846"/>
+          </a:xfrm>
+        </p:spPr>
+        <p:txBody>
+          <a:bodyPr/>
+          <a:lstStyle/>
+          <a:p>
+            <a:r>
+              <a:rPr lang="zh-CN" altLang="en-US" dirty="0"/>
+              <a:t>执行正则表达式匹配替换</a:t>
+            </a:r>
+          </a:p>
+        </p:txBody>
+      </p:sp>
+      <p:sp>
+        <p:nvSpPr>
+          <p:cNvPr id="6" name="内容占位符 5">
+            <a:extLst>
+              <a:ext uri="{FF2B5EF4-FFF2-40B4-BE49-F238E27FC236}">
+                <a16:creationId xmlns:a16="http://schemas.microsoft.com/office/drawing/2014/main" id="{B83E9AD4-C606-4679-B884-01F71CC97E44}"/>
+              </a:ext>
+            </a:extLst>
+          </p:cNvPr>
+          <p:cNvSpPr>
+            <a:spLocks noGrp="1"/>
+          </p:cNvSpPr>
+          <p:nvPr>
+            <p:ph idx="1"/>
+          </p:nvPr>
+        </p:nvSpPr>
+        <p:spPr>
+          <a:xfrm>
+            <a:off x="838200" y="1656500"/>
+            <a:ext cx="10515600" cy="4850832"/>
+          </a:xfrm>
+        </p:spPr>
+        <p:txBody>
+          <a:bodyPr>
+            <a:normAutofit/>
+          </a:bodyPr>
+          <a:lstStyle/>
+          <a:p>
+            <a:endParaRPr lang="en-US" altLang="zh-CN" sz="2000" dirty="0"/>
+          </a:p>
+          <a:p>
+            <a:endParaRPr lang="en-US" altLang="zh-CN" sz="2400" dirty="0"/>
+          </a:p>
+          <a:p>
+            <a:endParaRPr lang="en-US" altLang="zh-CN" sz="2400" dirty="0"/>
+          </a:p>
+          <a:p>
+            <a:endParaRPr lang="en-US" altLang="zh-CN" sz="2000" dirty="0"/>
+          </a:p>
+        </p:txBody>
+      </p:sp>
+    </p:spTree>
+    <p:extLst>
+      <p:ext uri="{BB962C8B-B14F-4D97-AF65-F5344CB8AC3E}">
+        <p14:creationId xmlns:p14="http://schemas.microsoft.com/office/powerpoint/2010/main" val="824862703"/>
+      </p:ext>
+    </p:extLst>
+  </p:cSld>
+  <p:clrMapOvr>
+    <a:masterClrMapping/>
+  </p:clrMapOvr>
+</p:sld>
+</file>
+
+<file path=ppt/slides/slide11.xml><?xml version="1.0" encoding="utf-8"?>
+<p:sld xmlns:a="http://schemas.openxmlformats.org/drawingml/2006/main" xmlns:r="http://schemas.openxmlformats.org/officeDocument/2006/relationships" xmlns:p="http://schemas.openxmlformats.org/presentationml/2006/main">
+  <p:cSld>
+    <p:spTree>
+      <p:nvGrpSpPr>
+        <p:cNvPr id="1" name=""/>
+        <p:cNvGrpSpPr/>
+        <p:nvPr/>
+      </p:nvGrpSpPr>
+      <p:grpSpPr>
+        <a:xfrm>
+          <a:off x="0" y="0"/>
+          <a:ext cx="0" cy="0"/>
+          <a:chOff x="0" y="0"/>
+          <a:chExt cx="0" cy="0"/>
+        </a:xfrm>
+      </p:grpSpPr>
+      <p:sp>
+        <p:nvSpPr>
+          <p:cNvPr id="4" name="标题 3">
+            <a:extLst>
+              <a:ext uri="{FF2B5EF4-FFF2-40B4-BE49-F238E27FC236}">
+                <a16:creationId xmlns:a16="http://schemas.microsoft.com/office/drawing/2014/main" id="{2729939D-814A-4BD2-9922-3F8EA865938B}"/>
+              </a:ext>
+            </a:extLst>
+          </p:cNvPr>
+          <p:cNvSpPr>
+            <a:spLocks noGrp="1"/>
+          </p:cNvSpPr>
+          <p:nvPr>
+            <p:ph type="title"/>
+          </p:nvPr>
+        </p:nvSpPr>
+        <p:spPr>
+          <a:xfrm>
+            <a:off x="838200" y="683581"/>
+            <a:ext cx="10515600" cy="736846"/>
+          </a:xfrm>
+        </p:spPr>
+        <p:txBody>
+          <a:bodyPr/>
+          <a:lstStyle/>
+          <a:p>
+            <a:r>
+              <a:rPr lang="zh-CN" altLang="en-US" dirty="0"/>
+              <a:t>计算文件的</a:t>
+            </a:r>
+            <a:r>
+              <a:rPr lang="en-US" altLang="zh-CN" dirty="0"/>
+              <a:t>sha1</a:t>
+            </a:r>
+            <a:r>
+              <a:rPr lang="zh-CN" altLang="en-US" dirty="0"/>
+              <a:t>值确定文件是否相同</a:t>
+            </a:r>
+          </a:p>
+        </p:txBody>
+      </p:sp>
+      <p:sp>
+        <p:nvSpPr>
+          <p:cNvPr id="6" name="内容占位符 5">
+            <a:extLst>
+              <a:ext uri="{FF2B5EF4-FFF2-40B4-BE49-F238E27FC236}">
+                <a16:creationId xmlns:a16="http://schemas.microsoft.com/office/drawing/2014/main" id="{B83E9AD4-C606-4679-B884-01F71CC97E44}"/>
+              </a:ext>
+            </a:extLst>
+          </p:cNvPr>
+          <p:cNvSpPr>
+            <a:spLocks noGrp="1"/>
+          </p:cNvSpPr>
+          <p:nvPr>
+            <p:ph idx="1"/>
+          </p:nvPr>
+        </p:nvSpPr>
+        <p:spPr>
+          <a:xfrm>
+            <a:off x="838200" y="1656500"/>
+            <a:ext cx="10515600" cy="4850832"/>
+          </a:xfrm>
+        </p:spPr>
+        <p:txBody>
+          <a:bodyPr>
+            <a:normAutofit/>
+          </a:bodyPr>
+          <a:lstStyle/>
+          <a:p>
+            <a:endParaRPr lang="en-US" altLang="zh-CN" sz="2000" dirty="0"/>
+          </a:p>
+          <a:p>
+            <a:endParaRPr lang="en-US" altLang="zh-CN" sz="2400" dirty="0"/>
+          </a:p>
+          <a:p>
+            <a:endParaRPr lang="en-US" altLang="zh-CN" sz="2400" dirty="0"/>
+          </a:p>
+          <a:p>
+            <a:endParaRPr lang="en-US" altLang="zh-CN" sz="2000" dirty="0"/>
+          </a:p>
+        </p:txBody>
+      </p:sp>
+    </p:spTree>
+    <p:extLst>
+      <p:ext uri="{BB962C8B-B14F-4D97-AF65-F5344CB8AC3E}">
+        <p14:creationId xmlns:p14="http://schemas.microsoft.com/office/powerpoint/2010/main" val="951897148"/>
+      </p:ext>
+    </p:extLst>
+  </p:cSld>
+  <p:clrMapOvr>
+    <a:masterClrMapping/>
+  </p:clrMapOvr>
+</p:sld>
+</file>
+
+<file path=ppt/slides/slide12.xml><?xml version="1.0" encoding="utf-8"?>
+<p:sld xmlns:a="http://schemas.openxmlformats.org/drawingml/2006/main" xmlns:r="http://schemas.openxmlformats.org/officeDocument/2006/relationships" xmlns:p="http://schemas.openxmlformats.org/presentationml/2006/main">
+  <p:cSld>
+    <p:spTree>
+      <p:nvGrpSpPr>
+        <p:cNvPr id="1" name=""/>
+        <p:cNvGrpSpPr/>
+        <p:nvPr/>
+      </p:nvGrpSpPr>
+      <p:grpSpPr>
+        <a:xfrm>
+          <a:off x="0" y="0"/>
+          <a:ext cx="0" cy="0"/>
+          <a:chOff x="0" y="0"/>
+          <a:chExt cx="0" cy="0"/>
+        </a:xfrm>
+      </p:grpSpPr>
+      <p:sp>
+        <p:nvSpPr>
+          <p:cNvPr id="4" name="标题 3">
+            <a:extLst>
+              <a:ext uri="{FF2B5EF4-FFF2-40B4-BE49-F238E27FC236}">
+                <a16:creationId xmlns:a16="http://schemas.microsoft.com/office/drawing/2014/main" id="{2729939D-814A-4BD2-9922-3F8EA865938B}"/>
+              </a:ext>
+            </a:extLst>
+          </p:cNvPr>
+          <p:cNvSpPr>
+            <a:spLocks noGrp="1"/>
+          </p:cNvSpPr>
+          <p:nvPr>
+            <p:ph type="title"/>
+          </p:nvPr>
+        </p:nvSpPr>
+        <p:spPr>
+          <a:xfrm>
+            <a:off x="838200" y="683581"/>
+            <a:ext cx="10515600" cy="736846"/>
+          </a:xfrm>
+        </p:spPr>
+        <p:txBody>
+          <a:bodyPr/>
+          <a:lstStyle/>
+          <a:p>
+            <a:r>
+              <a:rPr lang="zh-CN" altLang="en-US"/>
+              <a:t>文件基本操作</a:t>
+            </a:r>
+            <a:endParaRPr lang="zh-CN" altLang="en-US" dirty="0"/>
+          </a:p>
+        </p:txBody>
+      </p:sp>
+      <p:sp>
+        <p:nvSpPr>
+          <p:cNvPr id="6" name="内容占位符 5">
+            <a:extLst>
+              <a:ext uri="{FF2B5EF4-FFF2-40B4-BE49-F238E27FC236}">
+                <a16:creationId xmlns:a16="http://schemas.microsoft.com/office/drawing/2014/main" id="{B83E9AD4-C606-4679-B884-01F71CC97E44}"/>
+              </a:ext>
+            </a:extLst>
+          </p:cNvPr>
+          <p:cNvSpPr>
+            <a:spLocks noGrp="1"/>
+          </p:cNvSpPr>
+          <p:nvPr>
+            <p:ph idx="1"/>
+          </p:nvPr>
+        </p:nvSpPr>
+        <p:spPr>
+          <a:xfrm>
+            <a:off x="838200" y="1656500"/>
+            <a:ext cx="10515600" cy="4850832"/>
+          </a:xfrm>
+        </p:spPr>
+        <p:txBody>
+          <a:bodyPr>
+            <a:normAutofit/>
+          </a:bodyPr>
+          <a:lstStyle/>
+          <a:p>
+            <a:endParaRPr lang="en-US" altLang="zh-CN" sz="2000" dirty="0"/>
+          </a:p>
+          <a:p>
+            <a:endParaRPr lang="en-US" altLang="zh-CN" sz="2400" dirty="0"/>
+          </a:p>
+          <a:p>
+            <a:endParaRPr lang="en-US" altLang="zh-CN" sz="2400" dirty="0"/>
+          </a:p>
+          <a:p>
+            <a:endParaRPr lang="en-US" altLang="zh-CN" sz="2000" dirty="0"/>
+          </a:p>
+        </p:txBody>
+      </p:sp>
+    </p:spTree>
+    <p:extLst>
+      <p:ext uri="{BB962C8B-B14F-4D97-AF65-F5344CB8AC3E}">
+        <p14:creationId xmlns:p14="http://schemas.microsoft.com/office/powerpoint/2010/main" val="2778821791"/>
+      </p:ext>
+    </p:extLst>
+  </p:cSld>
+  <p:clrMapOvr>
+    <a:masterClrMapping/>
+  </p:clrMapOvr>
+</p:sld>
+</file>
+
 <file path=ppt/slides/slide2.xml><?xml version="1.0" encoding="utf-8"?>
 <p:sld xmlns:a="http://schemas.openxmlformats.org/drawingml/2006/main" xmlns:r="http://schemas.openxmlformats.org/officeDocument/2006/relationships" xmlns:p="http://schemas.openxmlformats.org/presentationml/2006/main">
   <p:cSld>
@@ -4410,7 +5581,14 @@
           <a:bodyPr/>
           <a:lstStyle/>
           <a:p>
-            <a:endParaRPr lang="zh-CN" altLang="en-US" dirty="0"/>
+            <a:r>
+              <a:rPr lang="en-US" altLang="zh-CN" dirty="0"/>
+              <a:t>PHP</a:t>
+            </a:r>
+            <a:r>
+              <a:rPr lang="zh-CN" altLang="en-US" dirty="0"/>
+              <a:t>如何从终端获取输入</a:t>
+            </a:r>
           </a:p>
         </p:txBody>
       </p:sp>
@@ -4459,6 +5637,783 @@
     <p:extLst>
       <p:ext uri="{BB962C8B-B14F-4D97-AF65-F5344CB8AC3E}">
         <p14:creationId xmlns:p14="http://schemas.microsoft.com/office/powerpoint/2010/main" val="3138294811"/>
+      </p:ext>
+    </p:extLst>
+  </p:cSld>
+  <p:clrMapOvr>
+    <a:masterClrMapping/>
+  </p:clrMapOvr>
+</p:sld>
+</file>
+
+<file path=ppt/slides/slide3.xml><?xml version="1.0" encoding="utf-8"?>
+<p:sld xmlns:a="http://schemas.openxmlformats.org/drawingml/2006/main" xmlns:r="http://schemas.openxmlformats.org/officeDocument/2006/relationships" xmlns:p="http://schemas.openxmlformats.org/presentationml/2006/main">
+  <p:cSld>
+    <p:spTree>
+      <p:nvGrpSpPr>
+        <p:cNvPr id="1" name=""/>
+        <p:cNvGrpSpPr/>
+        <p:nvPr/>
+      </p:nvGrpSpPr>
+      <p:grpSpPr>
+        <a:xfrm>
+          <a:off x="0" y="0"/>
+          <a:ext cx="0" cy="0"/>
+          <a:chOff x="0" y="0"/>
+          <a:chExt cx="0" cy="0"/>
+        </a:xfrm>
+      </p:grpSpPr>
+      <p:sp>
+        <p:nvSpPr>
+          <p:cNvPr id="4" name="标题 3">
+            <a:extLst>
+              <a:ext uri="{FF2B5EF4-FFF2-40B4-BE49-F238E27FC236}">
+                <a16:creationId xmlns:a16="http://schemas.microsoft.com/office/drawing/2014/main" id="{2729939D-814A-4BD2-9922-3F8EA865938B}"/>
+              </a:ext>
+            </a:extLst>
+          </p:cNvPr>
+          <p:cNvSpPr>
+            <a:spLocks noGrp="1"/>
+          </p:cNvSpPr>
+          <p:nvPr>
+            <p:ph type="title"/>
+          </p:nvPr>
+        </p:nvSpPr>
+        <p:spPr>
+          <a:xfrm>
+            <a:off x="838200" y="683581"/>
+            <a:ext cx="10515600" cy="736846"/>
+          </a:xfrm>
+        </p:spPr>
+        <p:txBody>
+          <a:bodyPr/>
+          <a:lstStyle/>
+          <a:p>
+            <a:r>
+              <a:rPr lang="en-US" altLang="zh-CN" dirty="0"/>
+              <a:t>PHP</a:t>
+            </a:r>
+            <a:r>
+              <a:rPr lang="zh-CN" altLang="en-US" dirty="0"/>
+              <a:t>如何获取客户端信息</a:t>
+            </a:r>
+          </a:p>
+        </p:txBody>
+      </p:sp>
+      <p:sp>
+        <p:nvSpPr>
+          <p:cNvPr id="6" name="内容占位符 5">
+            <a:extLst>
+              <a:ext uri="{FF2B5EF4-FFF2-40B4-BE49-F238E27FC236}">
+                <a16:creationId xmlns:a16="http://schemas.microsoft.com/office/drawing/2014/main" id="{B83E9AD4-C606-4679-B884-01F71CC97E44}"/>
+              </a:ext>
+            </a:extLst>
+          </p:cNvPr>
+          <p:cNvSpPr>
+            <a:spLocks noGrp="1"/>
+          </p:cNvSpPr>
+          <p:nvPr>
+            <p:ph idx="1"/>
+          </p:nvPr>
+        </p:nvSpPr>
+        <p:spPr>
+          <a:xfrm>
+            <a:off x="838200" y="1656500"/>
+            <a:ext cx="10515600" cy="4850832"/>
+          </a:xfrm>
+        </p:spPr>
+        <p:txBody>
+          <a:bodyPr>
+            <a:normAutofit/>
+          </a:bodyPr>
+          <a:lstStyle/>
+          <a:p>
+            <a:endParaRPr lang="en-US" altLang="zh-CN" sz="2000" dirty="0"/>
+          </a:p>
+          <a:p>
+            <a:endParaRPr lang="en-US" altLang="zh-CN" sz="2400" dirty="0"/>
+          </a:p>
+          <a:p>
+            <a:endParaRPr lang="en-US" altLang="zh-CN" sz="2400" dirty="0"/>
+          </a:p>
+          <a:p>
+            <a:endParaRPr lang="en-US" altLang="zh-CN" sz="2000" dirty="0"/>
+          </a:p>
+        </p:txBody>
+      </p:sp>
+    </p:spTree>
+    <p:extLst>
+      <p:ext uri="{BB962C8B-B14F-4D97-AF65-F5344CB8AC3E}">
+        <p14:creationId xmlns:p14="http://schemas.microsoft.com/office/powerpoint/2010/main" val="1697046678"/>
+      </p:ext>
+    </p:extLst>
+  </p:cSld>
+  <p:clrMapOvr>
+    <a:masterClrMapping/>
+  </p:clrMapOvr>
+</p:sld>
+</file>
+
+<file path=ppt/slides/slide4.xml><?xml version="1.0" encoding="utf-8"?>
+<p:sld xmlns:a="http://schemas.openxmlformats.org/drawingml/2006/main" xmlns:r="http://schemas.openxmlformats.org/officeDocument/2006/relationships" xmlns:p="http://schemas.openxmlformats.org/presentationml/2006/main">
+  <p:cSld>
+    <p:spTree>
+      <p:nvGrpSpPr>
+        <p:cNvPr id="1" name=""/>
+        <p:cNvGrpSpPr/>
+        <p:nvPr/>
+      </p:nvGrpSpPr>
+      <p:grpSpPr>
+        <a:xfrm>
+          <a:off x="0" y="0"/>
+          <a:ext cx="0" cy="0"/>
+          <a:chOff x="0" y="0"/>
+          <a:chExt cx="0" cy="0"/>
+        </a:xfrm>
+      </p:grpSpPr>
+      <p:sp>
+        <p:nvSpPr>
+          <p:cNvPr id="4" name="标题 3">
+            <a:extLst>
+              <a:ext uri="{FF2B5EF4-FFF2-40B4-BE49-F238E27FC236}">
+                <a16:creationId xmlns:a16="http://schemas.microsoft.com/office/drawing/2014/main" id="{2729939D-814A-4BD2-9922-3F8EA865938B}"/>
+              </a:ext>
+            </a:extLst>
+          </p:cNvPr>
+          <p:cNvSpPr>
+            <a:spLocks noGrp="1"/>
+          </p:cNvSpPr>
+          <p:nvPr>
+            <p:ph type="title"/>
+          </p:nvPr>
+        </p:nvSpPr>
+        <p:spPr>
+          <a:xfrm>
+            <a:off x="838200" y="683581"/>
+            <a:ext cx="10515600" cy="736846"/>
+          </a:xfrm>
+        </p:spPr>
+        <p:txBody>
+          <a:bodyPr/>
+          <a:lstStyle/>
+          <a:p>
+            <a:r>
+              <a:rPr lang="en-US" altLang="zh-CN" dirty="0"/>
+              <a:t>PHP</a:t>
+            </a:r>
+            <a:r>
+              <a:rPr lang="zh-CN" altLang="en-US" dirty="0"/>
+              <a:t>格式化时间</a:t>
+            </a:r>
+          </a:p>
+        </p:txBody>
+      </p:sp>
+      <p:sp>
+        <p:nvSpPr>
+          <p:cNvPr id="6" name="内容占位符 5">
+            <a:extLst>
+              <a:ext uri="{FF2B5EF4-FFF2-40B4-BE49-F238E27FC236}">
+                <a16:creationId xmlns:a16="http://schemas.microsoft.com/office/drawing/2014/main" id="{B83E9AD4-C606-4679-B884-01F71CC97E44}"/>
+              </a:ext>
+            </a:extLst>
+          </p:cNvPr>
+          <p:cNvSpPr>
+            <a:spLocks noGrp="1"/>
+          </p:cNvSpPr>
+          <p:nvPr>
+            <p:ph idx="1"/>
+          </p:nvPr>
+        </p:nvSpPr>
+        <p:spPr>
+          <a:xfrm>
+            <a:off x="838200" y="1656500"/>
+            <a:ext cx="10515600" cy="4850832"/>
+          </a:xfrm>
+        </p:spPr>
+        <p:txBody>
+          <a:bodyPr>
+            <a:normAutofit/>
+          </a:bodyPr>
+          <a:lstStyle/>
+          <a:p>
+            <a:endParaRPr lang="en-US" altLang="zh-CN" sz="2000" dirty="0"/>
+          </a:p>
+          <a:p>
+            <a:endParaRPr lang="en-US" altLang="zh-CN" sz="2400" dirty="0"/>
+          </a:p>
+          <a:p>
+            <a:endParaRPr lang="en-US" altLang="zh-CN" sz="2400" dirty="0"/>
+          </a:p>
+          <a:p>
+            <a:endParaRPr lang="en-US" altLang="zh-CN" sz="2000" dirty="0"/>
+          </a:p>
+        </p:txBody>
+      </p:sp>
+    </p:spTree>
+    <p:extLst>
+      <p:ext uri="{BB962C8B-B14F-4D97-AF65-F5344CB8AC3E}">
+        <p14:creationId xmlns:p14="http://schemas.microsoft.com/office/powerpoint/2010/main" val="2544041812"/>
+      </p:ext>
+    </p:extLst>
+  </p:cSld>
+  <p:clrMapOvr>
+    <a:masterClrMapping/>
+  </p:clrMapOvr>
+</p:sld>
+</file>
+
+<file path=ppt/slides/slide5.xml><?xml version="1.0" encoding="utf-8"?>
+<p:sld xmlns:a="http://schemas.openxmlformats.org/drawingml/2006/main" xmlns:r="http://schemas.openxmlformats.org/officeDocument/2006/relationships" xmlns:p="http://schemas.openxmlformats.org/presentationml/2006/main">
+  <p:cSld>
+    <p:spTree>
+      <p:nvGrpSpPr>
+        <p:cNvPr id="1" name=""/>
+        <p:cNvGrpSpPr/>
+        <p:nvPr/>
+      </p:nvGrpSpPr>
+      <p:grpSpPr>
+        <a:xfrm>
+          <a:off x="0" y="0"/>
+          <a:ext cx="0" cy="0"/>
+          <a:chOff x="0" y="0"/>
+          <a:chExt cx="0" cy="0"/>
+        </a:xfrm>
+      </p:grpSpPr>
+      <p:sp>
+        <p:nvSpPr>
+          <p:cNvPr id="4" name="标题 3">
+            <a:extLst>
+              <a:ext uri="{FF2B5EF4-FFF2-40B4-BE49-F238E27FC236}">
+                <a16:creationId xmlns:a16="http://schemas.microsoft.com/office/drawing/2014/main" id="{2729939D-814A-4BD2-9922-3F8EA865938B}"/>
+              </a:ext>
+            </a:extLst>
+          </p:cNvPr>
+          <p:cNvSpPr>
+            <a:spLocks noGrp="1"/>
+          </p:cNvSpPr>
+          <p:nvPr>
+            <p:ph type="title"/>
+          </p:nvPr>
+        </p:nvSpPr>
+        <p:spPr>
+          <a:xfrm>
+            <a:off x="838200" y="683581"/>
+            <a:ext cx="10515600" cy="736846"/>
+          </a:xfrm>
+        </p:spPr>
+        <p:txBody>
+          <a:bodyPr/>
+          <a:lstStyle/>
+          <a:p>
+            <a:r>
+              <a:rPr lang="en-US" altLang="zh-CN" dirty="0"/>
+              <a:t>PHP</a:t>
+            </a:r>
+            <a:r>
+              <a:rPr lang="zh-CN" altLang="en-US" dirty="0"/>
+              <a:t>如何使用</a:t>
+            </a:r>
+            <a:r>
+              <a:rPr lang="en-US" altLang="zh-CN" dirty="0" err="1"/>
+              <a:t>openssl</a:t>
+            </a:r>
+            <a:r>
+              <a:rPr lang="zh-CN" altLang="en-US" dirty="0"/>
+              <a:t>进行加密解密</a:t>
+            </a:r>
+          </a:p>
+        </p:txBody>
+      </p:sp>
+      <p:sp>
+        <p:nvSpPr>
+          <p:cNvPr id="6" name="内容占位符 5">
+            <a:extLst>
+              <a:ext uri="{FF2B5EF4-FFF2-40B4-BE49-F238E27FC236}">
+                <a16:creationId xmlns:a16="http://schemas.microsoft.com/office/drawing/2014/main" id="{B83E9AD4-C606-4679-B884-01F71CC97E44}"/>
+              </a:ext>
+            </a:extLst>
+          </p:cNvPr>
+          <p:cNvSpPr>
+            <a:spLocks noGrp="1"/>
+          </p:cNvSpPr>
+          <p:nvPr>
+            <p:ph idx="1"/>
+          </p:nvPr>
+        </p:nvSpPr>
+        <p:spPr>
+          <a:xfrm>
+            <a:off x="838200" y="1656500"/>
+            <a:ext cx="10515600" cy="4850832"/>
+          </a:xfrm>
+        </p:spPr>
+        <p:txBody>
+          <a:bodyPr>
+            <a:normAutofit/>
+          </a:bodyPr>
+          <a:lstStyle/>
+          <a:p>
+            <a:endParaRPr lang="en-US" altLang="zh-CN" sz="2000" dirty="0"/>
+          </a:p>
+          <a:p>
+            <a:endParaRPr lang="en-US" altLang="zh-CN" sz="2400" dirty="0"/>
+          </a:p>
+          <a:p>
+            <a:endParaRPr lang="en-US" altLang="zh-CN" sz="2400" dirty="0"/>
+          </a:p>
+          <a:p>
+            <a:endParaRPr lang="en-US" altLang="zh-CN" sz="2000" dirty="0"/>
+          </a:p>
+        </p:txBody>
+      </p:sp>
+    </p:spTree>
+    <p:extLst>
+      <p:ext uri="{BB962C8B-B14F-4D97-AF65-F5344CB8AC3E}">
+        <p14:creationId xmlns:p14="http://schemas.microsoft.com/office/powerpoint/2010/main" val="15514833"/>
+      </p:ext>
+    </p:extLst>
+  </p:cSld>
+  <p:clrMapOvr>
+    <a:masterClrMapping/>
+  </p:clrMapOvr>
+</p:sld>
+</file>
+
+<file path=ppt/slides/slide6.xml><?xml version="1.0" encoding="utf-8"?>
+<p:sld xmlns:a="http://schemas.openxmlformats.org/drawingml/2006/main" xmlns:r="http://schemas.openxmlformats.org/officeDocument/2006/relationships" xmlns:p="http://schemas.openxmlformats.org/presentationml/2006/main">
+  <p:cSld>
+    <p:spTree>
+      <p:nvGrpSpPr>
+        <p:cNvPr id="1" name=""/>
+        <p:cNvGrpSpPr/>
+        <p:nvPr/>
+      </p:nvGrpSpPr>
+      <p:grpSpPr>
+        <a:xfrm>
+          <a:off x="0" y="0"/>
+          <a:ext cx="0" cy="0"/>
+          <a:chOff x="0" y="0"/>
+          <a:chExt cx="0" cy="0"/>
+        </a:xfrm>
+      </p:grpSpPr>
+      <p:sp>
+        <p:nvSpPr>
+          <p:cNvPr id="4" name="标题 3">
+            <a:extLst>
+              <a:ext uri="{FF2B5EF4-FFF2-40B4-BE49-F238E27FC236}">
+                <a16:creationId xmlns:a16="http://schemas.microsoft.com/office/drawing/2014/main" id="{2729939D-814A-4BD2-9922-3F8EA865938B}"/>
+              </a:ext>
+            </a:extLst>
+          </p:cNvPr>
+          <p:cNvSpPr>
+            <a:spLocks noGrp="1"/>
+          </p:cNvSpPr>
+          <p:nvPr>
+            <p:ph type="title"/>
+          </p:nvPr>
+        </p:nvSpPr>
+        <p:spPr>
+          <a:xfrm>
+            <a:off x="838200" y="683581"/>
+            <a:ext cx="10515600" cy="736846"/>
+          </a:xfrm>
+        </p:spPr>
+        <p:txBody>
+          <a:bodyPr/>
+          <a:lstStyle/>
+          <a:p>
+            <a:r>
+              <a:rPr lang="en-US" altLang="zh-CN" dirty="0"/>
+              <a:t>PHP</a:t>
+            </a:r>
+            <a:r>
+              <a:rPr lang="zh-CN" altLang="en-US" dirty="0"/>
+              <a:t>对用户名、</a:t>
+            </a:r>
+            <a:r>
+              <a:rPr lang="en-US" altLang="zh-CN" dirty="0"/>
+              <a:t>Email</a:t>
+            </a:r>
+            <a:r>
+              <a:rPr lang="zh-CN" altLang="en-US" dirty="0"/>
+              <a:t>、密码进行正则匹配</a:t>
+            </a:r>
+          </a:p>
+        </p:txBody>
+      </p:sp>
+      <p:sp>
+        <p:nvSpPr>
+          <p:cNvPr id="6" name="内容占位符 5">
+            <a:extLst>
+              <a:ext uri="{FF2B5EF4-FFF2-40B4-BE49-F238E27FC236}">
+                <a16:creationId xmlns:a16="http://schemas.microsoft.com/office/drawing/2014/main" id="{B83E9AD4-C606-4679-B884-01F71CC97E44}"/>
+              </a:ext>
+            </a:extLst>
+          </p:cNvPr>
+          <p:cNvSpPr>
+            <a:spLocks noGrp="1"/>
+          </p:cNvSpPr>
+          <p:nvPr>
+            <p:ph idx="1"/>
+          </p:nvPr>
+        </p:nvSpPr>
+        <p:spPr>
+          <a:xfrm>
+            <a:off x="838200" y="1656500"/>
+            <a:ext cx="10515600" cy="4850832"/>
+          </a:xfrm>
+        </p:spPr>
+        <p:txBody>
+          <a:bodyPr>
+            <a:normAutofit/>
+          </a:bodyPr>
+          <a:lstStyle/>
+          <a:p>
+            <a:endParaRPr lang="en-US" altLang="zh-CN" sz="2000" dirty="0"/>
+          </a:p>
+          <a:p>
+            <a:endParaRPr lang="en-US" altLang="zh-CN" sz="2400" dirty="0"/>
+          </a:p>
+          <a:p>
+            <a:endParaRPr lang="en-US" altLang="zh-CN" sz="2400" dirty="0"/>
+          </a:p>
+          <a:p>
+            <a:endParaRPr lang="en-US" altLang="zh-CN" sz="2000" dirty="0"/>
+          </a:p>
+        </p:txBody>
+      </p:sp>
+    </p:spTree>
+    <p:extLst>
+      <p:ext uri="{BB962C8B-B14F-4D97-AF65-F5344CB8AC3E}">
+        <p14:creationId xmlns:p14="http://schemas.microsoft.com/office/powerpoint/2010/main" val="3783230421"/>
+      </p:ext>
+    </p:extLst>
+  </p:cSld>
+  <p:clrMapOvr>
+    <a:masterClrMapping/>
+  </p:clrMapOvr>
+</p:sld>
+</file>
+
+<file path=ppt/slides/slide7.xml><?xml version="1.0" encoding="utf-8"?>
+<p:sld xmlns:a="http://schemas.openxmlformats.org/drawingml/2006/main" xmlns:r="http://schemas.openxmlformats.org/officeDocument/2006/relationships" xmlns:p="http://schemas.openxmlformats.org/presentationml/2006/main">
+  <p:cSld>
+    <p:spTree>
+      <p:nvGrpSpPr>
+        <p:cNvPr id="1" name=""/>
+        <p:cNvGrpSpPr/>
+        <p:nvPr/>
+      </p:nvGrpSpPr>
+      <p:grpSpPr>
+        <a:xfrm>
+          <a:off x="0" y="0"/>
+          <a:ext cx="0" cy="0"/>
+          <a:chOff x="0" y="0"/>
+          <a:chExt cx="0" cy="0"/>
+        </a:xfrm>
+      </p:grpSpPr>
+      <p:sp>
+        <p:nvSpPr>
+          <p:cNvPr id="4" name="标题 3">
+            <a:extLst>
+              <a:ext uri="{FF2B5EF4-FFF2-40B4-BE49-F238E27FC236}">
+                <a16:creationId xmlns:a16="http://schemas.microsoft.com/office/drawing/2014/main" id="{2729939D-814A-4BD2-9922-3F8EA865938B}"/>
+              </a:ext>
+            </a:extLst>
+          </p:cNvPr>
+          <p:cNvSpPr>
+            <a:spLocks noGrp="1"/>
+          </p:cNvSpPr>
+          <p:nvPr>
+            <p:ph type="title"/>
+          </p:nvPr>
+        </p:nvSpPr>
+        <p:spPr>
+          <a:xfrm>
+            <a:off x="838200" y="683581"/>
+            <a:ext cx="10515600" cy="736846"/>
+          </a:xfrm>
+        </p:spPr>
+        <p:txBody>
+          <a:bodyPr/>
+          <a:lstStyle/>
+          <a:p>
+            <a:r>
+              <a:rPr lang="en-US" altLang="zh-CN" dirty="0"/>
+              <a:t>PHP</a:t>
+            </a:r>
+            <a:r>
+              <a:rPr lang="zh-CN" altLang="en-US" dirty="0"/>
+              <a:t>对数组元素</a:t>
+            </a:r>
+            <a:r>
+              <a:rPr lang="en-US" altLang="zh-CN" dirty="0"/>
+              <a:t>map</a:t>
+            </a:r>
+            <a:endParaRPr lang="zh-CN" altLang="en-US" dirty="0"/>
+          </a:p>
+        </p:txBody>
+      </p:sp>
+      <p:sp>
+        <p:nvSpPr>
+          <p:cNvPr id="6" name="内容占位符 5">
+            <a:extLst>
+              <a:ext uri="{FF2B5EF4-FFF2-40B4-BE49-F238E27FC236}">
+                <a16:creationId xmlns:a16="http://schemas.microsoft.com/office/drawing/2014/main" id="{B83E9AD4-C606-4679-B884-01F71CC97E44}"/>
+              </a:ext>
+            </a:extLst>
+          </p:cNvPr>
+          <p:cNvSpPr>
+            <a:spLocks noGrp="1"/>
+          </p:cNvSpPr>
+          <p:nvPr>
+            <p:ph idx="1"/>
+          </p:nvPr>
+        </p:nvSpPr>
+        <p:spPr>
+          <a:xfrm>
+            <a:off x="838200" y="1656500"/>
+            <a:ext cx="10515600" cy="4850832"/>
+          </a:xfrm>
+        </p:spPr>
+        <p:txBody>
+          <a:bodyPr>
+            <a:normAutofit/>
+          </a:bodyPr>
+          <a:lstStyle/>
+          <a:p>
+            <a:endParaRPr lang="en-US" altLang="zh-CN" sz="2000" dirty="0"/>
+          </a:p>
+          <a:p>
+            <a:endParaRPr lang="en-US" altLang="zh-CN" sz="2400" dirty="0"/>
+          </a:p>
+          <a:p>
+            <a:endParaRPr lang="en-US" altLang="zh-CN" sz="2400" dirty="0"/>
+          </a:p>
+          <a:p>
+            <a:endParaRPr lang="en-US" altLang="zh-CN" sz="2000" dirty="0"/>
+          </a:p>
+        </p:txBody>
+      </p:sp>
+    </p:spTree>
+    <p:extLst>
+      <p:ext uri="{BB962C8B-B14F-4D97-AF65-F5344CB8AC3E}">
+        <p14:creationId xmlns:p14="http://schemas.microsoft.com/office/powerpoint/2010/main" val="342288909"/>
+      </p:ext>
+    </p:extLst>
+  </p:cSld>
+  <p:clrMapOvr>
+    <a:masterClrMapping/>
+  </p:clrMapOvr>
+</p:sld>
+</file>
+
+<file path=ppt/slides/slide8.xml><?xml version="1.0" encoding="utf-8"?>
+<p:sld xmlns:a="http://schemas.openxmlformats.org/drawingml/2006/main" xmlns:r="http://schemas.openxmlformats.org/officeDocument/2006/relationships" xmlns:p="http://schemas.openxmlformats.org/presentationml/2006/main">
+  <p:cSld>
+    <p:spTree>
+      <p:nvGrpSpPr>
+        <p:cNvPr id="1" name=""/>
+        <p:cNvGrpSpPr/>
+        <p:nvPr/>
+      </p:nvGrpSpPr>
+      <p:grpSpPr>
+        <a:xfrm>
+          <a:off x="0" y="0"/>
+          <a:ext cx="0" cy="0"/>
+          <a:chOff x="0" y="0"/>
+          <a:chExt cx="0" cy="0"/>
+        </a:xfrm>
+      </p:grpSpPr>
+      <p:sp>
+        <p:nvSpPr>
+          <p:cNvPr id="4" name="标题 3">
+            <a:extLst>
+              <a:ext uri="{FF2B5EF4-FFF2-40B4-BE49-F238E27FC236}">
+                <a16:creationId xmlns:a16="http://schemas.microsoft.com/office/drawing/2014/main" id="{2729939D-814A-4BD2-9922-3F8EA865938B}"/>
+              </a:ext>
+            </a:extLst>
+          </p:cNvPr>
+          <p:cNvSpPr>
+            <a:spLocks noGrp="1"/>
+          </p:cNvSpPr>
+          <p:nvPr>
+            <p:ph type="title"/>
+          </p:nvPr>
+        </p:nvSpPr>
+        <p:spPr>
+          <a:xfrm>
+            <a:off x="838200" y="683581"/>
+            <a:ext cx="10515600" cy="736846"/>
+          </a:xfrm>
+        </p:spPr>
+        <p:txBody>
+          <a:bodyPr/>
+          <a:lstStyle/>
+          <a:p>
+            <a:r>
+              <a:rPr lang="zh-CN" altLang="en-US" dirty="0"/>
+              <a:t>检查文件、类、方法是否存在</a:t>
+            </a:r>
+          </a:p>
+        </p:txBody>
+      </p:sp>
+      <p:sp>
+        <p:nvSpPr>
+          <p:cNvPr id="6" name="内容占位符 5">
+            <a:extLst>
+              <a:ext uri="{FF2B5EF4-FFF2-40B4-BE49-F238E27FC236}">
+                <a16:creationId xmlns:a16="http://schemas.microsoft.com/office/drawing/2014/main" id="{B83E9AD4-C606-4679-B884-01F71CC97E44}"/>
+              </a:ext>
+            </a:extLst>
+          </p:cNvPr>
+          <p:cNvSpPr>
+            <a:spLocks noGrp="1"/>
+          </p:cNvSpPr>
+          <p:nvPr>
+            <p:ph idx="1"/>
+          </p:nvPr>
+        </p:nvSpPr>
+        <p:spPr>
+          <a:xfrm>
+            <a:off x="838200" y="1656500"/>
+            <a:ext cx="10515600" cy="4850832"/>
+          </a:xfrm>
+        </p:spPr>
+        <p:txBody>
+          <a:bodyPr>
+            <a:normAutofit/>
+          </a:bodyPr>
+          <a:lstStyle/>
+          <a:p>
+            <a:endParaRPr lang="en-US" altLang="zh-CN" sz="2000" dirty="0"/>
+          </a:p>
+          <a:p>
+            <a:endParaRPr lang="en-US" altLang="zh-CN" sz="2400" dirty="0"/>
+          </a:p>
+          <a:p>
+            <a:endParaRPr lang="en-US" altLang="zh-CN" sz="2400" dirty="0"/>
+          </a:p>
+          <a:p>
+            <a:endParaRPr lang="en-US" altLang="zh-CN" sz="2000" dirty="0"/>
+          </a:p>
+        </p:txBody>
+      </p:sp>
+    </p:spTree>
+    <p:extLst>
+      <p:ext uri="{BB962C8B-B14F-4D97-AF65-F5344CB8AC3E}">
+        <p14:creationId xmlns:p14="http://schemas.microsoft.com/office/powerpoint/2010/main" val="2545526482"/>
+      </p:ext>
+    </p:extLst>
+  </p:cSld>
+  <p:clrMapOvr>
+    <a:masterClrMapping/>
+  </p:clrMapOvr>
+</p:sld>
+</file>
+
+<file path=ppt/slides/slide9.xml><?xml version="1.0" encoding="utf-8"?>
+<p:sld xmlns:a="http://schemas.openxmlformats.org/drawingml/2006/main" xmlns:r="http://schemas.openxmlformats.org/officeDocument/2006/relationships" xmlns:p="http://schemas.openxmlformats.org/presentationml/2006/main">
+  <p:cSld>
+    <p:spTree>
+      <p:nvGrpSpPr>
+        <p:cNvPr id="1" name=""/>
+        <p:cNvGrpSpPr/>
+        <p:nvPr/>
+      </p:nvGrpSpPr>
+      <p:grpSpPr>
+        <a:xfrm>
+          <a:off x="0" y="0"/>
+          <a:ext cx="0" cy="0"/>
+          <a:chOff x="0" y="0"/>
+          <a:chExt cx="0" cy="0"/>
+        </a:xfrm>
+      </p:grpSpPr>
+      <p:sp>
+        <p:nvSpPr>
+          <p:cNvPr id="4" name="标题 3">
+            <a:extLst>
+              <a:ext uri="{FF2B5EF4-FFF2-40B4-BE49-F238E27FC236}">
+                <a16:creationId xmlns:a16="http://schemas.microsoft.com/office/drawing/2014/main" id="{2729939D-814A-4BD2-9922-3F8EA865938B}"/>
+              </a:ext>
+            </a:extLst>
+          </p:cNvPr>
+          <p:cNvSpPr>
+            <a:spLocks noGrp="1"/>
+          </p:cNvSpPr>
+          <p:nvPr>
+            <p:ph type="title"/>
+          </p:nvPr>
+        </p:nvSpPr>
+        <p:spPr>
+          <a:xfrm>
+            <a:off x="838200" y="683581"/>
+            <a:ext cx="10515600" cy="736846"/>
+          </a:xfrm>
+        </p:spPr>
+        <p:txBody>
+          <a:bodyPr/>
+          <a:lstStyle/>
+          <a:p>
+            <a:r>
+              <a:rPr lang="zh-CN" altLang="en-US" dirty="0"/>
+              <a:t>获取上传文件的</a:t>
+            </a:r>
+            <a:r>
+              <a:rPr lang="en-US" altLang="zh-CN" dirty="0"/>
+              <a:t>MIME</a:t>
+            </a:r>
+            <a:r>
+              <a:rPr lang="zh-CN" altLang="en-US" dirty="0"/>
+              <a:t>类型</a:t>
+            </a:r>
+          </a:p>
+        </p:txBody>
+      </p:sp>
+      <p:sp>
+        <p:nvSpPr>
+          <p:cNvPr id="6" name="内容占位符 5">
+            <a:extLst>
+              <a:ext uri="{FF2B5EF4-FFF2-40B4-BE49-F238E27FC236}">
+                <a16:creationId xmlns:a16="http://schemas.microsoft.com/office/drawing/2014/main" id="{B83E9AD4-C606-4679-B884-01F71CC97E44}"/>
+              </a:ext>
+            </a:extLst>
+          </p:cNvPr>
+          <p:cNvSpPr>
+            <a:spLocks noGrp="1"/>
+          </p:cNvSpPr>
+          <p:nvPr>
+            <p:ph idx="1"/>
+          </p:nvPr>
+        </p:nvSpPr>
+        <p:spPr>
+          <a:xfrm>
+            <a:off x="838200" y="1656500"/>
+            <a:ext cx="10515600" cy="4850832"/>
+          </a:xfrm>
+        </p:spPr>
+        <p:txBody>
+          <a:bodyPr>
+            <a:normAutofit/>
+          </a:bodyPr>
+          <a:lstStyle/>
+          <a:p>
+            <a:endParaRPr lang="en-US" altLang="zh-CN" sz="2000" dirty="0"/>
+          </a:p>
+          <a:p>
+            <a:endParaRPr lang="en-US" altLang="zh-CN" sz="2400" dirty="0"/>
+          </a:p>
+          <a:p>
+            <a:endParaRPr lang="en-US" altLang="zh-CN" sz="2400" dirty="0"/>
+          </a:p>
+          <a:p>
+            <a:endParaRPr lang="en-US" altLang="zh-CN" sz="2000" dirty="0"/>
+          </a:p>
+        </p:txBody>
+      </p:sp>
+    </p:spTree>
+    <p:extLst>
+      <p:ext uri="{BB962C8B-B14F-4D97-AF65-F5344CB8AC3E}">
+        <p14:creationId xmlns:p14="http://schemas.microsoft.com/office/powerpoint/2010/main" val="385456648"/>
       </p:ext>
     </p:extLst>
   </p:cSld>

--- a/materials/slides/ch17-php-how-to.pptx
+++ b/materials/slides/ch17-php-how-to.pptx
@@ -14,8 +14,8 @@
     <p:sldId id="257" r:id="rId2"/>
     <p:sldId id="292" r:id="rId3"/>
     <p:sldId id="293" r:id="rId4"/>
-    <p:sldId id="294" r:id="rId5"/>
-    <p:sldId id="295" r:id="rId6"/>
+    <p:sldId id="303" r:id="rId5"/>
+    <p:sldId id="294" r:id="rId6"/>
     <p:sldId id="296" r:id="rId7"/>
     <p:sldId id="297" r:id="rId8"/>
     <p:sldId id="298" r:id="rId9"/>
@@ -226,7 +226,7 @@
           <a:p>
             <a:fld id="{E923E828-953C-4D4A-9B10-11E7329F433D}" type="datetimeFigureOut">
               <a:rPr lang="zh-CN" altLang="en-US" smtClean="0"/>
-              <a:t>2018/5/1</a:t>
+              <a:t>2018/5/3</a:t>
             </a:fld>
             <a:endParaRPr lang="zh-CN" altLang="en-US"/>
           </a:p>
@@ -407,7 +407,7 @@
           <a:p>
             <a:fld id="{867C5346-22E5-4085-8130-851344A84DFF}" type="datetimeFigureOut">
               <a:rPr lang="zh-CN" altLang="en-US" smtClean="0"/>
-              <a:t>2018/5/1</a:t>
+              <a:t>2018/5/3</a:t>
             </a:fld>
             <a:endParaRPr lang="zh-CN" altLang="en-US"/>
           </a:p>
@@ -1085,7 +1085,7 @@
     </p:spTree>
     <p:extLst>
       <p:ext uri="{BB962C8B-B14F-4D97-AF65-F5344CB8AC3E}">
-        <p14:creationId xmlns:p14="http://schemas.microsoft.com/office/powerpoint/2010/main" val="3134168215"/>
+        <p14:creationId xmlns:p14="http://schemas.microsoft.com/office/powerpoint/2010/main" val="1240110703"/>
       </p:ext>
     </p:extLst>
   </p:cSld>
@@ -1169,7 +1169,7 @@
     </p:spTree>
     <p:extLst>
       <p:ext uri="{BB962C8B-B14F-4D97-AF65-F5344CB8AC3E}">
-        <p14:creationId xmlns:p14="http://schemas.microsoft.com/office/powerpoint/2010/main" val="1256651087"/>
+        <p14:creationId xmlns:p14="http://schemas.microsoft.com/office/powerpoint/2010/main" val="3134168215"/>
       </p:ext>
     </p:extLst>
   </p:cSld>
@@ -1757,7 +1757,7 @@
           <a:p>
             <a:fld id="{A5E21016-498F-4141-B0CA-D95A38CA7D62}" type="datetimeFigureOut">
               <a:rPr lang="zh-CN" altLang="en-US" smtClean="0"/>
-              <a:t>2018/5/1</a:t>
+              <a:t>2018/5/3</a:t>
             </a:fld>
             <a:endParaRPr lang="zh-CN" altLang="en-US"/>
           </a:p>
@@ -1987,7 +1987,7 @@
           <a:p>
             <a:fld id="{A5E21016-498F-4141-B0CA-D95A38CA7D62}" type="datetimeFigureOut">
               <a:rPr lang="zh-CN" altLang="en-US" smtClean="0"/>
-              <a:t>2018/5/1</a:t>
+              <a:t>2018/5/3</a:t>
             </a:fld>
             <a:endParaRPr lang="zh-CN" altLang="en-US"/>
           </a:p>
@@ -2222,7 +2222,7 @@
           <a:p>
             <a:fld id="{A5E21016-498F-4141-B0CA-D95A38CA7D62}" type="datetimeFigureOut">
               <a:rPr lang="zh-CN" altLang="en-US" smtClean="0"/>
-              <a:t>2018/5/1</a:t>
+              <a:t>2018/5/3</a:t>
             </a:fld>
             <a:endParaRPr lang="zh-CN" altLang="en-US"/>
           </a:p>
@@ -2784,7 +2784,7 @@
           <a:p>
             <a:fld id="{A5E21016-498F-4141-B0CA-D95A38CA7D62}" type="datetimeFigureOut">
               <a:rPr lang="zh-CN" altLang="en-US" smtClean="0"/>
-              <a:t>2018/5/1</a:t>
+              <a:t>2018/5/3</a:t>
             </a:fld>
             <a:endParaRPr lang="zh-CN" altLang="en-US"/>
           </a:p>
@@ -3081,7 +3081,7 @@
           <a:p>
             <a:fld id="{A5E21016-498F-4141-B0CA-D95A38CA7D62}" type="datetimeFigureOut">
               <a:rPr lang="zh-CN" altLang="en-US" smtClean="0"/>
-              <a:t>2018/5/1</a:t>
+              <a:t>2018/5/3</a:t>
             </a:fld>
             <a:endParaRPr lang="zh-CN" altLang="en-US"/>
           </a:p>
@@ -3520,7 +3520,7 @@
           <a:p>
             <a:fld id="{A5E21016-498F-4141-B0CA-D95A38CA7D62}" type="datetimeFigureOut">
               <a:rPr lang="zh-CN" altLang="en-US" smtClean="0"/>
-              <a:t>2018/5/1</a:t>
+              <a:t>2018/5/3</a:t>
             </a:fld>
             <a:endParaRPr lang="zh-CN" altLang="en-US"/>
           </a:p>
@@ -3693,7 +3693,7 @@
           <a:p>
             <a:fld id="{A5E21016-498F-4141-B0CA-D95A38CA7D62}" type="datetimeFigureOut">
               <a:rPr lang="zh-CN" altLang="en-US" smtClean="0"/>
-              <a:t>2018/5/1</a:t>
+              <a:t>2018/5/3</a:t>
             </a:fld>
             <a:endParaRPr lang="zh-CN" altLang="en-US"/>
           </a:p>
@@ -3830,7 +3830,7 @@
           <a:p>
             <a:fld id="{A5E21016-498F-4141-B0CA-D95A38CA7D62}" type="datetimeFigureOut">
               <a:rPr lang="zh-CN" altLang="en-US" smtClean="0"/>
-              <a:t>2018/5/1</a:t>
+              <a:t>2018/5/3</a:t>
             </a:fld>
             <a:endParaRPr lang="zh-CN" altLang="en-US"/>
           </a:p>
@@ -4168,7 +4168,7 @@
           <a:p>
             <a:fld id="{A5E21016-498F-4141-B0CA-D95A38CA7D62}" type="datetimeFigureOut">
               <a:rPr lang="zh-CN" altLang="en-US" smtClean="0"/>
-              <a:t>2018/5/1</a:t>
+              <a:t>2018/5/3</a:t>
             </a:fld>
             <a:endParaRPr lang="zh-CN" altLang="en-US"/>
           </a:p>
@@ -4483,7 +4483,7 @@
           <a:p>
             <a:fld id="{A5E21016-498F-4141-B0CA-D95A38CA7D62}" type="datetimeFigureOut">
               <a:rPr lang="zh-CN" altLang="en-US" smtClean="0"/>
-              <a:t>2018/5/1</a:t>
+              <a:t>2018/5/3</a:t>
             </a:fld>
             <a:endParaRPr lang="zh-CN" altLang="en-US"/>
           </a:p>
@@ -5082,7 +5082,7 @@
         <p:spPr>
           <a:xfrm>
             <a:off x="672483" y="1012055"/>
-            <a:ext cx="10847034" cy="4893647"/>
+            <a:ext cx="10847034" cy="4955203"/>
           </a:xfrm>
           <a:prstGeom prst="rect">
             <a:avLst/>
@@ -5179,12 +5179,12 @@
           <a:p>
             <a:pPr algn="ctr"/>
             <a:r>
-              <a:rPr lang="zh-CN" altLang="en-US" sz="2800"/>
+              <a:rPr lang="zh-CN" altLang="en-US" sz="3200" dirty="0"/>
               <a:t>第十七讲 </a:t>
             </a:r>
             <a:r>
-              <a:rPr lang="en-US" altLang="zh-CN" sz="2800" dirty="0"/>
-              <a:t>PHP How to</a:t>
+              <a:rPr lang="en-US" altLang="zh-CN" sz="3200" dirty="0"/>
+              <a:t>PHP HOW TOs</a:t>
             </a:r>
           </a:p>
           <a:p>
@@ -5295,6 +5295,163 @@
           </a:bodyPr>
           <a:lstStyle/>
           <a:p>
+            <a:pPr marL="0" indent="0">
+              <a:buNone/>
+            </a:pPr>
+            <a:r>
+              <a:rPr lang="en-US" altLang="zh-CN" sz="2000" dirty="0">
+                <a:latin typeface="Roboto Mono Light" pitchFamily="2" charset="0"/>
+              </a:rPr>
+              <a:t>&lt;?php</a:t>
+            </a:r>
+          </a:p>
+          <a:p>
+            <a:pPr marL="0" indent="0">
+              <a:buNone/>
+            </a:pPr>
+            <a:r>
+              <a:rPr lang="en-US" altLang="zh-CN" sz="2000" dirty="0">
+                <a:latin typeface="Roboto Mono Light" pitchFamily="2" charset="0"/>
+              </a:rPr>
+              <a:t>$</a:t>
+            </a:r>
+            <a:r>
+              <a:rPr lang="en-US" altLang="zh-CN" sz="2000" dirty="0" err="1">
+                <a:latin typeface="Roboto Mono Light" pitchFamily="2" charset="0"/>
+              </a:rPr>
+              <a:t>org_text</a:t>
+            </a:r>
+            <a:r>
+              <a:rPr lang="en-US" altLang="zh-CN" sz="2000" dirty="0">
+                <a:latin typeface="Roboto Mono Light" pitchFamily="2" charset="0"/>
+              </a:rPr>
+              <a:t> = </a:t>
+            </a:r>
+            <a:r>
+              <a:rPr lang="en-US" altLang="zh-CN" sz="2000" dirty="0" err="1">
+                <a:latin typeface="Roboto Mono Light" pitchFamily="2" charset="0"/>
+              </a:rPr>
+              <a:t>file_get_contents</a:t>
+            </a:r>
+            <a:r>
+              <a:rPr lang="en-US" altLang="zh-CN" sz="2000" dirty="0">
+                <a:latin typeface="Roboto Mono Light" pitchFamily="2" charset="0"/>
+              </a:rPr>
+              <a:t>('</a:t>
+            </a:r>
+            <a:r>
+              <a:rPr lang="en-US" altLang="zh-CN" sz="2000" dirty="0" err="1">
+                <a:latin typeface="Roboto Mono Light" pitchFamily="2" charset="0"/>
+              </a:rPr>
+              <a:t>pregdata</a:t>
+            </a:r>
+            <a:r>
+              <a:rPr lang="en-US" altLang="zh-CN" sz="2000" dirty="0">
+                <a:latin typeface="Roboto Mono Light" pitchFamily="2" charset="0"/>
+              </a:rPr>
+              <a:t>’);</a:t>
+            </a:r>
+          </a:p>
+          <a:p>
+            <a:pPr marL="0" indent="0">
+              <a:buNone/>
+            </a:pPr>
+            <a:r>
+              <a:rPr lang="en-US" altLang="zh-CN" sz="2000" dirty="0">
+                <a:latin typeface="Roboto Mono Light" pitchFamily="2" charset="0"/>
+              </a:rPr>
+              <a:t>$text = </a:t>
+            </a:r>
+            <a:r>
+              <a:rPr lang="en-US" altLang="zh-CN" sz="2000" dirty="0" err="1">
+                <a:latin typeface="Roboto Mono Light" pitchFamily="2" charset="0"/>
+              </a:rPr>
+              <a:t>preg_replace</a:t>
+            </a:r>
+            <a:r>
+              <a:rPr lang="en-US" altLang="zh-CN" sz="2000" dirty="0">
+                <a:latin typeface="Roboto Mono Light" pitchFamily="2" charset="0"/>
+              </a:rPr>
+              <a:t>(‘/</a:t>
+            </a:r>
+            <a:r>
+              <a:rPr lang="en-US" altLang="zh-CN" sz="2000" dirty="0" err="1">
+                <a:latin typeface="Roboto Mono Light" pitchFamily="2" charset="0"/>
+              </a:rPr>
+              <a:t>abc</a:t>
+            </a:r>
+            <a:r>
+              <a:rPr lang="en-US" altLang="zh-CN" sz="2000" dirty="0">
+                <a:latin typeface="Roboto Mono Light" pitchFamily="2" charset="0"/>
+              </a:rPr>
+              <a:t>.*/i’,’123’, $</a:t>
+            </a:r>
+            <a:r>
+              <a:rPr lang="en-US" altLang="zh-CN" sz="2000" dirty="0" err="1">
+                <a:latin typeface="Roboto Mono Light" pitchFamily="2" charset="0"/>
+              </a:rPr>
+              <a:t>org_text</a:t>
+            </a:r>
+            <a:r>
+              <a:rPr lang="en-US" altLang="zh-CN" sz="2000" dirty="0">
+                <a:latin typeface="Roboto Mono Light" pitchFamily="2" charset="0"/>
+              </a:rPr>
+              <a:t>);</a:t>
+            </a:r>
+            <a:br>
+              <a:rPr lang="en-US" altLang="zh-CN" sz="2000" dirty="0">
+                <a:latin typeface="Roboto Mono Light" pitchFamily="2" charset="0"/>
+              </a:rPr>
+            </a:br>
+            <a:r>
+              <a:rPr lang="en-US" altLang="zh-CN" sz="2000" dirty="0" err="1">
+                <a:latin typeface="Roboto Mono Light" pitchFamily="2" charset="0"/>
+              </a:rPr>
+              <a:t>file_put_contents</a:t>
+            </a:r>
+            <a:r>
+              <a:rPr lang="en-US" altLang="zh-CN" sz="2000" dirty="0">
+                <a:latin typeface="Roboto Mono Light" pitchFamily="2" charset="0"/>
+              </a:rPr>
+              <a:t>('pregdata1',$text);</a:t>
+            </a:r>
+          </a:p>
+          <a:p>
+            <a:pPr marL="0" indent="0">
+              <a:buNone/>
+            </a:pPr>
+            <a:endParaRPr lang="en-US" altLang="zh-CN" sz="2000" dirty="0"/>
+          </a:p>
+          <a:p>
+            <a:r>
+              <a:rPr lang="zh-CN" altLang="en-US" sz="2000" dirty="0"/>
+              <a:t>此操作会把所有</a:t>
+            </a:r>
+            <a:r>
+              <a:rPr lang="en-US" altLang="zh-CN" sz="2000" dirty="0" err="1"/>
+              <a:t>abc</a:t>
+            </a:r>
+            <a:r>
+              <a:rPr lang="zh-CN" altLang="en-US" sz="2000" dirty="0"/>
+              <a:t>开头的字符串替换为</a:t>
+            </a:r>
+            <a:r>
+              <a:rPr lang="en-US" altLang="zh-CN" sz="2000" dirty="0"/>
+              <a:t>123</a:t>
+            </a:r>
+            <a:r>
+              <a:rPr lang="zh-CN" altLang="en-US" sz="2000" dirty="0"/>
+              <a:t>。</a:t>
+            </a:r>
+            <a:endParaRPr lang="en-US" altLang="zh-CN" sz="2000" dirty="0"/>
+          </a:p>
+          <a:p>
+            <a:pPr marL="0" indent="0">
+              <a:buNone/>
+            </a:pPr>
+            <a:endParaRPr lang="en-US" altLang="zh-CN" sz="2000" dirty="0"/>
+          </a:p>
+          <a:p>
             <a:endParaRPr lang="en-US" altLang="zh-CN" sz="2000" dirty="0"/>
           </a:p>
           <a:p>
@@ -5374,7 +5531,7 @@
             </a:r>
             <a:r>
               <a:rPr lang="zh-CN" altLang="en-US" dirty="0"/>
-              <a:t>值确定文件是否相同</a:t>
+              <a:t>值</a:t>
             </a:r>
           </a:p>
         </p:txBody>
@@ -5407,7 +5564,100 @@
           </a:bodyPr>
           <a:lstStyle/>
           <a:p>
+            <a:pPr marL="0" indent="0">
+              <a:buNone/>
+            </a:pPr>
+            <a:r>
+              <a:rPr lang="en-US" altLang="zh-CN" sz="2000" dirty="0">
+                <a:latin typeface="Roboto Mono Light" pitchFamily="2" charset="0"/>
+              </a:rPr>
+              <a:t>&lt;?php</a:t>
+            </a:r>
+          </a:p>
+          <a:p>
+            <a:pPr marL="0" indent="0">
+              <a:buNone/>
+            </a:pPr>
+            <a:r>
+              <a:rPr lang="en-US" altLang="zh-CN" sz="2000" dirty="0">
+                <a:latin typeface="Roboto Mono Light" pitchFamily="2" charset="0"/>
+              </a:rPr>
+              <a:t>echo sha1_file('</a:t>
+            </a:r>
+            <a:r>
+              <a:rPr lang="en-US" altLang="zh-CN" sz="2000" dirty="0" err="1">
+                <a:latin typeface="Roboto Mono Light" pitchFamily="2" charset="0"/>
+              </a:rPr>
+              <a:t>zsort.php</a:t>
+            </a:r>
+            <a:r>
+              <a:rPr lang="en-US" altLang="zh-CN" sz="2000" dirty="0">
+                <a:latin typeface="Roboto Mono Light" pitchFamily="2" charset="0"/>
+              </a:rPr>
+              <a:t>'),"\n";</a:t>
+            </a:r>
+            <a:br>
+              <a:rPr lang="en-US" altLang="zh-CN" sz="2000" dirty="0">
+                <a:latin typeface="Roboto Mono Light" pitchFamily="2" charset="0"/>
+              </a:rPr>
+            </a:br>
+            <a:r>
+              <a:rPr lang="en-US" altLang="zh-CN" sz="2000" dirty="0">
+                <a:latin typeface="Roboto Mono Light" pitchFamily="2" charset="0"/>
+              </a:rPr>
+              <a:t>echo sha1_file('</a:t>
+            </a:r>
+            <a:r>
+              <a:rPr lang="en-US" altLang="zh-CN" sz="2000" dirty="0" err="1">
+                <a:latin typeface="Roboto Mono Light" pitchFamily="2" charset="0"/>
+              </a:rPr>
+              <a:t>zerosort.php</a:t>
+            </a:r>
+            <a:r>
+              <a:rPr lang="en-US" altLang="zh-CN" sz="2000" dirty="0">
+                <a:latin typeface="Roboto Mono Light" pitchFamily="2" charset="0"/>
+              </a:rPr>
+              <a:t>'),"\n";</a:t>
+            </a:r>
+            <a:br>
+              <a:rPr lang="en-US" altLang="zh-CN" sz="2000" dirty="0"/>
+            </a:br>
             <a:endParaRPr lang="en-US" altLang="zh-CN" sz="2000" dirty="0"/>
+          </a:p>
+          <a:p>
+            <a:r>
+              <a:rPr lang="zh-CN" altLang="en-US" sz="2000" dirty="0">
+                <a:latin typeface="Roboto Mono Light" pitchFamily="2" charset="0"/>
+              </a:rPr>
+              <a:t>两个文件内容相同，名称不同，但是</a:t>
+            </a:r>
+            <a:r>
+              <a:rPr lang="en-US" altLang="zh-CN" sz="2000" dirty="0">
+                <a:latin typeface="Roboto Mono Light" pitchFamily="2" charset="0"/>
+              </a:rPr>
+              <a:t>sha1_file</a:t>
+            </a:r>
+            <a:r>
+              <a:rPr lang="zh-CN" altLang="en-US" sz="2000" dirty="0">
+                <a:latin typeface="Roboto Mono Light" pitchFamily="2" charset="0"/>
+              </a:rPr>
+              <a:t>计算的文件散列值相同，通过</a:t>
+            </a:r>
+            <a:r>
+              <a:rPr lang="en-US" altLang="zh-CN" sz="2000" dirty="0">
+                <a:latin typeface="Roboto Mono Light" pitchFamily="2" charset="0"/>
+              </a:rPr>
+              <a:t>sha1_file</a:t>
+            </a:r>
+            <a:r>
+              <a:rPr lang="zh-CN" altLang="en-US" sz="2000" dirty="0">
+                <a:latin typeface="Roboto Mono Light" pitchFamily="2" charset="0"/>
+              </a:rPr>
+              <a:t>可以比较两个文件是否相同，这可以保证在上传文件时，由于名称不同而重复上传。</a:t>
+            </a:r>
+            <a:endParaRPr lang="en-US" altLang="zh-CN" sz="2000" dirty="0">
+              <a:latin typeface="Roboto Mono Light" pitchFamily="2" charset="0"/>
+            </a:endParaRPr>
           </a:p>
           <a:p>
             <a:endParaRPr lang="en-US" altLang="zh-CN" sz="2400" dirty="0"/>
@@ -5477,10 +5727,9 @@
           <a:lstStyle/>
           <a:p>
             <a:r>
-              <a:rPr lang="zh-CN" altLang="en-US"/>
-              <a:t>文件基本操作</a:t>
-            </a:r>
-            <a:endParaRPr lang="zh-CN" altLang="en-US" dirty="0"/>
+              <a:rPr lang="zh-CN" altLang="en-US" dirty="0"/>
+              <a:t>删除文件和目录</a:t>
+            </a:r>
           </a:p>
         </p:txBody>
       </p:sp>
@@ -5512,16 +5761,221 @@
           </a:bodyPr>
           <a:lstStyle/>
           <a:p>
-            <a:endParaRPr lang="en-US" altLang="zh-CN" sz="2000" dirty="0"/>
-          </a:p>
-          <a:p>
-            <a:endParaRPr lang="en-US" altLang="zh-CN" sz="2400" dirty="0"/>
-          </a:p>
-          <a:p>
-            <a:endParaRPr lang="en-US" altLang="zh-CN" sz="2400" dirty="0"/>
-          </a:p>
-          <a:p>
-            <a:endParaRPr lang="en-US" altLang="zh-CN" sz="2000" dirty="0"/>
+            <a:pPr marL="0" indent="0">
+              <a:buNone/>
+            </a:pPr>
+            <a:r>
+              <a:rPr lang="en-US" altLang="zh-CN" sz="2000" dirty="0">
+                <a:latin typeface="Roboto Mono Light" pitchFamily="2" charset="0"/>
+              </a:rPr>
+              <a:t>&lt;?php</a:t>
+            </a:r>
+          </a:p>
+          <a:p>
+            <a:pPr marL="0" indent="0">
+              <a:buNone/>
+            </a:pPr>
+            <a:r>
+              <a:rPr lang="en-US" altLang="zh-CN" sz="2000" dirty="0">
+                <a:latin typeface="Roboto Mono Light" pitchFamily="2" charset="0"/>
+              </a:rPr>
+              <a:t>if (</a:t>
+            </a:r>
+            <a:r>
+              <a:rPr lang="en-US" altLang="zh-CN" sz="2000" dirty="0" err="1">
+                <a:latin typeface="Roboto Mono Light" pitchFamily="2" charset="0"/>
+              </a:rPr>
+              <a:t>is_dir</a:t>
+            </a:r>
+            <a:r>
+              <a:rPr lang="en-US" altLang="zh-CN" sz="2000" dirty="0">
+                <a:latin typeface="Roboto Mono Light" pitchFamily="2" charset="0"/>
+              </a:rPr>
+              <a:t>('</a:t>
+            </a:r>
+            <a:r>
+              <a:rPr lang="en-US" altLang="zh-CN" sz="2000" dirty="0" err="1">
+                <a:latin typeface="Roboto Mono Light" pitchFamily="2" charset="0"/>
+              </a:rPr>
+              <a:t>pt</a:t>
+            </a:r>
+            <a:r>
+              <a:rPr lang="en-US" altLang="zh-CN" sz="2000" dirty="0">
+                <a:latin typeface="Roboto Mono Light" pitchFamily="2" charset="0"/>
+              </a:rPr>
+              <a:t>')) {</a:t>
+            </a:r>
+            <a:br>
+              <a:rPr lang="en-US" altLang="zh-CN" sz="2000" dirty="0">
+                <a:latin typeface="Roboto Mono Light" pitchFamily="2" charset="0"/>
+              </a:rPr>
+            </a:br>
+            <a:r>
+              <a:rPr lang="en-US" altLang="zh-CN" sz="2000" dirty="0">
+                <a:latin typeface="Roboto Mono Light" pitchFamily="2" charset="0"/>
+              </a:rPr>
+              <a:t>    </a:t>
+            </a:r>
+            <a:r>
+              <a:rPr lang="en-US" altLang="zh-CN" sz="2000" dirty="0" err="1">
+                <a:latin typeface="Roboto Mono Light" pitchFamily="2" charset="0"/>
+              </a:rPr>
+              <a:t>rmdir</a:t>
+            </a:r>
+            <a:r>
+              <a:rPr lang="en-US" altLang="zh-CN" sz="2000" dirty="0">
+                <a:latin typeface="Roboto Mono Light" pitchFamily="2" charset="0"/>
+              </a:rPr>
+              <a:t>('</a:t>
+            </a:r>
+            <a:r>
+              <a:rPr lang="en-US" altLang="zh-CN" sz="2000" dirty="0" err="1">
+                <a:latin typeface="Roboto Mono Light" pitchFamily="2" charset="0"/>
+              </a:rPr>
+              <a:t>pt</a:t>
+            </a:r>
+            <a:r>
+              <a:rPr lang="en-US" altLang="zh-CN" sz="2000" dirty="0">
+                <a:latin typeface="Roboto Mono Light" pitchFamily="2" charset="0"/>
+              </a:rPr>
+              <a:t>');</a:t>
+            </a:r>
+            <a:br>
+              <a:rPr lang="en-US" altLang="zh-CN" sz="2000" dirty="0">
+                <a:latin typeface="Roboto Mono Light" pitchFamily="2" charset="0"/>
+              </a:rPr>
+            </a:br>
+            <a:r>
+              <a:rPr lang="en-US" altLang="zh-CN" sz="2000" dirty="0">
+                <a:latin typeface="Roboto Mono Light" pitchFamily="2" charset="0"/>
+              </a:rPr>
+              <a:t>}</a:t>
+            </a:r>
+            <a:br>
+              <a:rPr lang="en-US" altLang="zh-CN" sz="2000" dirty="0">
+                <a:latin typeface="Roboto Mono Light" pitchFamily="2" charset="0"/>
+              </a:rPr>
+            </a:br>
+            <a:br>
+              <a:rPr lang="en-US" altLang="zh-CN" sz="2000" dirty="0">
+                <a:latin typeface="Roboto Mono Light" pitchFamily="2" charset="0"/>
+              </a:rPr>
+            </a:br>
+            <a:r>
+              <a:rPr lang="en-US" altLang="zh-CN" sz="2000" dirty="0">
+                <a:latin typeface="Roboto Mono Light" pitchFamily="2" charset="0"/>
+              </a:rPr>
+              <a:t>if (</a:t>
+            </a:r>
+            <a:r>
+              <a:rPr lang="en-US" altLang="zh-CN" sz="2000" dirty="0" err="1">
+                <a:latin typeface="Roboto Mono Light" pitchFamily="2" charset="0"/>
+              </a:rPr>
+              <a:t>file_exists</a:t>
+            </a:r>
+            <a:r>
+              <a:rPr lang="en-US" altLang="zh-CN" sz="2000" dirty="0">
+                <a:latin typeface="Roboto Mono Light" pitchFamily="2" charset="0"/>
+              </a:rPr>
+              <a:t>('</a:t>
+            </a:r>
+            <a:r>
+              <a:rPr lang="en-US" altLang="zh-CN" sz="2000" dirty="0" err="1">
+                <a:latin typeface="Roboto Mono Light" pitchFamily="2" charset="0"/>
+              </a:rPr>
+              <a:t>zerosort.php</a:t>
+            </a:r>
+            <a:r>
+              <a:rPr lang="en-US" altLang="zh-CN" sz="2000" dirty="0">
+                <a:latin typeface="Roboto Mono Light" pitchFamily="2" charset="0"/>
+              </a:rPr>
+              <a:t>')) {</a:t>
+            </a:r>
+            <a:br>
+              <a:rPr lang="en-US" altLang="zh-CN" sz="2000" dirty="0">
+                <a:latin typeface="Roboto Mono Light" pitchFamily="2" charset="0"/>
+              </a:rPr>
+            </a:br>
+            <a:r>
+              <a:rPr lang="en-US" altLang="zh-CN" sz="2000" dirty="0">
+                <a:latin typeface="Roboto Mono Light" pitchFamily="2" charset="0"/>
+              </a:rPr>
+              <a:t>    unlink('</a:t>
+            </a:r>
+            <a:r>
+              <a:rPr lang="en-US" altLang="zh-CN" sz="2000" dirty="0" err="1">
+                <a:latin typeface="Roboto Mono Light" pitchFamily="2" charset="0"/>
+              </a:rPr>
+              <a:t>zerosort.php</a:t>
+            </a:r>
+            <a:r>
+              <a:rPr lang="en-US" altLang="zh-CN" sz="2000" dirty="0">
+                <a:latin typeface="Roboto Mono Light" pitchFamily="2" charset="0"/>
+              </a:rPr>
+              <a:t>');</a:t>
+            </a:r>
+            <a:br>
+              <a:rPr lang="en-US" altLang="zh-CN" sz="2000" dirty="0">
+                <a:latin typeface="Roboto Mono Light" pitchFamily="2" charset="0"/>
+              </a:rPr>
+            </a:br>
+            <a:r>
+              <a:rPr lang="en-US" altLang="zh-CN" sz="2000" dirty="0">
+                <a:latin typeface="Roboto Mono Light" pitchFamily="2" charset="0"/>
+              </a:rPr>
+              <a:t>}</a:t>
+            </a:r>
+          </a:p>
+          <a:p>
+            <a:pPr marL="0" indent="0">
+              <a:buNone/>
+            </a:pPr>
+            <a:endParaRPr lang="en-US" altLang="zh-CN" sz="2000" dirty="0">
+              <a:latin typeface="Roboto Mono Light" pitchFamily="2" charset="0"/>
+            </a:endParaRPr>
+          </a:p>
+          <a:p>
+            <a:r>
+              <a:rPr lang="zh-CN" altLang="en-US" sz="2000" dirty="0">
+                <a:latin typeface="Roboto Mono Light" pitchFamily="2" charset="0"/>
+              </a:rPr>
+              <a:t>删除目录的函数要求目录必须是空目录。</a:t>
+            </a:r>
+            <a:r>
+              <a:rPr lang="en-US" altLang="zh-CN" sz="2000" dirty="0">
+                <a:latin typeface="Roboto Mono Light" pitchFamily="2" charset="0"/>
+              </a:rPr>
+              <a:t>unlink</a:t>
+            </a:r>
+            <a:r>
+              <a:rPr lang="zh-CN" altLang="en-US" sz="2000" dirty="0">
+                <a:latin typeface="Roboto Mono Light" pitchFamily="2" charset="0"/>
+              </a:rPr>
+              <a:t>用于删除文件，但实际上是使文件的硬链接数减一，硬链接数减为</a:t>
+            </a:r>
+            <a:r>
+              <a:rPr lang="en-US" altLang="zh-CN" sz="2000" dirty="0">
+                <a:latin typeface="Roboto Mono Light" pitchFamily="2" charset="0"/>
+              </a:rPr>
+              <a:t>0</a:t>
+            </a:r>
+            <a:r>
+              <a:rPr lang="zh-CN" altLang="en-US" sz="2000" dirty="0">
+                <a:latin typeface="Roboto Mono Light" pitchFamily="2" charset="0"/>
+              </a:rPr>
+              <a:t>会真正的删除文件。</a:t>
+            </a:r>
+            <a:endParaRPr lang="en-US" altLang="zh-CN" sz="2000" dirty="0">
+              <a:latin typeface="Roboto Mono Light" pitchFamily="2" charset="0"/>
+            </a:endParaRPr>
+          </a:p>
+          <a:p>
+            <a:pPr marL="0" indent="0">
+              <a:buNone/>
+            </a:pPr>
+            <a:endParaRPr lang="en-US" altLang="zh-CN" sz="2400" dirty="0">
+              <a:latin typeface="Roboto Mono Light" pitchFamily="2" charset="0"/>
+            </a:endParaRPr>
           </a:p>
         </p:txBody>
       </p:sp>
@@ -5620,16 +6074,89 @@
           </a:bodyPr>
           <a:lstStyle/>
           <a:p>
-            <a:endParaRPr lang="en-US" altLang="zh-CN" sz="2000" dirty="0"/>
-          </a:p>
-          <a:p>
-            <a:endParaRPr lang="en-US" altLang="zh-CN" sz="2400" dirty="0"/>
-          </a:p>
-          <a:p>
-            <a:endParaRPr lang="en-US" altLang="zh-CN" sz="2400" dirty="0"/>
-          </a:p>
-          <a:p>
-            <a:endParaRPr lang="en-US" altLang="zh-CN" sz="2000" dirty="0"/>
+            <a:pPr marL="0" indent="0">
+              <a:buNone/>
+            </a:pPr>
+            <a:r>
+              <a:rPr lang="en-US" altLang="zh-CN" sz="2000" dirty="0">
+                <a:latin typeface="Roboto Mono Light" pitchFamily="2" charset="0"/>
+              </a:rPr>
+              <a:t>&lt;?php</a:t>
+            </a:r>
+          </a:p>
+          <a:p>
+            <a:pPr marL="0" indent="0">
+              <a:buNone/>
+            </a:pPr>
+            <a:r>
+              <a:rPr lang="en-US" altLang="zh-CN" sz="2000" dirty="0">
+                <a:latin typeface="Roboto Mono Light" pitchFamily="2" charset="0"/>
+              </a:rPr>
+              <a:t>$input = </a:t>
+            </a:r>
+            <a:r>
+              <a:rPr lang="en-US" altLang="zh-CN" sz="2000" dirty="0" err="1">
+                <a:latin typeface="Roboto Mono Light" pitchFamily="2" charset="0"/>
+              </a:rPr>
+              <a:t>file_get_contents</a:t>
+            </a:r>
+            <a:r>
+              <a:rPr lang="en-US" altLang="zh-CN" sz="2000" dirty="0">
+                <a:latin typeface="Roboto Mono Light" pitchFamily="2" charset="0"/>
+              </a:rPr>
+              <a:t>(‘php://stdin’);</a:t>
+            </a:r>
+          </a:p>
+          <a:p>
+            <a:pPr marL="0" indent="0">
+              <a:buNone/>
+            </a:pPr>
+            <a:r>
+              <a:rPr lang="en-US" altLang="zh-CN" sz="2000" dirty="0">
+                <a:latin typeface="Roboto Mono Light" pitchFamily="2" charset="0"/>
+              </a:rPr>
+              <a:t>echo “\</a:t>
+            </a:r>
+            <a:r>
+              <a:rPr lang="en-US" altLang="zh-CN" sz="2000" dirty="0" err="1">
+                <a:latin typeface="Roboto Mono Light" pitchFamily="2" charset="0"/>
+              </a:rPr>
+              <a:t>nYour</a:t>
+            </a:r>
+            <a:r>
+              <a:rPr lang="en-US" altLang="zh-CN" sz="2000" dirty="0">
+                <a:latin typeface="Roboto Mono Light" pitchFamily="2" charset="0"/>
+              </a:rPr>
+              <a:t> input: ”,$input,”\n”;</a:t>
+            </a:r>
+          </a:p>
+          <a:p>
+            <a:endParaRPr lang="en-US" altLang="zh-CN" sz="2000" dirty="0">
+              <a:latin typeface="Roboto Mono Light" pitchFamily="2" charset="0"/>
+            </a:endParaRPr>
+          </a:p>
+          <a:p>
+            <a:r>
+              <a:rPr lang="zh-CN" altLang="en-US" sz="2000" dirty="0">
+                <a:latin typeface="Roboto Mono Light" pitchFamily="2" charset="0"/>
+              </a:rPr>
+              <a:t>运行后，此操作会等待用户输入，输入可以有换行，</a:t>
+            </a:r>
+            <a:r>
+              <a:rPr lang="en-US" altLang="zh-CN" sz="2000" dirty="0" err="1">
+                <a:latin typeface="Roboto Mono Light" pitchFamily="2" charset="0"/>
+              </a:rPr>
+              <a:t>Ctrl+d</a:t>
+            </a:r>
+            <a:r>
+              <a:rPr lang="zh-CN" altLang="en-US" sz="2000" dirty="0">
+                <a:latin typeface="Roboto Mono Light" pitchFamily="2" charset="0"/>
+              </a:rPr>
+              <a:t>结束输入。</a:t>
+            </a:r>
+            <a:endParaRPr lang="en-US" altLang="zh-CN" sz="2000" dirty="0">
+              <a:latin typeface="Roboto Mono Light" pitchFamily="2" charset="0"/>
+            </a:endParaRPr>
           </a:p>
         </p:txBody>
       </p:sp>
@@ -5728,9 +6255,354 @@
           </a:bodyPr>
           <a:lstStyle/>
           <a:p>
+            <a:pPr marL="0" indent="0">
+              <a:buNone/>
+            </a:pPr>
+            <a:r>
+              <a:rPr lang="en-US" altLang="zh-CN" sz="2000" dirty="0">
+                <a:latin typeface="Roboto Mono Light" pitchFamily="2" charset="0"/>
+                <a:ea typeface="Roboto Mono Light" pitchFamily="2" charset="0"/>
+              </a:rPr>
+              <a:t>&lt;?php</a:t>
+            </a:r>
+          </a:p>
+          <a:p>
+            <a:pPr marL="0" indent="0">
+              <a:buNone/>
+            </a:pPr>
+            <a:r>
+              <a:rPr lang="en-US" altLang="zh-CN" sz="2000" dirty="0">
+                <a:latin typeface="Roboto Mono Light" pitchFamily="2" charset="0"/>
+                <a:ea typeface="Roboto Mono Light" pitchFamily="2" charset="0"/>
+              </a:rPr>
+              <a:t>echo $_SERVER[‘HTTP_USER_AGENT’],’&lt;</a:t>
+            </a:r>
+            <a:r>
+              <a:rPr lang="en-US" altLang="zh-CN" sz="2000" dirty="0" err="1">
+                <a:latin typeface="Roboto Mono Light" pitchFamily="2" charset="0"/>
+                <a:ea typeface="Roboto Mono Light" pitchFamily="2" charset="0"/>
+              </a:rPr>
+              <a:t>br</a:t>
+            </a:r>
+            <a:r>
+              <a:rPr lang="en-US" altLang="zh-CN" sz="2000" dirty="0">
+                <a:latin typeface="Roboto Mono Light" pitchFamily="2" charset="0"/>
+                <a:ea typeface="Roboto Mono Light" pitchFamily="2" charset="0"/>
+              </a:rPr>
+              <a:t>&gt;’; //</a:t>
+            </a:r>
+            <a:r>
+              <a:rPr lang="zh-CN" altLang="en-US" sz="1800" i="1" dirty="0">
+                <a:latin typeface="Roboto Mono Light" pitchFamily="2" charset="0"/>
+                <a:ea typeface="Roboto Mono Light" pitchFamily="2" charset="0"/>
+              </a:rPr>
+              <a:t>浏览器或其他客户端信息</a:t>
+            </a:r>
+            <a:r>
+              <a:rPr lang="zh-CN" altLang="en-US" sz="2000" dirty="0">
+                <a:latin typeface="Roboto Mono Light" pitchFamily="2" charset="0"/>
+                <a:ea typeface="Roboto Mono Light" pitchFamily="2" charset="0"/>
+              </a:rPr>
+              <a:t>。</a:t>
+            </a:r>
+            <a:endParaRPr lang="en-US" altLang="zh-CN" sz="2000" dirty="0">
+              <a:latin typeface="Roboto Mono Light" pitchFamily="2" charset="0"/>
+              <a:ea typeface="Roboto Mono Light" pitchFamily="2" charset="0"/>
+            </a:endParaRPr>
+          </a:p>
+          <a:p>
+            <a:pPr marL="0" indent="0">
+              <a:buNone/>
+            </a:pPr>
+            <a:r>
+              <a:rPr lang="en-US" altLang="zh-CN" sz="2000" dirty="0">
+                <a:latin typeface="Roboto Mono Light" pitchFamily="2" charset="0"/>
+                <a:ea typeface="Roboto Mono Light" pitchFamily="2" charset="0"/>
+              </a:rPr>
+              <a:t>echo $_SERVER[‘REQUEST_METHOD’],’&lt;</a:t>
+            </a:r>
+            <a:r>
+              <a:rPr lang="en-US" altLang="zh-CN" sz="2000" dirty="0" err="1">
+                <a:latin typeface="Roboto Mono Light" pitchFamily="2" charset="0"/>
+                <a:ea typeface="Roboto Mono Light" pitchFamily="2" charset="0"/>
+              </a:rPr>
+              <a:t>br</a:t>
+            </a:r>
+            <a:r>
+              <a:rPr lang="en-US" altLang="zh-CN" sz="2000" dirty="0">
+                <a:latin typeface="Roboto Mono Light" pitchFamily="2" charset="0"/>
+                <a:ea typeface="Roboto Mono Light" pitchFamily="2" charset="0"/>
+              </a:rPr>
+              <a:t>&gt;’;  //</a:t>
+            </a:r>
+            <a:r>
+              <a:rPr lang="zh-CN" altLang="en-US" sz="1800" i="1" dirty="0">
+                <a:latin typeface="Roboto Mono Light" pitchFamily="2" charset="0"/>
+                <a:ea typeface="Roboto Mono Light" pitchFamily="2" charset="0"/>
+              </a:rPr>
+              <a:t>请求方法：</a:t>
+            </a:r>
+            <a:r>
+              <a:rPr lang="en-US" altLang="zh-CN" sz="1800" i="1" dirty="0">
+                <a:latin typeface="Roboto Mono Light" pitchFamily="2" charset="0"/>
+                <a:ea typeface="Roboto Mono Light" pitchFamily="2" charset="0"/>
+              </a:rPr>
+              <a:t>GET</a:t>
+            </a:r>
+            <a:r>
+              <a:rPr lang="zh-CN" altLang="en-US" sz="1800" i="1" dirty="0">
+                <a:latin typeface="Roboto Mono Light" pitchFamily="2" charset="0"/>
+                <a:ea typeface="Roboto Mono Light" pitchFamily="2" charset="0"/>
+              </a:rPr>
+              <a:t>，</a:t>
+            </a:r>
+            <a:r>
+              <a:rPr lang="en-US" altLang="zh-CN" sz="1800" i="1" dirty="0">
+                <a:latin typeface="Roboto Mono Light" pitchFamily="2" charset="0"/>
+                <a:ea typeface="Roboto Mono Light" pitchFamily="2" charset="0"/>
+              </a:rPr>
+              <a:t>POST···</a:t>
+            </a:r>
+            <a:endParaRPr lang="en-US" altLang="zh-CN" sz="2000" dirty="0">
+              <a:latin typeface="Roboto Mono Light" pitchFamily="2" charset="0"/>
+              <a:ea typeface="Roboto Mono Light" pitchFamily="2" charset="0"/>
+            </a:endParaRPr>
+          </a:p>
+          <a:p>
+            <a:pPr marL="0" indent="0">
+              <a:buNone/>
+            </a:pPr>
+            <a:r>
+              <a:rPr lang="en-US" altLang="zh-CN" sz="2000" dirty="0">
+                <a:latin typeface="Roboto Mono Light" pitchFamily="2" charset="0"/>
+                <a:ea typeface="Roboto Mono Light" pitchFamily="2" charset="0"/>
+              </a:rPr>
+              <a:t>echo $_SERVER[‘REMOTE_ADDR’],’&lt;</a:t>
+            </a:r>
+            <a:r>
+              <a:rPr lang="en-US" altLang="zh-CN" sz="2000" dirty="0" err="1">
+                <a:latin typeface="Roboto Mono Light" pitchFamily="2" charset="0"/>
+                <a:ea typeface="Roboto Mono Light" pitchFamily="2" charset="0"/>
+              </a:rPr>
+              <a:t>br</a:t>
+            </a:r>
+            <a:r>
+              <a:rPr lang="en-US" altLang="zh-CN" sz="2000" dirty="0">
+                <a:latin typeface="Roboto Mono Light" pitchFamily="2" charset="0"/>
+                <a:ea typeface="Roboto Mono Light" pitchFamily="2" charset="0"/>
+              </a:rPr>
+              <a:t>&gt;’; //</a:t>
+            </a:r>
+            <a:r>
+              <a:rPr lang="zh-CN" altLang="en-US" sz="1800" i="1" dirty="0">
+                <a:latin typeface="Roboto Mono Light" pitchFamily="2" charset="0"/>
+                <a:ea typeface="Roboto Mono Light" pitchFamily="2" charset="0"/>
+              </a:rPr>
+              <a:t>客户端</a:t>
+            </a:r>
+            <a:r>
+              <a:rPr lang="en-US" altLang="zh-CN" sz="1800" i="1" dirty="0">
+                <a:latin typeface="Roboto Mono Light" pitchFamily="2" charset="0"/>
+                <a:ea typeface="Roboto Mono Light" pitchFamily="2" charset="0"/>
+              </a:rPr>
+              <a:t>IP</a:t>
+            </a:r>
+            <a:r>
+              <a:rPr lang="zh-CN" altLang="en-US" sz="1800" i="1" dirty="0">
+                <a:latin typeface="Roboto Mono Light" pitchFamily="2" charset="0"/>
+                <a:ea typeface="Roboto Mono Light" pitchFamily="2" charset="0"/>
+              </a:rPr>
+              <a:t>地址，对外</a:t>
+            </a:r>
+            <a:r>
+              <a:rPr lang="en-US" altLang="zh-CN" sz="1800" i="1" dirty="0">
+                <a:latin typeface="Roboto Mono Light" pitchFamily="2" charset="0"/>
+                <a:ea typeface="Roboto Mono Light" pitchFamily="2" charset="0"/>
+              </a:rPr>
+              <a:t>IP</a:t>
+            </a:r>
+            <a:r>
+              <a:rPr lang="zh-CN" altLang="en-US" sz="1800" i="1" dirty="0">
+                <a:latin typeface="Roboto Mono Light" pitchFamily="2" charset="0"/>
+                <a:ea typeface="Roboto Mono Light" pitchFamily="2" charset="0"/>
+              </a:rPr>
+              <a:t>，非内网</a:t>
+            </a:r>
+            <a:r>
+              <a:rPr lang="en-US" altLang="zh-CN" sz="1800" i="1" dirty="0">
+                <a:latin typeface="Roboto Mono Light" pitchFamily="2" charset="0"/>
+                <a:ea typeface="Roboto Mono Light" pitchFamily="2" charset="0"/>
+              </a:rPr>
+              <a:t>IP</a:t>
+            </a:r>
+            <a:r>
+              <a:rPr lang="zh-CN" altLang="en-US" sz="1800" i="1" dirty="0">
+                <a:latin typeface="Roboto Mono Light" pitchFamily="2" charset="0"/>
+                <a:ea typeface="Roboto Mono Light" pitchFamily="2" charset="0"/>
+              </a:rPr>
+              <a:t>。</a:t>
+            </a:r>
+            <a:endParaRPr lang="en-US" altLang="zh-CN" sz="1800" i="1" dirty="0">
+              <a:latin typeface="Roboto Mono Light" pitchFamily="2" charset="0"/>
+              <a:ea typeface="Roboto Mono Light" pitchFamily="2" charset="0"/>
+            </a:endParaRPr>
+          </a:p>
+          <a:p>
+            <a:pPr marL="0" indent="0">
+              <a:buNone/>
+            </a:pPr>
+            <a:r>
+              <a:rPr lang="en-US" altLang="zh-CN" sz="2000" dirty="0">
+                <a:latin typeface="Roboto Mono Light" pitchFamily="2" charset="0"/>
+                <a:ea typeface="Roboto Mono Light" pitchFamily="2" charset="0"/>
+              </a:rPr>
+              <a:t>echo $_SERVER[‘QUERY_STRING’],’&lt;</a:t>
+            </a:r>
+            <a:r>
+              <a:rPr lang="en-US" altLang="zh-CN" sz="2000" dirty="0" err="1">
+                <a:latin typeface="Roboto Mono Light" pitchFamily="2" charset="0"/>
+                <a:ea typeface="Roboto Mono Light" pitchFamily="2" charset="0"/>
+              </a:rPr>
+              <a:t>br</a:t>
+            </a:r>
+            <a:r>
+              <a:rPr lang="en-US" altLang="zh-CN" sz="2000" dirty="0">
+                <a:latin typeface="Roboto Mono Light" pitchFamily="2" charset="0"/>
+                <a:ea typeface="Roboto Mono Light" pitchFamily="2" charset="0"/>
+              </a:rPr>
+              <a:t>&gt;’; //</a:t>
+            </a:r>
+            <a:r>
+              <a:rPr lang="zh-CN" altLang="en-US" sz="1800" i="1" dirty="0">
+                <a:latin typeface="Roboto Mono Light" pitchFamily="2" charset="0"/>
+                <a:ea typeface="Roboto Mono Light" pitchFamily="2" charset="0"/>
+              </a:rPr>
+              <a:t>查询字符串</a:t>
+            </a:r>
+            <a:r>
+              <a:rPr lang="en-US" altLang="zh-CN" sz="1800" i="1" dirty="0">
+                <a:latin typeface="Roboto Mono Light" pitchFamily="2" charset="0"/>
+                <a:ea typeface="Roboto Mono Light" pitchFamily="2" charset="0"/>
+              </a:rPr>
+              <a:t>,</a:t>
+            </a:r>
+            <a:r>
+              <a:rPr lang="zh-CN" altLang="en-US" sz="1800" i="1" dirty="0">
+                <a:latin typeface="Roboto Mono Light" pitchFamily="2" charset="0"/>
+                <a:ea typeface="Roboto Mono Light" pitchFamily="2" charset="0"/>
+              </a:rPr>
+              <a:t>例：</a:t>
+            </a:r>
+            <a:r>
+              <a:rPr lang="en-US" altLang="zh-CN" sz="1800" i="1" dirty="0">
+                <a:latin typeface="Roboto Mono Light" pitchFamily="2" charset="0"/>
+                <a:ea typeface="Roboto Mono Light" pitchFamily="2" charset="0"/>
+              </a:rPr>
+              <a:t>?a=1&amp;b=2</a:t>
+            </a:r>
+          </a:p>
+          <a:p>
+            <a:pPr marL="0" indent="0">
+              <a:buNone/>
+            </a:pPr>
+            <a:r>
+              <a:rPr lang="en-US" altLang="zh-CN" sz="2000" dirty="0">
+                <a:latin typeface="Roboto Mono Light" pitchFamily="2" charset="0"/>
+                <a:ea typeface="Roboto Mono Light" pitchFamily="2" charset="0"/>
+              </a:rPr>
+              <a:t>echo $_SERVER[‘PHP_INFO’],’&lt;</a:t>
+            </a:r>
+            <a:r>
+              <a:rPr lang="en-US" altLang="zh-CN" sz="2000" dirty="0" err="1">
+                <a:latin typeface="Roboto Mono Light" pitchFamily="2" charset="0"/>
+                <a:ea typeface="Roboto Mono Light" pitchFamily="2" charset="0"/>
+              </a:rPr>
+              <a:t>br</a:t>
+            </a:r>
+            <a:r>
+              <a:rPr lang="en-US" altLang="zh-CN" sz="2000" dirty="0">
+                <a:latin typeface="Roboto Mono Light" pitchFamily="2" charset="0"/>
+                <a:ea typeface="Roboto Mono Light" pitchFamily="2" charset="0"/>
+              </a:rPr>
+              <a:t>&gt;’; //</a:t>
+            </a:r>
+            <a:r>
+              <a:rPr lang="zh-CN" altLang="en-US" sz="1800" i="1" dirty="0">
+                <a:latin typeface="Roboto Mono Light" pitchFamily="2" charset="0"/>
+                <a:ea typeface="Roboto Mono Light" pitchFamily="2" charset="0"/>
+              </a:rPr>
+              <a:t>真实脚本之后的信息</a:t>
+            </a:r>
+            <a:endParaRPr lang="en-US" altLang="zh-CN" sz="1800" i="1" dirty="0">
+              <a:latin typeface="Roboto Mono Light" pitchFamily="2" charset="0"/>
+              <a:ea typeface="Roboto Mono Light" pitchFamily="2" charset="0"/>
+            </a:endParaRPr>
+          </a:p>
+          <a:p>
+            <a:pPr marL="0" indent="0">
+              <a:buNone/>
+            </a:pPr>
+            <a:r>
+              <a:rPr lang="en-US" altLang="zh-CN" sz="2000" dirty="0">
+                <a:latin typeface="Roboto Mono Light" pitchFamily="2" charset="0"/>
+                <a:ea typeface="Roboto Mono Light" pitchFamily="2" charset="0"/>
+              </a:rPr>
+              <a:t>echo $_SERVER[‘REQUEST_URI’],’&lt;</a:t>
+            </a:r>
+            <a:r>
+              <a:rPr lang="en-US" altLang="zh-CN" sz="2000" dirty="0" err="1">
+                <a:latin typeface="Roboto Mono Light" pitchFamily="2" charset="0"/>
+                <a:ea typeface="Roboto Mono Light" pitchFamily="2" charset="0"/>
+              </a:rPr>
+              <a:t>br</a:t>
+            </a:r>
+            <a:r>
+              <a:rPr lang="en-US" altLang="zh-CN" sz="2000" dirty="0">
+                <a:latin typeface="Roboto Mono Light" pitchFamily="2" charset="0"/>
+                <a:ea typeface="Roboto Mono Light" pitchFamily="2" charset="0"/>
+              </a:rPr>
+              <a:t>&gt;’; //</a:t>
+            </a:r>
+            <a:r>
+              <a:rPr lang="zh-CN" altLang="en-US" sz="1800" i="1" dirty="0">
+                <a:latin typeface="Roboto Mono Light" pitchFamily="2" charset="0"/>
+                <a:ea typeface="Roboto Mono Light" pitchFamily="2" charset="0"/>
+              </a:rPr>
+              <a:t>请求页面，例：</a:t>
+            </a:r>
+            <a:r>
+              <a:rPr lang="en-US" altLang="zh-CN" sz="1800" i="1" dirty="0">
+                <a:latin typeface="Roboto Mono Light" pitchFamily="2" charset="0"/>
+                <a:ea typeface="Roboto Mono Light" pitchFamily="2" charset="0"/>
+              </a:rPr>
+              <a:t>/index.html</a:t>
+            </a:r>
+          </a:p>
+          <a:p>
+            <a:pPr marL="0" indent="0">
+              <a:buNone/>
+            </a:pPr>
             <a:endParaRPr lang="en-US" altLang="zh-CN" sz="2000" dirty="0"/>
           </a:p>
           <a:p>
+            <a:pPr marL="0" indent="0">
+              <a:buNone/>
+            </a:pPr>
+            <a:endParaRPr lang="en-US" altLang="zh-CN" sz="2000" dirty="0"/>
+          </a:p>
+          <a:p>
+            <a:r>
+              <a:rPr lang="zh-CN" altLang="en-US" sz="2000" dirty="0"/>
+              <a:t>注意：在</a:t>
+            </a:r>
+            <a:r>
+              <a:rPr lang="en-US" altLang="zh-CN" sz="2000" dirty="0"/>
+              <a:t>CLI</a:t>
+            </a:r>
+            <a:r>
+              <a:rPr lang="zh-CN" altLang="en-US" sz="2000" dirty="0"/>
+              <a:t>模式（命令行）下，这些都是无效的。</a:t>
+            </a:r>
             <a:endParaRPr lang="en-US" altLang="zh-CN" sz="2400" dirty="0"/>
           </a:p>
           <a:p>
@@ -5803,7 +6675,15 @@
             </a:r>
             <a:r>
               <a:rPr lang="zh-CN" altLang="en-US" dirty="0"/>
-              <a:t>格式化时间</a:t>
+              <a:t>在</a:t>
+            </a:r>
+            <a:r>
+              <a:rPr lang="en-US" altLang="zh-CN" dirty="0"/>
+              <a:t>CLI</a:t>
+            </a:r>
+            <a:r>
+              <a:rPr lang="zh-CN" altLang="en-US" dirty="0"/>
+              <a:t>模式如何获取参数</a:t>
             </a:r>
           </a:p>
         </p:txBody>
@@ -5836,23 +6716,279 @@
           </a:bodyPr>
           <a:lstStyle/>
           <a:p>
-            <a:endParaRPr lang="en-US" altLang="zh-CN" sz="2000" dirty="0"/>
-          </a:p>
-          <a:p>
-            <a:endParaRPr lang="en-US" altLang="zh-CN" sz="2400" dirty="0"/>
-          </a:p>
-          <a:p>
-            <a:endParaRPr lang="en-US" altLang="zh-CN" sz="2400" dirty="0"/>
-          </a:p>
-          <a:p>
-            <a:endParaRPr lang="en-US" altLang="zh-CN" sz="2000" dirty="0"/>
+            <a:pPr marL="0" indent="0">
+              <a:buNone/>
+            </a:pPr>
+            <a:r>
+              <a:rPr lang="en-US" altLang="zh-CN" sz="2000" dirty="0">
+                <a:latin typeface="Roboto Mono Light" pitchFamily="2" charset="0"/>
+                <a:ea typeface="Roboto Mono Light" pitchFamily="2" charset="0"/>
+              </a:rPr>
+              <a:t>&lt;?php</a:t>
+            </a:r>
+          </a:p>
+          <a:p>
+            <a:pPr marL="0" indent="0">
+              <a:buNone/>
+            </a:pPr>
+            <a:r>
+              <a:rPr lang="en-US" altLang="zh-CN" sz="2000" dirty="0">
+                <a:latin typeface="Roboto Mono Light" pitchFamily="2" charset="0"/>
+              </a:rPr>
+              <a:t>echo  $_SERVER[‘</a:t>
+            </a:r>
+            <a:r>
+              <a:rPr lang="en-US" altLang="zh-CN" sz="2000" dirty="0" err="1">
+                <a:latin typeface="Roboto Mono Light" pitchFamily="2" charset="0"/>
+              </a:rPr>
+              <a:t>argc</a:t>
+            </a:r>
+            <a:r>
+              <a:rPr lang="en-US" altLang="zh-CN" sz="2000" dirty="0">
+                <a:latin typeface="Roboto Mono Light" pitchFamily="2" charset="0"/>
+              </a:rPr>
+              <a:t>’],”\n”; </a:t>
+            </a:r>
+            <a:r>
+              <a:rPr lang="en-US" altLang="zh-CN" sz="2000" i="1" dirty="0">
+                <a:latin typeface="Roboto Mono Light" pitchFamily="2" charset="0"/>
+              </a:rPr>
+              <a:t>//</a:t>
+            </a:r>
+            <a:r>
+              <a:rPr lang="zh-CN" altLang="en-US" sz="1800" i="1" dirty="0">
+                <a:latin typeface="Roboto Mono Light" pitchFamily="2" charset="0"/>
+              </a:rPr>
+              <a:t>参数个数</a:t>
+            </a:r>
+            <a:endParaRPr lang="en-US" altLang="zh-CN" sz="1800" i="1" dirty="0">
+              <a:latin typeface="Roboto Mono Light" pitchFamily="2" charset="0"/>
+            </a:endParaRPr>
+          </a:p>
+          <a:p>
+            <a:pPr marL="0" indent="0">
+              <a:buNone/>
+            </a:pPr>
+            <a:r>
+              <a:rPr lang="en-US" altLang="zh-CN" sz="2000" i="1" dirty="0">
+                <a:latin typeface="Roboto Mono Light" pitchFamily="2" charset="0"/>
+              </a:rPr>
+              <a:t>//</a:t>
+            </a:r>
+            <a:r>
+              <a:rPr lang="zh-CN" altLang="en-US" sz="1800" i="1" dirty="0">
+                <a:latin typeface="Roboto Mono Light" pitchFamily="2" charset="0"/>
+              </a:rPr>
+              <a:t>循环输出参数</a:t>
+            </a:r>
+            <a:endParaRPr lang="en-US" altLang="zh-CN" sz="1800" i="1" dirty="0">
+              <a:latin typeface="Roboto Mono Light" pitchFamily="2" charset="0"/>
+            </a:endParaRPr>
+          </a:p>
+          <a:p>
+            <a:pPr marL="0" indent="0">
+              <a:buNone/>
+            </a:pPr>
+            <a:r>
+              <a:rPr lang="en-US" altLang="zh-CN" sz="2000" dirty="0">
+                <a:latin typeface="Roboto Mono Light" pitchFamily="2" charset="0"/>
+              </a:rPr>
+              <a:t>foreach ($_SERVER[‘</a:t>
+            </a:r>
+            <a:r>
+              <a:rPr lang="en-US" altLang="zh-CN" sz="2000" dirty="0" err="1">
+                <a:latin typeface="Roboto Mono Light" pitchFamily="2" charset="0"/>
+              </a:rPr>
+              <a:t>argv</a:t>
+            </a:r>
+            <a:r>
+              <a:rPr lang="en-US" altLang="zh-CN" sz="2000" dirty="0">
+                <a:latin typeface="Roboto Mono Light" pitchFamily="2" charset="0"/>
+              </a:rPr>
+              <a:t>’] as $a) {</a:t>
+            </a:r>
+          </a:p>
+          <a:p>
+            <a:pPr marL="0" indent="0">
+              <a:buNone/>
+            </a:pPr>
+            <a:r>
+              <a:rPr lang="en-US" altLang="zh-CN" sz="2000" dirty="0">
+                <a:latin typeface="Roboto Mono Light" pitchFamily="2" charset="0"/>
+              </a:rPr>
+              <a:t>    echo $a,”\n”;</a:t>
+            </a:r>
+          </a:p>
+          <a:p>
+            <a:pPr marL="0" indent="0">
+              <a:buNone/>
+            </a:pPr>
+            <a:r>
+              <a:rPr lang="en-US" altLang="zh-CN" sz="2000" dirty="0">
+                <a:latin typeface="Roboto Mono Light" pitchFamily="2" charset="0"/>
+              </a:rPr>
+              <a:t>}</a:t>
+            </a:r>
+          </a:p>
+          <a:p>
+            <a:pPr marL="0" indent="0">
+              <a:buNone/>
+            </a:pPr>
+            <a:endParaRPr lang="en-US" altLang="zh-CN" sz="2000" dirty="0">
+              <a:latin typeface="Roboto Mono Light" pitchFamily="2" charset="0"/>
+            </a:endParaRPr>
+          </a:p>
+          <a:p>
+            <a:r>
+              <a:rPr lang="zh-CN" altLang="en-US" sz="2000" dirty="0">
+                <a:latin typeface="Roboto Mono Light" pitchFamily="2" charset="0"/>
+              </a:rPr>
+              <a:t>直接通过</a:t>
+            </a:r>
+            <a:r>
+              <a:rPr lang="en-US" altLang="zh-CN" sz="2000" dirty="0">
+                <a:latin typeface="Roboto Mono Light" pitchFamily="2" charset="0"/>
+              </a:rPr>
+              <a:t>$</a:t>
+            </a:r>
+            <a:r>
+              <a:rPr lang="en-US" altLang="zh-CN" sz="2000" dirty="0" err="1">
+                <a:latin typeface="Roboto Mono Light" pitchFamily="2" charset="0"/>
+              </a:rPr>
+              <a:t>argc</a:t>
+            </a:r>
+            <a:r>
+              <a:rPr lang="zh-CN" altLang="en-US" sz="2000" dirty="0">
+                <a:latin typeface="Roboto Mono Light" pitchFamily="2" charset="0"/>
+              </a:rPr>
+              <a:t>和</a:t>
+            </a:r>
+            <a:r>
+              <a:rPr lang="en-US" altLang="zh-CN" sz="2000" dirty="0">
+                <a:latin typeface="Roboto Mono Light" pitchFamily="2" charset="0"/>
+              </a:rPr>
+              <a:t>$</a:t>
+            </a:r>
+            <a:r>
+              <a:rPr lang="en-US" altLang="zh-CN" sz="2000" dirty="0" err="1">
+                <a:latin typeface="Roboto Mono Light" pitchFamily="2" charset="0"/>
+              </a:rPr>
+              <a:t>argv</a:t>
+            </a:r>
+            <a:r>
+              <a:rPr lang="zh-CN" altLang="en-US" sz="2000" dirty="0">
+                <a:latin typeface="Roboto Mono Light" pitchFamily="2" charset="0"/>
+              </a:rPr>
+              <a:t>也可以获取参数个数和参数信息。如果文件名为</a:t>
+            </a:r>
+            <a:r>
+              <a:rPr lang="en-US" altLang="zh-CN" sz="2000" dirty="0" err="1">
+                <a:latin typeface="Roboto Mono Light" pitchFamily="2" charset="0"/>
+              </a:rPr>
+              <a:t>args.php</a:t>
+            </a:r>
+            <a:r>
+              <a:rPr lang="zh-CN" altLang="en-US" sz="2000" dirty="0">
+                <a:latin typeface="Roboto Mono Light" pitchFamily="2" charset="0"/>
+              </a:rPr>
+              <a:t>，在终端运行程序：</a:t>
+            </a:r>
+            <a:endParaRPr lang="en-US" altLang="zh-CN" sz="2000" dirty="0">
+              <a:latin typeface="Roboto Mono Light" pitchFamily="2" charset="0"/>
+            </a:endParaRPr>
+          </a:p>
+          <a:p>
+            <a:pPr marL="457200" lvl="1" indent="0">
+              <a:buNone/>
+            </a:pPr>
+            <a:r>
+              <a:rPr lang="en-US" altLang="zh-CN" sz="2000" dirty="0">
+                <a:latin typeface="Roboto Mono Light" pitchFamily="2" charset="0"/>
+              </a:rPr>
+              <a:t>php </a:t>
+            </a:r>
+            <a:r>
+              <a:rPr lang="en-US" altLang="zh-CN" sz="2000" dirty="0" err="1">
+                <a:latin typeface="Roboto Mono Light" pitchFamily="2" charset="0"/>
+              </a:rPr>
+              <a:t>args.php</a:t>
+            </a:r>
+            <a:r>
+              <a:rPr lang="en-US" altLang="zh-CN" sz="2000" dirty="0">
+                <a:latin typeface="Roboto Mono Light" pitchFamily="2" charset="0"/>
+              </a:rPr>
+              <a:t> a b c 12 23</a:t>
+            </a:r>
+          </a:p>
+          <a:p>
+            <a:r>
+              <a:rPr lang="zh-CN" altLang="en-US" sz="2000" dirty="0">
+                <a:latin typeface="Roboto Mono Light" pitchFamily="2" charset="0"/>
+              </a:rPr>
+              <a:t>则会输出参数个数，并输出</a:t>
+            </a:r>
+            <a:r>
+              <a:rPr lang="en-US" altLang="zh-CN" sz="2000" dirty="0" err="1">
+                <a:latin typeface="Roboto Mono Light" pitchFamily="2" charset="0"/>
+              </a:rPr>
+              <a:t>args.php</a:t>
+            </a:r>
+            <a:r>
+              <a:rPr lang="en-US" altLang="zh-CN" sz="2000" dirty="0">
+                <a:latin typeface="Roboto Mono Light" pitchFamily="2" charset="0"/>
+              </a:rPr>
+              <a:t> a b c 12 23</a:t>
+            </a:r>
+            <a:r>
+              <a:rPr lang="zh-CN" altLang="en-US" sz="2000" dirty="0">
+                <a:latin typeface="Roboto Mono Light" pitchFamily="2" charset="0"/>
+              </a:rPr>
+              <a:t>，</a:t>
+            </a:r>
+            <a:r>
+              <a:rPr lang="en-US" altLang="zh-CN" sz="2000" dirty="0">
+                <a:latin typeface="Roboto Mono Light" pitchFamily="2" charset="0"/>
+              </a:rPr>
+              <a:t>$</a:t>
+            </a:r>
+            <a:r>
+              <a:rPr lang="en-US" altLang="zh-CN" sz="2000" dirty="0" err="1">
+                <a:latin typeface="Roboto Mono Light" pitchFamily="2" charset="0"/>
+              </a:rPr>
+              <a:t>argv</a:t>
+            </a:r>
+            <a:r>
+              <a:rPr lang="en-US" altLang="zh-CN" sz="2000" dirty="0">
+                <a:latin typeface="Roboto Mono Light" pitchFamily="2" charset="0"/>
+              </a:rPr>
+              <a:t>[0]</a:t>
+            </a:r>
+            <a:r>
+              <a:rPr lang="zh-CN" altLang="en-US" sz="2000" dirty="0">
+                <a:latin typeface="Roboto Mono Light" pitchFamily="2" charset="0"/>
+              </a:rPr>
+              <a:t>是程序文件的名称。</a:t>
+            </a:r>
+            <a:endParaRPr lang="en-US" altLang="zh-CN" sz="2400" dirty="0">
+              <a:latin typeface="Roboto Mono Light" pitchFamily="2" charset="0"/>
+            </a:endParaRPr>
+          </a:p>
+          <a:p>
+            <a:endParaRPr lang="en-US" altLang="zh-CN" sz="2400" dirty="0">
+              <a:latin typeface="Roboto Mono Light" pitchFamily="2" charset="0"/>
+            </a:endParaRPr>
+          </a:p>
+          <a:p>
+            <a:endParaRPr lang="en-US" altLang="zh-CN" sz="2000" dirty="0">
+              <a:latin typeface="Roboto Mono Light" pitchFamily="2" charset="0"/>
+            </a:endParaRPr>
           </a:p>
         </p:txBody>
       </p:sp>
     </p:spTree>
     <p:extLst>
       <p:ext uri="{BB962C8B-B14F-4D97-AF65-F5344CB8AC3E}">
-        <p14:creationId xmlns:p14="http://schemas.microsoft.com/office/powerpoint/2010/main" val="2544041812"/>
+        <p14:creationId xmlns:p14="http://schemas.microsoft.com/office/powerpoint/2010/main" val="3799047791"/>
       </p:ext>
     </p:extLst>
   </p:cSld>
@@ -5911,15 +7047,7 @@
             </a:r>
             <a:r>
               <a:rPr lang="zh-CN" altLang="en-US" dirty="0"/>
-              <a:t>如何使用</a:t>
-            </a:r>
-            <a:r>
-              <a:rPr lang="en-US" altLang="zh-CN" dirty="0" err="1"/>
-              <a:t>openssl</a:t>
-            </a:r>
-            <a:r>
-              <a:rPr lang="zh-CN" altLang="en-US" dirty="0"/>
-              <a:t>进行加密解密</a:t>
+              <a:t>时间处理</a:t>
             </a:r>
           </a:p>
         </p:txBody>
@@ -5952,23 +7080,264 @@
           </a:bodyPr>
           <a:lstStyle/>
           <a:p>
-            <a:endParaRPr lang="en-US" altLang="zh-CN" sz="2000" dirty="0"/>
-          </a:p>
-          <a:p>
-            <a:endParaRPr lang="en-US" altLang="zh-CN" sz="2400" dirty="0"/>
-          </a:p>
-          <a:p>
-            <a:endParaRPr lang="en-US" altLang="zh-CN" sz="2400" dirty="0"/>
-          </a:p>
-          <a:p>
-            <a:endParaRPr lang="en-US" altLang="zh-CN" sz="2000" dirty="0"/>
+            <a:pPr marL="0" indent="0">
+              <a:buNone/>
+            </a:pPr>
+            <a:r>
+              <a:rPr lang="en-US" altLang="zh-CN" sz="2000" dirty="0">
+                <a:latin typeface="+mj-lt"/>
+              </a:rPr>
+              <a:t>&lt;?php</a:t>
+            </a:r>
+          </a:p>
+          <a:p>
+            <a:pPr marL="0" indent="0">
+              <a:buNone/>
+            </a:pPr>
+            <a:r>
+              <a:rPr lang="en-US" altLang="zh-CN" sz="2000" dirty="0" err="1">
+                <a:latin typeface="+mj-lt"/>
+              </a:rPr>
+              <a:t>date_default_timezone_set</a:t>
+            </a:r>
+            <a:r>
+              <a:rPr lang="en-US" altLang="zh-CN" sz="2000" dirty="0">
+                <a:latin typeface="+mj-lt"/>
+              </a:rPr>
+              <a:t>(‘Asia/Shanghai’); </a:t>
+            </a:r>
+            <a:r>
+              <a:rPr lang="en-US" altLang="zh-CN" sz="2000" i="1" dirty="0">
+                <a:latin typeface="+mj-lt"/>
+              </a:rPr>
+              <a:t>//</a:t>
+            </a:r>
+            <a:r>
+              <a:rPr lang="zh-CN" altLang="en-US" sz="2000" i="1" dirty="0">
+                <a:latin typeface="+mj-lt"/>
+              </a:rPr>
+              <a:t>设置默认时区</a:t>
+            </a:r>
+            <a:endParaRPr lang="en-US" altLang="zh-CN" sz="2000" i="1" dirty="0">
+              <a:latin typeface="+mj-lt"/>
+            </a:endParaRPr>
+          </a:p>
+          <a:p>
+            <a:pPr marL="0" indent="0">
+              <a:buNone/>
+            </a:pPr>
+            <a:r>
+              <a:rPr lang="en-US" altLang="zh-CN" sz="2000" dirty="0">
+                <a:latin typeface="+mj-lt"/>
+              </a:rPr>
+              <a:t>echo </a:t>
+            </a:r>
+            <a:r>
+              <a:rPr lang="en-US" altLang="zh-CN" sz="2000" dirty="0" err="1">
+                <a:latin typeface="+mj-lt"/>
+              </a:rPr>
+              <a:t>strftime</a:t>
+            </a:r>
+            <a:r>
+              <a:rPr lang="en-US" altLang="zh-CN" sz="2000" dirty="0">
+                <a:latin typeface="+mj-lt"/>
+              </a:rPr>
+              <a:t>(“%</a:t>
+            </a:r>
+            <a:r>
+              <a:rPr lang="en-US" altLang="zh-CN" sz="2000" dirty="0" err="1">
+                <a:latin typeface="+mj-lt"/>
+              </a:rPr>
+              <a:t>Y.%m.%d</a:t>
+            </a:r>
+            <a:r>
+              <a:rPr lang="en-US" altLang="zh-CN" sz="2000" dirty="0">
+                <a:latin typeface="+mj-lt"/>
+              </a:rPr>
+              <a:t> %H:%M:%</a:t>
+            </a:r>
+            <a:r>
+              <a:rPr lang="en-US" altLang="zh-CN" sz="2000" dirty="0" err="1">
+                <a:latin typeface="+mj-lt"/>
+              </a:rPr>
+              <a:t>S”,time</a:t>
+            </a:r>
+            <a:r>
+              <a:rPr lang="en-US" altLang="zh-CN" sz="2000" dirty="0">
+                <a:latin typeface="+mj-lt"/>
+              </a:rPr>
+              <a:t>()); </a:t>
+            </a:r>
+            <a:r>
+              <a:rPr lang="en-US" altLang="zh-CN" sz="2000" i="1" dirty="0">
+                <a:latin typeface="+mj-lt"/>
+              </a:rPr>
+              <a:t>//</a:t>
+            </a:r>
+            <a:r>
+              <a:rPr lang="zh-CN" altLang="en-US" sz="2000" i="1" dirty="0">
+                <a:latin typeface="+mj-lt"/>
+              </a:rPr>
+              <a:t>年</a:t>
+            </a:r>
+            <a:r>
+              <a:rPr lang="en-US" altLang="zh-CN" sz="2000" i="1" dirty="0">
+                <a:latin typeface="+mj-lt"/>
+              </a:rPr>
+              <a:t>.</a:t>
+            </a:r>
+            <a:r>
+              <a:rPr lang="zh-CN" altLang="en-US" sz="2000" i="1" dirty="0">
+                <a:latin typeface="+mj-lt"/>
+              </a:rPr>
+              <a:t>月</a:t>
+            </a:r>
+            <a:r>
+              <a:rPr lang="en-US" altLang="zh-CN" sz="2000" i="1" dirty="0">
+                <a:latin typeface="+mj-lt"/>
+              </a:rPr>
+              <a:t>.</a:t>
+            </a:r>
+            <a:r>
+              <a:rPr lang="zh-CN" altLang="en-US" sz="2000" i="1" dirty="0">
+                <a:latin typeface="+mj-lt"/>
+              </a:rPr>
+              <a:t>日 时</a:t>
+            </a:r>
+            <a:r>
+              <a:rPr lang="en-US" altLang="zh-CN" sz="2000" i="1" dirty="0">
+                <a:latin typeface="+mj-lt"/>
+              </a:rPr>
+              <a:t>:</a:t>
+            </a:r>
+            <a:r>
+              <a:rPr lang="zh-CN" altLang="en-US" sz="2000" i="1" dirty="0">
+                <a:latin typeface="+mj-lt"/>
+              </a:rPr>
+              <a:t>分</a:t>
+            </a:r>
+            <a:r>
+              <a:rPr lang="en-US" altLang="zh-CN" sz="2000" i="1" dirty="0">
+                <a:latin typeface="+mj-lt"/>
+              </a:rPr>
+              <a:t>:</a:t>
+            </a:r>
+            <a:r>
+              <a:rPr lang="zh-CN" altLang="en-US" sz="2000" i="1" dirty="0">
+                <a:latin typeface="+mj-lt"/>
+              </a:rPr>
+              <a:t>秒</a:t>
+            </a:r>
+            <a:endParaRPr lang="en-US" altLang="zh-CN" sz="2000" i="1" dirty="0">
+              <a:latin typeface="+mj-lt"/>
+            </a:endParaRPr>
+          </a:p>
+          <a:p>
+            <a:pPr marL="0" indent="0">
+              <a:buNone/>
+            </a:pPr>
+            <a:r>
+              <a:rPr lang="en-US" altLang="zh-CN" sz="2000" i="1" dirty="0">
+                <a:latin typeface="+mj-lt"/>
+              </a:rPr>
+              <a:t>//</a:t>
+            </a:r>
+            <a:r>
+              <a:rPr lang="zh-CN" altLang="en-US" sz="2000" i="1" dirty="0">
+                <a:latin typeface="+mj-lt"/>
+              </a:rPr>
+              <a:t>把格式化字符串转换成时间数字</a:t>
+            </a:r>
+            <a:endParaRPr lang="en-US" altLang="zh-CN" sz="2000" i="1" dirty="0">
+              <a:latin typeface="+mj-lt"/>
+            </a:endParaRPr>
+          </a:p>
+          <a:p>
+            <a:pPr marL="0" indent="0">
+              <a:buNone/>
+            </a:pPr>
+            <a:r>
+              <a:rPr lang="en-US" altLang="zh-CN" sz="2000" dirty="0">
+                <a:latin typeface="+mj-lt"/>
+              </a:rPr>
+              <a:t>echo </a:t>
+            </a:r>
+            <a:r>
+              <a:rPr lang="en-US" altLang="zh-CN" sz="2000" dirty="0" err="1">
+                <a:latin typeface="+mj-lt"/>
+              </a:rPr>
+              <a:t>strtotime</a:t>
+            </a:r>
+            <a:r>
+              <a:rPr lang="en-US" altLang="zh-CN" sz="2000" dirty="0">
+                <a:latin typeface="+mj-lt"/>
+              </a:rPr>
+              <a:t>(“next day”),”\n”;</a:t>
+            </a:r>
+            <a:endParaRPr lang="en-US" altLang="zh-CN" sz="2400" dirty="0">
+              <a:latin typeface="+mj-lt"/>
+            </a:endParaRPr>
+          </a:p>
+          <a:p>
+            <a:pPr marL="0" indent="0">
+              <a:buNone/>
+            </a:pPr>
+            <a:r>
+              <a:rPr lang="en-US" altLang="zh-CN" sz="2000" dirty="0">
+                <a:latin typeface="+mj-lt"/>
+              </a:rPr>
+              <a:t>echo </a:t>
+            </a:r>
+            <a:r>
+              <a:rPr lang="en-US" altLang="zh-CN" sz="2000" dirty="0" err="1">
+                <a:latin typeface="+mj-lt"/>
+              </a:rPr>
+              <a:t>strtotime</a:t>
+            </a:r>
+            <a:r>
+              <a:rPr lang="en-US" altLang="zh-CN" sz="2000" dirty="0">
+                <a:latin typeface="+mj-lt"/>
+              </a:rPr>
+              <a:t>(“next week”),”\n”;</a:t>
+            </a:r>
+          </a:p>
+          <a:p>
+            <a:pPr marL="0" indent="0">
+              <a:buNone/>
+            </a:pPr>
+            <a:r>
+              <a:rPr lang="en-US" altLang="zh-CN" sz="2000" dirty="0">
+                <a:latin typeface="+mj-lt"/>
+              </a:rPr>
+              <a:t>echo </a:t>
+            </a:r>
+            <a:r>
+              <a:rPr lang="en-US" altLang="zh-CN" sz="2000" dirty="0" err="1">
+                <a:latin typeface="+mj-lt"/>
+              </a:rPr>
+              <a:t>strtotime</a:t>
+            </a:r>
+            <a:r>
+              <a:rPr lang="en-US" altLang="zh-CN" sz="2000" dirty="0">
+                <a:latin typeface="+mj-lt"/>
+              </a:rPr>
+              <a:t>(“2018-05-02 16:05:19”),”\n”;</a:t>
+            </a:r>
+          </a:p>
+          <a:p>
+            <a:pPr marL="0" indent="0">
+              <a:buNone/>
+            </a:pPr>
+            <a:endParaRPr lang="en-US" altLang="zh-CN" sz="2000" dirty="0">
+              <a:latin typeface="+mj-lt"/>
+            </a:endParaRPr>
           </a:p>
         </p:txBody>
       </p:sp>
     </p:spTree>
     <p:extLst>
       <p:ext uri="{BB962C8B-B14F-4D97-AF65-F5344CB8AC3E}">
-        <p14:creationId xmlns:p14="http://schemas.microsoft.com/office/powerpoint/2010/main" val="15514833"/>
+        <p14:creationId xmlns:p14="http://schemas.microsoft.com/office/powerpoint/2010/main" val="2544041812"/>
       </p:ext>
     </p:extLst>
   </p:cSld>
@@ -6035,7 +7404,7 @@
             </a:r>
             <a:r>
               <a:rPr lang="zh-CN" altLang="en-US" dirty="0"/>
-              <a:t>、密码进行正则匹配</a:t>
+              <a:t>进行正则匹配</a:t>
             </a:r>
           </a:p>
         </p:txBody>
@@ -6068,16 +7437,399 @@
           </a:bodyPr>
           <a:lstStyle/>
           <a:p>
-            <a:endParaRPr lang="en-US" altLang="zh-CN" sz="2000" dirty="0"/>
-          </a:p>
-          <a:p>
-            <a:endParaRPr lang="en-US" altLang="zh-CN" sz="2400" dirty="0"/>
-          </a:p>
-          <a:p>
-            <a:endParaRPr lang="en-US" altLang="zh-CN" sz="2400" dirty="0"/>
-          </a:p>
-          <a:p>
-            <a:endParaRPr lang="en-US" altLang="zh-CN" sz="2000" dirty="0"/>
+            <a:pPr marL="0" indent="0">
+              <a:buNone/>
+            </a:pPr>
+            <a:r>
+              <a:rPr lang="en-US" altLang="zh-CN" sz="2000" dirty="0">
+                <a:latin typeface="Roboto Mono Light" pitchFamily="2" charset="0"/>
+              </a:rPr>
+              <a:t>&lt;?php</a:t>
+            </a:r>
+          </a:p>
+          <a:p>
+            <a:pPr marL="0" indent="0">
+              <a:buNone/>
+            </a:pPr>
+            <a:r>
+              <a:rPr lang="en-US" altLang="zh-CN" sz="2000" dirty="0">
+                <a:latin typeface="Roboto Mono Light" pitchFamily="2" charset="0"/>
+              </a:rPr>
+              <a:t>$</a:t>
+            </a:r>
+            <a:r>
+              <a:rPr lang="en-US" altLang="zh-CN" sz="2000" dirty="0" err="1">
+                <a:latin typeface="Roboto Mono Light" pitchFamily="2" charset="0"/>
+              </a:rPr>
+              <a:t>user_regex</a:t>
+            </a:r>
+            <a:r>
+              <a:rPr lang="en-US" altLang="zh-CN" sz="2000" dirty="0">
+                <a:latin typeface="Roboto Mono Light" pitchFamily="2" charset="0"/>
+              </a:rPr>
+              <a:t> = ‘/^[a-</a:t>
+            </a:r>
+            <a:r>
+              <a:rPr lang="en-US" altLang="zh-CN" sz="2000" dirty="0" err="1">
+                <a:latin typeface="Roboto Mono Light" pitchFamily="2" charset="0"/>
+              </a:rPr>
+              <a:t>zA</a:t>
+            </a:r>
+            <a:r>
+              <a:rPr lang="en-US" altLang="zh-CN" sz="2000" dirty="0">
+                <a:latin typeface="Roboto Mono Light" pitchFamily="2" charset="0"/>
+              </a:rPr>
+              <a:t>-Z][a-zA-Z0-9]{5,17}$/’;</a:t>
+            </a:r>
+          </a:p>
+          <a:p>
+            <a:pPr marL="0" indent="0">
+              <a:buNone/>
+            </a:pPr>
+            <a:r>
+              <a:rPr lang="en-US" altLang="zh-CN" sz="2000" dirty="0">
+                <a:latin typeface="Roboto Mono Light" pitchFamily="2" charset="0"/>
+              </a:rPr>
+              <a:t>$</a:t>
+            </a:r>
+            <a:r>
+              <a:rPr lang="en-US" altLang="zh-CN" sz="2000" dirty="0" err="1">
+                <a:latin typeface="Roboto Mono Light" pitchFamily="2" charset="0"/>
+              </a:rPr>
+              <a:t>email_regex</a:t>
+            </a:r>
+            <a:r>
+              <a:rPr lang="en-US" altLang="zh-CN" sz="2000" dirty="0">
+                <a:latin typeface="Roboto Mono Light" pitchFamily="2" charset="0"/>
+              </a:rPr>
+              <a:t> = '/[a-z0-9A-Z\-\.\_]+\@[a-zA-Z0-9]+\.[a-</a:t>
+            </a:r>
+            <a:r>
+              <a:rPr lang="en-US" altLang="zh-CN" sz="2000" dirty="0" err="1">
+                <a:latin typeface="Roboto Mono Light" pitchFamily="2" charset="0"/>
+              </a:rPr>
+              <a:t>zA</a:t>
+            </a:r>
+            <a:r>
+              <a:rPr lang="en-US" altLang="zh-CN" sz="2000" dirty="0">
+                <a:latin typeface="Roboto Mono Light" pitchFamily="2" charset="0"/>
+              </a:rPr>
+              <a:t>-Z]/’;</a:t>
+            </a:r>
+          </a:p>
+          <a:p>
+            <a:pPr marL="0" indent="0">
+              <a:buNone/>
+            </a:pPr>
+            <a:r>
+              <a:rPr lang="en-US" altLang="zh-CN" sz="2000" dirty="0">
+                <a:latin typeface="Roboto Mono Light" pitchFamily="2" charset="0"/>
+              </a:rPr>
+              <a:t>$</a:t>
+            </a:r>
+            <a:r>
+              <a:rPr lang="en-US" altLang="zh-CN" sz="2000" dirty="0" err="1">
+                <a:latin typeface="Roboto Mono Light" pitchFamily="2" charset="0"/>
+              </a:rPr>
+              <a:t>user_test</a:t>
+            </a:r>
+            <a:r>
+              <a:rPr lang="en-US" altLang="zh-CN" sz="2000" dirty="0">
+                <a:latin typeface="Roboto Mono Light" pitchFamily="2" charset="0"/>
+              </a:rPr>
+              <a:t> = [‘abc’,’1233’,’a1293c’,’abqddks’,’a9123-23’];</a:t>
+            </a:r>
+          </a:p>
+          <a:p>
+            <a:pPr marL="0" indent="0">
+              <a:buNone/>
+            </a:pPr>
+            <a:r>
+              <a:rPr lang="en-US" altLang="zh-CN" sz="2000" dirty="0">
+                <a:latin typeface="Roboto Mono Light" pitchFamily="2" charset="0"/>
+              </a:rPr>
+              <a:t>$</a:t>
+            </a:r>
+            <a:r>
+              <a:rPr lang="en-US" altLang="zh-CN" sz="2000" dirty="0" err="1">
+                <a:latin typeface="Roboto Mono Light" pitchFamily="2" charset="0"/>
+              </a:rPr>
+              <a:t>email_test</a:t>
+            </a:r>
+            <a:r>
+              <a:rPr lang="en-US" altLang="zh-CN" sz="2000" dirty="0">
+                <a:latin typeface="Roboto Mono Light" pitchFamily="2" charset="0"/>
+              </a:rPr>
+              <a:t> = [’abcde@123.com’,’123801@ax.com’,</a:t>
+            </a:r>
+          </a:p>
+          <a:p>
+            <a:pPr marL="0" indent="0">
+              <a:buNone/>
+            </a:pPr>
+            <a:r>
+              <a:rPr lang="en-US" altLang="zh-CN" sz="2000" dirty="0">
+                <a:latin typeface="Roboto Mono Light" pitchFamily="2" charset="0"/>
+              </a:rPr>
+              <a:t>           ’</a:t>
+            </a:r>
+            <a:r>
+              <a:rPr lang="en-US" altLang="zh-CN" sz="2000" dirty="0" err="1">
+                <a:latin typeface="Roboto Mono Light" pitchFamily="2" charset="0"/>
+              </a:rPr>
+              <a:t>askdh</a:t>
+            </a:r>
+            <a:r>
+              <a:rPr lang="en-US" altLang="zh-CN" sz="2000" dirty="0">
+                <a:latin typeface="Roboto Mono Light" pitchFamily="2" charset="0"/>
+              </a:rPr>
+              <a:t>@’,‘@ad20</a:t>
+            </a:r>
+            <a:r>
+              <a:rPr lang="en-US" altLang="zh-CN" sz="2000">
+                <a:latin typeface="Roboto Mono Light" pitchFamily="2" charset="0"/>
+              </a:rPr>
+              <a:t>’,’abc_de</a:t>
+            </a:r>
+            <a:r>
+              <a:rPr lang="en-US" altLang="zh-CN" sz="2000" dirty="0">
+                <a:latin typeface="Roboto Mono Light" pitchFamily="2" charset="0"/>
+              </a:rPr>
+              <a:t>@134.com’</a:t>
+            </a:r>
+          </a:p>
+          <a:p>
+            <a:pPr marL="0" indent="0">
+              <a:buNone/>
+            </a:pPr>
+            <a:r>
+              <a:rPr lang="en-US" altLang="zh-CN" sz="2000" dirty="0">
+                <a:latin typeface="Roboto Mono Light" pitchFamily="2" charset="0"/>
+              </a:rPr>
+              <a:t>];</a:t>
+            </a:r>
+          </a:p>
+          <a:p>
+            <a:pPr marL="0" indent="0">
+              <a:buNone/>
+            </a:pPr>
+            <a:r>
+              <a:rPr lang="en-US" altLang="zh-CN" sz="2000" dirty="0" err="1">
+                <a:latin typeface="Roboto Mono Light" pitchFamily="2" charset="0"/>
+              </a:rPr>
+              <a:t>regex_test</a:t>
+            </a:r>
+            <a:r>
+              <a:rPr lang="en-US" altLang="zh-CN" sz="2000" dirty="0">
+                <a:latin typeface="Roboto Mono Light" pitchFamily="2" charset="0"/>
+              </a:rPr>
+              <a:t>($</a:t>
+            </a:r>
+            <a:r>
+              <a:rPr lang="en-US" altLang="zh-CN" sz="2000" dirty="0" err="1">
+                <a:latin typeface="Roboto Mono Light" pitchFamily="2" charset="0"/>
+              </a:rPr>
+              <a:t>user_test</a:t>
+            </a:r>
+            <a:r>
+              <a:rPr lang="en-US" altLang="zh-CN" sz="2000" dirty="0">
+                <a:latin typeface="Roboto Mono Light" pitchFamily="2" charset="0"/>
+              </a:rPr>
+              <a:t>, $</a:t>
+            </a:r>
+            <a:r>
+              <a:rPr lang="en-US" altLang="zh-CN" sz="2000" dirty="0" err="1">
+                <a:latin typeface="Roboto Mono Light" pitchFamily="2" charset="0"/>
+              </a:rPr>
+              <a:t>user_regex</a:t>
+            </a:r>
+            <a:r>
+              <a:rPr lang="en-US" altLang="zh-CN" sz="2000" dirty="0">
+                <a:latin typeface="Roboto Mono Light" pitchFamily="2" charset="0"/>
+              </a:rPr>
+              <a:t>);</a:t>
+            </a:r>
+          </a:p>
+          <a:p>
+            <a:pPr marL="0" indent="0">
+              <a:buNone/>
+            </a:pPr>
+            <a:r>
+              <a:rPr lang="en-US" altLang="zh-CN" sz="2000" dirty="0" err="1">
+                <a:latin typeface="Roboto Mono Light" pitchFamily="2" charset="0"/>
+              </a:rPr>
+              <a:t>regex_test</a:t>
+            </a:r>
+            <a:r>
+              <a:rPr lang="en-US" altLang="zh-CN" sz="2000" dirty="0">
+                <a:latin typeface="Roboto Mono Light" pitchFamily="2" charset="0"/>
+              </a:rPr>
+              <a:t>($email_test,$</a:t>
+            </a:r>
+            <a:r>
+              <a:rPr lang="en-US" altLang="zh-CN" sz="2000" dirty="0" err="1">
+                <a:latin typeface="Roboto Mono Light" pitchFamily="2" charset="0"/>
+              </a:rPr>
+              <a:t>email_regex</a:t>
+            </a:r>
+            <a:r>
+              <a:rPr lang="en-US" altLang="zh-CN" sz="2000" dirty="0">
+                <a:latin typeface="Roboto Mono Light" pitchFamily="2" charset="0"/>
+              </a:rPr>
+              <a:t>);</a:t>
+            </a:r>
+          </a:p>
+        </p:txBody>
+      </p:sp>
+      <p:sp>
+        <p:nvSpPr>
+          <p:cNvPr id="2" name="矩形 1">
+            <a:extLst>
+              <a:ext uri="{FF2B5EF4-FFF2-40B4-BE49-F238E27FC236}">
+                <a16:creationId xmlns:a16="http://schemas.microsoft.com/office/drawing/2014/main" id="{E96D86AE-3C02-4AAC-A19B-97BBDFDA0A8B}"/>
+              </a:ext>
+            </a:extLst>
+          </p:cNvPr>
+          <p:cNvSpPr/>
+          <p:nvPr/>
+        </p:nvSpPr>
+        <p:spPr>
+          <a:xfrm>
+            <a:off x="6603022" y="4193931"/>
+            <a:ext cx="4750777" cy="2487928"/>
+          </a:xfrm>
+          <a:prstGeom prst="rect">
+            <a:avLst/>
+          </a:prstGeom>
+          <a:ln>
+            <a:prstDash val="dash"/>
+          </a:ln>
+        </p:spPr>
+        <p:style>
+          <a:lnRef idx="2">
+            <a:schemeClr val="dk1"/>
+          </a:lnRef>
+          <a:fillRef idx="1">
+            <a:schemeClr val="lt1"/>
+          </a:fillRef>
+          <a:effectRef idx="0">
+            <a:schemeClr val="dk1"/>
+          </a:effectRef>
+          <a:fontRef idx="minor">
+            <a:schemeClr val="dk1"/>
+          </a:fontRef>
+        </p:style>
+        <p:txBody>
+          <a:bodyPr rtlCol="0" anchor="ctr"/>
+          <a:lstStyle/>
+          <a:p>
+            <a:r>
+              <a:rPr lang="en-US" altLang="zh-CN" dirty="0">
+                <a:latin typeface="Roboto Mono Light" pitchFamily="2" charset="0"/>
+              </a:rPr>
+              <a:t>function </a:t>
+            </a:r>
+            <a:r>
+              <a:rPr lang="en-US" altLang="zh-CN" dirty="0" err="1">
+                <a:latin typeface="Roboto Mono Light" pitchFamily="2" charset="0"/>
+              </a:rPr>
+              <a:t>regex_test</a:t>
+            </a:r>
+            <a:r>
+              <a:rPr lang="en-US" altLang="zh-CN" dirty="0">
+                <a:latin typeface="Roboto Mono Light" pitchFamily="2" charset="0"/>
+              </a:rPr>
+              <a:t>($data, $pat){</a:t>
+            </a:r>
+          </a:p>
+          <a:p>
+            <a:r>
+              <a:rPr lang="en-US" altLang="zh-CN" dirty="0">
+                <a:latin typeface="Roboto Mono Light" pitchFamily="2" charset="0"/>
+              </a:rPr>
+              <a:t>    foreach ($data as $u) {</a:t>
+            </a:r>
+          </a:p>
+          <a:p>
+            <a:r>
+              <a:rPr lang="en-US" altLang="zh-CN" dirty="0">
+                <a:latin typeface="Roboto Mono Light" pitchFamily="2" charset="0"/>
+              </a:rPr>
+              <a:t>        if (</a:t>
+            </a:r>
+            <a:r>
+              <a:rPr lang="en-US" altLang="zh-CN" dirty="0" err="1">
+                <a:latin typeface="Roboto Mono Light" pitchFamily="2" charset="0"/>
+              </a:rPr>
+              <a:t>preg_match</a:t>
+            </a:r>
+            <a:r>
+              <a:rPr lang="en-US" altLang="zh-CN" dirty="0">
+                <a:latin typeface="Roboto Mono Light" pitchFamily="2" charset="0"/>
+              </a:rPr>
+              <a:t>($</a:t>
+            </a:r>
+            <a:r>
+              <a:rPr lang="en-US" altLang="zh-CN" dirty="0" err="1">
+                <a:latin typeface="Roboto Mono Light" pitchFamily="2" charset="0"/>
+              </a:rPr>
+              <a:t>pat,$u</a:t>
+            </a:r>
+            <a:r>
+              <a:rPr lang="en-US" altLang="zh-CN" dirty="0">
+                <a:latin typeface="Roboto Mono Light" pitchFamily="2" charset="0"/>
+              </a:rPr>
+              <a:t>)){</a:t>
+            </a:r>
+          </a:p>
+          <a:p>
+            <a:r>
+              <a:rPr lang="en-US" altLang="zh-CN" dirty="0">
+                <a:latin typeface="Roboto Mono Light" pitchFamily="2" charset="0"/>
+              </a:rPr>
+              <a:t>            echo ”[ok]  $u\n”;</a:t>
+            </a:r>
+          </a:p>
+          <a:p>
+            <a:r>
+              <a:rPr lang="en-US" altLang="zh-CN" dirty="0">
+                <a:latin typeface="Roboto Mono Light" pitchFamily="2" charset="0"/>
+              </a:rPr>
+              <a:t>            continue;</a:t>
+            </a:r>
+          </a:p>
+          <a:p>
+            <a:r>
+              <a:rPr lang="en-US" altLang="zh-CN" dirty="0">
+                <a:latin typeface="Roboto Mono Light" pitchFamily="2" charset="0"/>
+              </a:rPr>
+              <a:t>        }</a:t>
+            </a:r>
+          </a:p>
+          <a:p>
+            <a:r>
+              <a:rPr lang="en-US" altLang="zh-CN" dirty="0">
+                <a:latin typeface="Roboto Mono Light" pitchFamily="2" charset="0"/>
+              </a:rPr>
+              <a:t>        echo ”[--] $u\n”;</a:t>
+            </a:r>
+          </a:p>
+          <a:p>
+            <a:r>
+              <a:rPr lang="en-US" altLang="zh-CN" dirty="0">
+                <a:latin typeface="Roboto Mono Light" pitchFamily="2" charset="0"/>
+              </a:rPr>
+              <a:t>    }</a:t>
+            </a:r>
+          </a:p>
+          <a:p>
+            <a:r>
+              <a:rPr lang="en-US" altLang="zh-CN" dirty="0">
+                <a:latin typeface="Roboto Mono Light" pitchFamily="2" charset="0"/>
+              </a:rPr>
+              <a:t>}</a:t>
+            </a:r>
+            <a:endParaRPr lang="zh-CN" altLang="en-US" dirty="0"/>
           </a:p>
         </p:txBody>
       </p:sp>
@@ -6181,16 +7933,221 @@
           </a:bodyPr>
           <a:lstStyle/>
           <a:p>
-            <a:endParaRPr lang="en-US" altLang="zh-CN" sz="2000" dirty="0"/>
-          </a:p>
-          <a:p>
-            <a:endParaRPr lang="en-US" altLang="zh-CN" sz="2400" dirty="0"/>
-          </a:p>
-          <a:p>
-            <a:endParaRPr lang="en-US" altLang="zh-CN" sz="2400" dirty="0"/>
-          </a:p>
-          <a:p>
-            <a:endParaRPr lang="en-US" altLang="zh-CN" sz="2000" dirty="0"/>
+            <a:pPr marL="0" indent="0">
+              <a:buNone/>
+            </a:pPr>
+            <a:r>
+              <a:rPr lang="en-US" altLang="zh-CN" sz="2000" dirty="0">
+                <a:latin typeface="Roboto Mono Light" pitchFamily="2" charset="0"/>
+              </a:rPr>
+              <a:t>&lt;?php</a:t>
+            </a:r>
+          </a:p>
+          <a:p>
+            <a:pPr marL="0" indent="0">
+              <a:buNone/>
+            </a:pPr>
+            <a:r>
+              <a:rPr lang="en-US" altLang="zh-CN" sz="2000" dirty="0">
+                <a:latin typeface="Roboto Mono Light" pitchFamily="2" charset="0"/>
+              </a:rPr>
+              <a:t>function cube($a) {</a:t>
+            </a:r>
+          </a:p>
+          <a:p>
+            <a:pPr marL="0" indent="0">
+              <a:buNone/>
+            </a:pPr>
+            <a:r>
+              <a:rPr lang="en-US" altLang="zh-CN" sz="2000" dirty="0">
+                <a:latin typeface="Roboto Mono Light" pitchFamily="2" charset="0"/>
+              </a:rPr>
+              <a:t>    return $a*$a*$a;</a:t>
+            </a:r>
+          </a:p>
+          <a:p>
+            <a:pPr marL="0" indent="0">
+              <a:buNone/>
+            </a:pPr>
+            <a:r>
+              <a:rPr lang="en-US" altLang="zh-CN" sz="2000" dirty="0">
+                <a:latin typeface="Roboto Mono Light" pitchFamily="2" charset="0"/>
+              </a:rPr>
+              <a:t>}</a:t>
+            </a:r>
+          </a:p>
+          <a:p>
+            <a:pPr marL="0" indent="0">
+              <a:buNone/>
+            </a:pPr>
+            <a:endParaRPr lang="en-US" altLang="zh-CN" sz="2000" dirty="0">
+              <a:latin typeface="Roboto Mono Light" pitchFamily="2" charset="0"/>
+            </a:endParaRPr>
+          </a:p>
+          <a:p>
+            <a:pPr marL="0" indent="0">
+              <a:buNone/>
+            </a:pPr>
+            <a:r>
+              <a:rPr lang="en-US" altLang="zh-CN" sz="2000" dirty="0">
+                <a:latin typeface="Roboto Mono Light" pitchFamily="2" charset="0"/>
+              </a:rPr>
+              <a:t>$</a:t>
+            </a:r>
+            <a:r>
+              <a:rPr lang="en-US" altLang="zh-CN" sz="2000" dirty="0" err="1">
+                <a:latin typeface="Roboto Mono Light" pitchFamily="2" charset="0"/>
+              </a:rPr>
+              <a:t>ar</a:t>
+            </a:r>
+            <a:r>
+              <a:rPr lang="en-US" altLang="zh-CN" sz="2000" dirty="0">
+                <a:latin typeface="Roboto Mono Light" pitchFamily="2" charset="0"/>
+              </a:rPr>
+              <a:t> = [1,2,3,4];</a:t>
+            </a:r>
+            <a:br>
+              <a:rPr lang="en-US" altLang="zh-CN" sz="2000" dirty="0">
+                <a:latin typeface="Roboto Mono Light" pitchFamily="2" charset="0"/>
+              </a:rPr>
+            </a:br>
+            <a:r>
+              <a:rPr lang="en-US" altLang="zh-CN" sz="2000" dirty="0" err="1">
+                <a:latin typeface="Roboto Mono Light" pitchFamily="2" charset="0"/>
+              </a:rPr>
+              <a:t>var_dump</a:t>
+            </a:r>
+            <a:r>
+              <a:rPr lang="en-US" altLang="zh-CN" sz="2000" dirty="0">
+                <a:latin typeface="Roboto Mono Light" pitchFamily="2" charset="0"/>
+              </a:rPr>
+              <a:t>(</a:t>
+            </a:r>
+            <a:r>
+              <a:rPr lang="en-US" altLang="zh-CN" sz="2000" dirty="0" err="1">
+                <a:latin typeface="Roboto Mono Light" pitchFamily="2" charset="0"/>
+              </a:rPr>
+              <a:t>array_map</a:t>
+            </a:r>
+            <a:r>
+              <a:rPr lang="en-US" altLang="zh-CN" sz="2000" dirty="0">
+                <a:latin typeface="Roboto Mono Light" pitchFamily="2" charset="0"/>
+              </a:rPr>
+              <a:t>(‘cube’, $</a:t>
+            </a:r>
+            <a:r>
+              <a:rPr lang="en-US" altLang="zh-CN" sz="2000" dirty="0" err="1">
+                <a:latin typeface="Roboto Mono Light" pitchFamily="2" charset="0"/>
+              </a:rPr>
+              <a:t>ar</a:t>
+            </a:r>
+            <a:r>
+              <a:rPr lang="en-US" altLang="zh-CN" sz="2000" dirty="0">
+                <a:latin typeface="Roboto Mono Light" pitchFamily="2" charset="0"/>
+              </a:rPr>
+              <a:t>));</a:t>
+            </a:r>
+          </a:p>
+          <a:p>
+            <a:pPr marL="0" indent="0">
+              <a:buNone/>
+            </a:pPr>
+            <a:r>
+              <a:rPr lang="en-US" altLang="zh-CN" sz="2000" i="1" dirty="0">
+                <a:latin typeface="Roboto Mono Light" pitchFamily="2" charset="0"/>
+              </a:rPr>
+              <a:t>//</a:t>
+            </a:r>
+            <a:r>
+              <a:rPr lang="zh-CN" altLang="en-US" sz="2000" i="1" dirty="0">
+                <a:latin typeface="Roboto Mono Light" pitchFamily="2" charset="0"/>
+              </a:rPr>
+              <a:t>匿名函数形式</a:t>
+            </a:r>
+            <a:br>
+              <a:rPr lang="en-US" altLang="zh-CN" sz="2000" dirty="0">
+                <a:latin typeface="Roboto Mono Light" pitchFamily="2" charset="0"/>
+              </a:rPr>
+            </a:br>
+            <a:r>
+              <a:rPr lang="en-US" altLang="zh-CN" sz="2000" dirty="0" err="1">
+                <a:latin typeface="Roboto Mono Light" pitchFamily="2" charset="0"/>
+              </a:rPr>
+              <a:t>var_dump</a:t>
+            </a:r>
+            <a:r>
+              <a:rPr lang="en-US" altLang="zh-CN" sz="2000" dirty="0">
+                <a:latin typeface="Roboto Mono Light" pitchFamily="2" charset="0"/>
+              </a:rPr>
+              <a:t>(</a:t>
+            </a:r>
+            <a:r>
+              <a:rPr lang="en-US" altLang="zh-CN" sz="2000" dirty="0" err="1">
+                <a:latin typeface="Roboto Mono Light" pitchFamily="2" charset="0"/>
+              </a:rPr>
+              <a:t>array_map</a:t>
+            </a:r>
+            <a:r>
+              <a:rPr lang="en-US" altLang="zh-CN" sz="2000" dirty="0">
+                <a:latin typeface="Roboto Mono Light" pitchFamily="2" charset="0"/>
+              </a:rPr>
+              <a:t>(function($a){return $a*($a+1);}, $</a:t>
+            </a:r>
+            <a:r>
+              <a:rPr lang="en-US" altLang="zh-CN" sz="2000" dirty="0" err="1">
+                <a:latin typeface="Roboto Mono Light" pitchFamily="2" charset="0"/>
+              </a:rPr>
+              <a:t>ar</a:t>
+            </a:r>
+            <a:r>
+              <a:rPr lang="en-US" altLang="zh-CN" sz="2000" dirty="0">
+                <a:latin typeface="Roboto Mono Light" pitchFamily="2" charset="0"/>
+              </a:rPr>
+              <a:t>));</a:t>
+            </a:r>
+          </a:p>
+          <a:p>
+            <a:pPr marL="0" indent="0">
+              <a:buNone/>
+            </a:pPr>
+            <a:endParaRPr lang="en-US" altLang="zh-CN" sz="2400" dirty="0">
+              <a:latin typeface="Roboto Mono Light" pitchFamily="2" charset="0"/>
+            </a:endParaRPr>
+          </a:p>
+          <a:p>
+            <a:r>
+              <a:rPr lang="zh-CN" altLang="en-US" sz="2000" dirty="0">
+                <a:latin typeface="Roboto Mono Light" pitchFamily="2" charset="0"/>
+              </a:rPr>
+              <a:t>如果需要对数组的每个元素进行计算后得到新的值构成新的数组，可以使用</a:t>
+            </a:r>
+            <a:r>
+              <a:rPr lang="en-US" altLang="zh-CN" sz="2000" dirty="0" err="1">
+                <a:latin typeface="Roboto Mono Light" pitchFamily="2" charset="0"/>
+              </a:rPr>
+              <a:t>array_map</a:t>
+            </a:r>
+            <a:r>
+              <a:rPr lang="zh-CN" altLang="en-US" sz="2000" dirty="0">
+                <a:latin typeface="Roboto Mono Light" pitchFamily="2" charset="0"/>
+              </a:rPr>
+              <a:t>，不必使用</a:t>
+            </a:r>
+            <a:r>
+              <a:rPr lang="en-US" altLang="zh-CN" sz="2000" dirty="0">
+                <a:latin typeface="Roboto Mono Light" pitchFamily="2" charset="0"/>
+              </a:rPr>
+              <a:t>foreach</a:t>
+            </a:r>
+            <a:r>
+              <a:rPr lang="zh-CN" altLang="en-US" sz="2000" dirty="0">
+                <a:latin typeface="Roboto Mono Light" pitchFamily="2" charset="0"/>
+              </a:rPr>
+              <a:t>循环每个元素。</a:t>
+            </a:r>
+            <a:endParaRPr lang="en-US" altLang="zh-CN" sz="2000" dirty="0">
+              <a:latin typeface="Roboto Mono Light" pitchFamily="2" charset="0"/>
+            </a:endParaRPr>
           </a:p>
         </p:txBody>
       </p:sp>
@@ -6285,16 +8242,248 @@
           </a:bodyPr>
           <a:lstStyle/>
           <a:p>
-            <a:endParaRPr lang="en-US" altLang="zh-CN" sz="2000" dirty="0"/>
-          </a:p>
-          <a:p>
+            <a:pPr marL="0" indent="0">
+              <a:buNone/>
+            </a:pPr>
+            <a:r>
+              <a:rPr lang="en-US" altLang="zh-CN" sz="2000" dirty="0">
+                <a:latin typeface="Roboto Mono Light" pitchFamily="2" charset="0"/>
+              </a:rPr>
+              <a:t>&lt;?php</a:t>
+            </a:r>
+          </a:p>
+          <a:p>
+            <a:pPr marL="0" indent="0">
+              <a:buNone/>
+            </a:pPr>
+            <a:r>
+              <a:rPr lang="en-US" altLang="zh-CN" sz="2000" dirty="0">
+                <a:latin typeface="Roboto Mono Light" pitchFamily="2" charset="0"/>
+              </a:rPr>
+              <a:t>$file = '</a:t>
+            </a:r>
+            <a:r>
+              <a:rPr lang="en-US" altLang="zh-CN" sz="2000" dirty="0" err="1">
+                <a:latin typeface="Roboto Mono Light" pitchFamily="2" charset="0"/>
+              </a:rPr>
+              <a:t>file_test.php</a:t>
+            </a:r>
+            <a:r>
+              <a:rPr lang="en-US" altLang="zh-CN" sz="2000" dirty="0">
+                <a:latin typeface="Roboto Mono Light" pitchFamily="2" charset="0"/>
+              </a:rPr>
+              <a:t>';</a:t>
+            </a:r>
+            <a:br>
+              <a:rPr lang="en-US" altLang="zh-CN" sz="2000" dirty="0">
+                <a:latin typeface="Roboto Mono Light" pitchFamily="2" charset="0"/>
+              </a:rPr>
+            </a:br>
+            <a:r>
+              <a:rPr lang="en-US" altLang="zh-CN" sz="2000" dirty="0">
+                <a:latin typeface="Roboto Mono Light" pitchFamily="2" charset="0"/>
+              </a:rPr>
+              <a:t>if (</a:t>
+            </a:r>
+            <a:r>
+              <a:rPr lang="en-US" altLang="zh-CN" sz="2000" dirty="0" err="1">
+                <a:latin typeface="Roboto Mono Light" pitchFamily="2" charset="0"/>
+              </a:rPr>
+              <a:t>file_exists</a:t>
+            </a:r>
+            <a:r>
+              <a:rPr lang="en-US" altLang="zh-CN" sz="2000" dirty="0">
+                <a:latin typeface="Roboto Mono Light" pitchFamily="2" charset="0"/>
+              </a:rPr>
+              <a:t>($file)) {</a:t>
+            </a:r>
+            <a:br>
+              <a:rPr lang="en-US" altLang="zh-CN" sz="2000" dirty="0">
+                <a:latin typeface="Roboto Mono Light" pitchFamily="2" charset="0"/>
+              </a:rPr>
+            </a:br>
+            <a:r>
+              <a:rPr lang="en-US" altLang="zh-CN" sz="2000" dirty="0">
+                <a:latin typeface="Roboto Mono Light" pitchFamily="2" charset="0"/>
+              </a:rPr>
+              <a:t>    require ($file);</a:t>
+            </a:r>
+            <a:br>
+              <a:rPr lang="en-US" altLang="zh-CN" sz="2000" dirty="0">
+                <a:latin typeface="Roboto Mono Light" pitchFamily="2" charset="0"/>
+              </a:rPr>
+            </a:br>
+            <a:r>
+              <a:rPr lang="en-US" altLang="zh-CN" sz="2000" dirty="0">
+                <a:latin typeface="Roboto Mono Light" pitchFamily="2" charset="0"/>
+              </a:rPr>
+              <a:t>} else {</a:t>
+            </a:r>
+            <a:br>
+              <a:rPr lang="en-US" altLang="zh-CN" sz="2000" dirty="0">
+                <a:latin typeface="Roboto Mono Light" pitchFamily="2" charset="0"/>
+              </a:rPr>
+            </a:br>
+            <a:r>
+              <a:rPr lang="en-US" altLang="zh-CN" sz="2000" dirty="0">
+                <a:latin typeface="Roboto Mono Light" pitchFamily="2" charset="0"/>
+              </a:rPr>
+              <a:t>    echo "file not found\n";</a:t>
+            </a:r>
+            <a:br>
+              <a:rPr lang="en-US" altLang="zh-CN" sz="2000" dirty="0">
+                <a:latin typeface="Roboto Mono Light" pitchFamily="2" charset="0"/>
+              </a:rPr>
+            </a:br>
+            <a:r>
+              <a:rPr lang="en-US" altLang="zh-CN" sz="2000" dirty="0">
+                <a:latin typeface="Roboto Mono Light" pitchFamily="2" charset="0"/>
+              </a:rPr>
+              <a:t>}</a:t>
+            </a:r>
+            <a:br>
+              <a:rPr lang="en-US" altLang="zh-CN" sz="2000" dirty="0">
+                <a:latin typeface="Roboto Mono Light" pitchFamily="2" charset="0"/>
+              </a:rPr>
+            </a:br>
+            <a:r>
+              <a:rPr lang="en-US" altLang="zh-CN" sz="2000" dirty="0">
+                <a:latin typeface="Roboto Mono Light" pitchFamily="2" charset="0"/>
+              </a:rPr>
+              <a:t>if (</a:t>
+            </a:r>
+            <a:r>
+              <a:rPr lang="en-US" altLang="zh-CN" sz="2000" dirty="0" err="1">
+                <a:latin typeface="Roboto Mono Light" pitchFamily="2" charset="0"/>
+              </a:rPr>
+              <a:t>class_exists</a:t>
+            </a:r>
+            <a:r>
+              <a:rPr lang="en-US" altLang="zh-CN" sz="2000" dirty="0">
+                <a:latin typeface="Roboto Mono Light" pitchFamily="2" charset="0"/>
+              </a:rPr>
+              <a:t>('best') &amp;&amp; </a:t>
+            </a:r>
+            <a:r>
+              <a:rPr lang="en-US" altLang="zh-CN" sz="2000" dirty="0" err="1">
+                <a:latin typeface="Roboto Mono Light" pitchFamily="2" charset="0"/>
+              </a:rPr>
+              <a:t>method_exists</a:t>
+            </a:r>
+            <a:r>
+              <a:rPr lang="en-US" altLang="zh-CN" sz="2000" dirty="0">
+                <a:latin typeface="Roboto Mono Light" pitchFamily="2" charset="0"/>
+              </a:rPr>
+              <a:t>('</a:t>
+            </a:r>
+            <a:r>
+              <a:rPr lang="en-US" altLang="zh-CN" sz="2000" dirty="0" err="1">
+                <a:latin typeface="Roboto Mono Light" pitchFamily="2" charset="0"/>
+              </a:rPr>
+              <a:t>best','what</a:t>
+            </a:r>
+            <a:r>
+              <a:rPr lang="en-US" altLang="zh-CN" sz="2000" dirty="0">
+                <a:latin typeface="Roboto Mono Light" pitchFamily="2" charset="0"/>
+              </a:rPr>
+              <a:t>')) {</a:t>
+            </a:r>
+            <a:br>
+              <a:rPr lang="en-US" altLang="zh-CN" sz="2000" dirty="0">
+                <a:latin typeface="Roboto Mono Light" pitchFamily="2" charset="0"/>
+              </a:rPr>
+            </a:br>
+            <a:r>
+              <a:rPr lang="en-US" altLang="zh-CN" sz="2000" dirty="0">
+                <a:latin typeface="Roboto Mono Light" pitchFamily="2" charset="0"/>
+              </a:rPr>
+              <a:t>    (new best)-&gt;what();</a:t>
+            </a:r>
+            <a:br>
+              <a:rPr lang="en-US" altLang="zh-CN" sz="2000" dirty="0">
+                <a:latin typeface="Roboto Mono Light" pitchFamily="2" charset="0"/>
+              </a:rPr>
+            </a:br>
+            <a:r>
+              <a:rPr lang="en-US" altLang="zh-CN" sz="2000" dirty="0">
+                <a:latin typeface="Roboto Mono Light" pitchFamily="2" charset="0"/>
+              </a:rPr>
+              <a:t>} else {</a:t>
+            </a:r>
+            <a:br>
+              <a:rPr lang="en-US" altLang="zh-CN" sz="2000" dirty="0">
+                <a:latin typeface="Roboto Mono Light" pitchFamily="2" charset="0"/>
+              </a:rPr>
+            </a:br>
+            <a:r>
+              <a:rPr lang="en-US" altLang="zh-CN" sz="2000" dirty="0">
+                <a:latin typeface="Roboto Mono Light" pitchFamily="2" charset="0"/>
+              </a:rPr>
+              <a:t>    echo "class or method undefine\n";</a:t>
+            </a:r>
+            <a:br>
+              <a:rPr lang="en-US" altLang="zh-CN" sz="2000" dirty="0">
+                <a:latin typeface="Roboto Mono Light" pitchFamily="2" charset="0"/>
+              </a:rPr>
+            </a:br>
+            <a:r>
+              <a:rPr lang="en-US" altLang="zh-CN" sz="2000" dirty="0">
+                <a:latin typeface="Roboto Mono Light" pitchFamily="2" charset="0"/>
+              </a:rPr>
+              <a:t>}</a:t>
+            </a:r>
+            <a:endParaRPr lang="en-US" altLang="zh-CN" sz="2400" dirty="0">
+              <a:latin typeface="Roboto Mono Light" pitchFamily="2" charset="0"/>
+            </a:endParaRPr>
+          </a:p>
+          <a:p>
+            <a:pPr marL="0" indent="0">
+              <a:buNone/>
+            </a:pPr>
+            <a:endParaRPr lang="en-US" altLang="zh-CN" sz="2400" dirty="0">
+              <a:latin typeface="Roboto Mono Light" pitchFamily="2" charset="0"/>
+            </a:endParaRPr>
+          </a:p>
+          <a:p>
+            <a:r>
+              <a:rPr lang="zh-CN" altLang="en-US" sz="2000" dirty="0">
+                <a:latin typeface="Roboto Mono Light" pitchFamily="2" charset="0"/>
+              </a:rPr>
+              <a:t>在相同目录下，还存在</a:t>
+            </a:r>
+            <a:r>
+              <a:rPr lang="en-US" altLang="zh-CN" sz="2000" dirty="0" err="1">
+                <a:latin typeface="Roboto Mono Light" pitchFamily="2" charset="0"/>
+              </a:rPr>
+              <a:t>file_test.php</a:t>
+            </a:r>
+            <a:r>
+              <a:rPr lang="zh-CN" altLang="en-US" sz="2000" dirty="0">
+                <a:latin typeface="Roboto Mono Light" pitchFamily="2" charset="0"/>
+              </a:rPr>
+              <a:t>文件，此文件中定义了类</a:t>
+            </a:r>
+            <a:r>
+              <a:rPr lang="en-US" altLang="zh-CN" sz="2000" dirty="0">
+                <a:latin typeface="Roboto Mono Light" pitchFamily="2" charset="0"/>
+              </a:rPr>
+              <a:t>best</a:t>
+            </a:r>
+            <a:r>
+              <a:rPr lang="zh-CN" altLang="en-US" sz="2000" dirty="0">
+                <a:latin typeface="Roboto Mono Light" pitchFamily="2" charset="0"/>
+              </a:rPr>
+              <a:t>。</a:t>
+            </a:r>
+            <a:endParaRPr lang="en-US" altLang="zh-CN" sz="2000" dirty="0">
+              <a:latin typeface="Roboto Mono Light" pitchFamily="2" charset="0"/>
+            </a:endParaRPr>
+          </a:p>
+          <a:p>
+            <a:pPr marL="0" indent="0">
+              <a:buNone/>
+            </a:pPr>
             <a:endParaRPr lang="en-US" altLang="zh-CN" sz="2400" dirty="0"/>
-          </a:p>
-          <a:p>
-            <a:endParaRPr lang="en-US" altLang="zh-CN" sz="2400" dirty="0"/>
-          </a:p>
-          <a:p>
-            <a:endParaRPr lang="en-US" altLang="zh-CN" sz="2000" dirty="0"/>
           </a:p>
         </p:txBody>
       </p:sp>
@@ -6356,7 +8545,7 @@
           <a:p>
             <a:r>
               <a:rPr lang="zh-CN" altLang="en-US" dirty="0"/>
-              <a:t>获取上传文件的</a:t>
+              <a:t>获取文件的</a:t>
             </a:r>
             <a:r>
               <a:rPr lang="en-US" altLang="zh-CN" dirty="0"/>
@@ -6397,16 +8586,208 @@
           </a:bodyPr>
           <a:lstStyle/>
           <a:p>
-            <a:endParaRPr lang="en-US" altLang="zh-CN" sz="2000" dirty="0"/>
-          </a:p>
-          <a:p>
-            <a:endParaRPr lang="en-US" altLang="zh-CN" sz="2400" dirty="0"/>
-          </a:p>
-          <a:p>
-            <a:endParaRPr lang="en-US" altLang="zh-CN" sz="2400" dirty="0"/>
-          </a:p>
-          <a:p>
-            <a:endParaRPr lang="en-US" altLang="zh-CN" sz="2000" dirty="0"/>
+            <a:pPr marL="0" indent="0">
+              <a:buNone/>
+            </a:pPr>
+            <a:r>
+              <a:rPr lang="en-US" altLang="zh-CN" sz="2000" dirty="0">
+                <a:latin typeface="Roboto Mono Light" pitchFamily="2" charset="0"/>
+              </a:rPr>
+              <a:t>&lt;?php</a:t>
+            </a:r>
+          </a:p>
+          <a:p>
+            <a:pPr marL="0" indent="0">
+              <a:buNone/>
+            </a:pPr>
+            <a:r>
+              <a:rPr lang="en-US" altLang="zh-CN" sz="2000" dirty="0">
+                <a:latin typeface="Roboto Mono Light" pitchFamily="2" charset="0"/>
+              </a:rPr>
+              <a:t>$files = [</a:t>
+            </a:r>
+            <a:br>
+              <a:rPr lang="en-US" altLang="zh-CN" sz="2000" dirty="0">
+                <a:latin typeface="Roboto Mono Light" pitchFamily="2" charset="0"/>
+              </a:rPr>
+            </a:br>
+            <a:r>
+              <a:rPr lang="en-US" altLang="zh-CN" sz="2000" dirty="0">
+                <a:latin typeface="Roboto Mono Light" pitchFamily="2" charset="0"/>
+              </a:rPr>
+              <a:t>    '../</a:t>
+            </a:r>
+            <a:r>
+              <a:rPr lang="en-US" altLang="zh-CN" sz="2000" dirty="0" err="1">
+                <a:latin typeface="Roboto Mono Light" pitchFamily="2" charset="0"/>
+              </a:rPr>
+              <a:t>tmp</a:t>
+            </a:r>
+            <a:r>
+              <a:rPr lang="en-US" altLang="zh-CN" sz="2000" dirty="0">
+                <a:latin typeface="Roboto Mono Light" pitchFamily="2" charset="0"/>
+              </a:rPr>
+              <a:t>/Zombie.mp3’,</a:t>
+            </a:r>
+          </a:p>
+          <a:p>
+            <a:pPr marL="0" indent="0">
+              <a:buNone/>
+            </a:pPr>
+            <a:r>
+              <a:rPr lang="en-US" altLang="zh-CN" sz="2000" dirty="0">
+                <a:latin typeface="Roboto Mono Light" pitchFamily="2" charset="0"/>
+              </a:rPr>
+              <a:t>    '../</a:t>
+            </a:r>
+            <a:r>
+              <a:rPr lang="en-US" altLang="zh-CN" sz="2000" dirty="0" err="1">
+                <a:latin typeface="Roboto Mono Light" pitchFamily="2" charset="0"/>
+              </a:rPr>
+              <a:t>tmp</a:t>
+            </a:r>
+            <a:r>
+              <a:rPr lang="en-US" altLang="zh-CN" sz="2000" dirty="0">
+                <a:latin typeface="Roboto Mono Light" pitchFamily="2" charset="0"/>
+              </a:rPr>
+              <a:t>/30144-106.jpg’,</a:t>
+            </a:r>
+          </a:p>
+          <a:p>
+            <a:pPr marL="0" indent="0">
+              <a:buNone/>
+            </a:pPr>
+            <a:r>
+              <a:rPr lang="en-US" altLang="zh-CN" sz="2000" dirty="0">
+                <a:latin typeface="Roboto Mono Light" pitchFamily="2" charset="0"/>
+              </a:rPr>
+              <a:t>    '../</a:t>
+            </a:r>
+            <a:r>
+              <a:rPr lang="en-US" altLang="zh-CN" sz="2000" dirty="0" err="1">
+                <a:latin typeface="Roboto Mono Light" pitchFamily="2" charset="0"/>
+              </a:rPr>
+              <a:t>tmp</a:t>
+            </a:r>
+            <a:r>
+              <a:rPr lang="en-US" altLang="zh-CN" sz="2000" dirty="0">
+                <a:latin typeface="Roboto Mono Light" pitchFamily="2" charset="0"/>
+              </a:rPr>
+              <a:t>/the_fox.mp4'</a:t>
+            </a:r>
+            <a:br>
+              <a:rPr lang="en-US" altLang="zh-CN" sz="2000" dirty="0">
+                <a:latin typeface="Roboto Mono Light" pitchFamily="2" charset="0"/>
+              </a:rPr>
+            </a:br>
+            <a:r>
+              <a:rPr lang="en-US" altLang="zh-CN" sz="2000" dirty="0">
+                <a:latin typeface="Roboto Mono Light" pitchFamily="2" charset="0"/>
+              </a:rPr>
+              <a:t>];</a:t>
+            </a:r>
+            <a:br>
+              <a:rPr lang="en-US" altLang="zh-CN" sz="2000" dirty="0">
+                <a:latin typeface="Roboto Mono Light" pitchFamily="2" charset="0"/>
+              </a:rPr>
+            </a:br>
+            <a:br>
+              <a:rPr lang="en-US" altLang="zh-CN" sz="2000" dirty="0">
+                <a:latin typeface="Roboto Mono Light" pitchFamily="2" charset="0"/>
+              </a:rPr>
+            </a:br>
+            <a:r>
+              <a:rPr lang="en-US" altLang="zh-CN" sz="2000" dirty="0">
+                <a:latin typeface="Roboto Mono Light" pitchFamily="2" charset="0"/>
+              </a:rPr>
+              <a:t>foreach ($files as $f) {</a:t>
+            </a:r>
+            <a:br>
+              <a:rPr lang="en-US" altLang="zh-CN" sz="2000" dirty="0">
+                <a:latin typeface="Roboto Mono Light" pitchFamily="2" charset="0"/>
+              </a:rPr>
+            </a:br>
+            <a:r>
+              <a:rPr lang="en-US" altLang="zh-CN" sz="2000" dirty="0">
+                <a:latin typeface="Roboto Mono Light" pitchFamily="2" charset="0"/>
+              </a:rPr>
+              <a:t>    echo </a:t>
+            </a:r>
+            <a:r>
+              <a:rPr lang="en-US" altLang="zh-CN" sz="2000" dirty="0" err="1">
+                <a:latin typeface="Roboto Mono Light" pitchFamily="2" charset="0"/>
+              </a:rPr>
+              <a:t>mime_content_type</a:t>
+            </a:r>
+            <a:r>
+              <a:rPr lang="en-US" altLang="zh-CN" sz="2000" dirty="0">
+                <a:latin typeface="Roboto Mono Light" pitchFamily="2" charset="0"/>
+              </a:rPr>
+              <a:t>($f),"\n";</a:t>
+            </a:r>
+            <a:br>
+              <a:rPr lang="en-US" altLang="zh-CN" sz="2000" dirty="0">
+                <a:latin typeface="Roboto Mono Light" pitchFamily="2" charset="0"/>
+              </a:rPr>
+            </a:br>
+            <a:r>
+              <a:rPr lang="en-US" altLang="zh-CN" sz="2000" dirty="0">
+                <a:latin typeface="Roboto Mono Light" pitchFamily="2" charset="0"/>
+              </a:rPr>
+              <a:t>}</a:t>
+            </a:r>
+          </a:p>
+          <a:p>
+            <a:endParaRPr lang="en-US" altLang="zh-CN" sz="2000" dirty="0">
+              <a:latin typeface="Roboto Mono Light" pitchFamily="2" charset="0"/>
+            </a:endParaRPr>
+          </a:p>
+          <a:p>
+            <a:r>
+              <a:rPr lang="zh-CN" altLang="en-US" sz="2000" dirty="0">
+                <a:latin typeface="Roboto Mono Light" pitchFamily="2" charset="0"/>
+              </a:rPr>
+              <a:t>输出测试文件的</a:t>
+            </a:r>
+            <a:r>
+              <a:rPr lang="en-US" altLang="zh-CN" sz="2000" dirty="0">
+                <a:latin typeface="Roboto Mono Light" pitchFamily="2" charset="0"/>
+              </a:rPr>
+              <a:t>MIME</a:t>
+            </a:r>
+            <a:r>
+              <a:rPr lang="zh-CN" altLang="en-US" sz="2000" dirty="0">
+                <a:latin typeface="Roboto Mono Light" pitchFamily="2" charset="0"/>
+              </a:rPr>
+              <a:t>类型，通过</a:t>
+            </a:r>
+            <a:r>
+              <a:rPr lang="en-US" altLang="zh-CN" sz="2000" dirty="0" err="1">
+                <a:latin typeface="Roboto Mono Light" pitchFamily="2" charset="0"/>
+              </a:rPr>
+              <a:t>mime_content_type</a:t>
+            </a:r>
+            <a:r>
+              <a:rPr lang="zh-CN" altLang="en-US" sz="2000" dirty="0">
+                <a:latin typeface="Roboto Mono Light" pitchFamily="2" charset="0"/>
+              </a:rPr>
+              <a:t>函数获取</a:t>
+            </a:r>
+            <a:r>
+              <a:rPr lang="en-US" altLang="zh-CN" sz="2000" dirty="0">
+                <a:latin typeface="Roboto Mono Light" pitchFamily="2" charset="0"/>
+              </a:rPr>
+              <a:t>MIME</a:t>
+            </a:r>
+            <a:r>
+              <a:rPr lang="zh-CN" altLang="en-US" sz="2000" dirty="0">
+                <a:latin typeface="Roboto Mono Light" pitchFamily="2" charset="0"/>
+              </a:rPr>
+              <a:t>类型。</a:t>
+            </a:r>
+            <a:endParaRPr lang="en-US" altLang="zh-CN" sz="2000" dirty="0">
+              <a:latin typeface="Roboto Mono Light" pitchFamily="2" charset="0"/>
+            </a:endParaRPr>
           </a:p>
         </p:txBody>
       </p:sp>
@@ -6464,110 +8845,16 @@
         <a:srgbClr val="954F72"/>
       </a:folHlink>
     </a:clrScheme>
-    <a:fontScheme name="Office">
+    <a:fontScheme name="自定义 1">
       <a:majorFont>
-        <a:latin typeface="等线 Light" panose="020F0302020204030204"/>
-        <a:ea typeface=""/>
+        <a:latin typeface="Roboto Mono Light"/>
+        <a:ea typeface="等线 Light"/>
         <a:cs typeface=""/>
-        <a:font script="Jpan" typeface="游ゴシック Light"/>
-        <a:font script="Hang" typeface="맑은 고딕"/>
-        <a:font script="Hans" typeface="等线 Light"/>
-        <a:font script="Hant" typeface="新細明體"/>
-        <a:font script="Arab" typeface="Times New Roman"/>
-        <a:font script="Hebr" typeface="Times New Roman"/>
-        <a:font script="Thai" typeface="Angsana New"/>
-        <a:font script="Ethi" typeface="Nyala"/>
-        <a:font script="Beng" typeface="Vrinda"/>
-        <a:font script="Gujr" typeface="Shruti"/>
-        <a:font script="Khmr" typeface="MoolBoran"/>
-        <a:font script="Knda" typeface="Tunga"/>
-        <a:font script="Guru" typeface="Raavi"/>
-        <a:font script="Cans" typeface="Euphemia"/>
-        <a:font script="Cher" typeface="Plantagenet Cherokee"/>
-        <a:font script="Yiii" typeface="Microsoft Yi Baiti"/>
-        <a:font script="Tibt" typeface="Microsoft Himalaya"/>
-        <a:font script="Thaa" typeface="MV Boli"/>
-        <a:font script="Deva" typeface="Mangal"/>
-        <a:font script="Telu" typeface="Gautami"/>
-        <a:font script="Taml" typeface="Latha"/>
-        <a:font script="Syrc" typeface="Estrangelo Edessa"/>
-        <a:font script="Orya" typeface="Kalinga"/>
-        <a:font script="Mlym" typeface="Kartika"/>
-        <a:font script="Laoo" typeface="DokChampa"/>
-        <a:font script="Sinh" typeface="Iskoola Pota"/>
-        <a:font script="Mong" typeface="Mongolian Baiti"/>
-        <a:font script="Viet" typeface="Times New Roman"/>
-        <a:font script="Uigh" typeface="Microsoft Uighur"/>
-        <a:font script="Geor" typeface="Sylfaen"/>
-        <a:font script="Armn" typeface="Arial"/>
-        <a:font script="Bugi" typeface="Leelawadee UI"/>
-        <a:font script="Bopo" typeface="Microsoft JhengHei"/>
-        <a:font script="Java" typeface="Javanese Text"/>
-        <a:font script="Lisu" typeface="Segoe UI"/>
-        <a:font script="Mymr" typeface="Myanmar Text"/>
-        <a:font script="Nkoo" typeface="Ebrima"/>
-        <a:font script="Olck" typeface="Nirmala UI"/>
-        <a:font script="Osma" typeface="Ebrima"/>
-        <a:font script="Phag" typeface="Phagspa"/>
-        <a:font script="Syrn" typeface="Estrangelo Edessa"/>
-        <a:font script="Syrj" typeface="Estrangelo Edessa"/>
-        <a:font script="Syre" typeface="Estrangelo Edessa"/>
-        <a:font script="Sora" typeface="Nirmala UI"/>
-        <a:font script="Tale" typeface="Microsoft Tai Le"/>
-        <a:font script="Talu" typeface="Microsoft New Tai Lue"/>
-        <a:font script="Tfng" typeface="Ebrima"/>
       </a:majorFont>
       <a:minorFont>
-        <a:latin typeface="等线" panose="020F0502020204030204"/>
-        <a:ea typeface=""/>
+        <a:latin typeface="等线"/>
+        <a:ea typeface="等线"/>
         <a:cs typeface=""/>
-        <a:font script="Jpan" typeface="游ゴシック"/>
-        <a:font script="Hang" typeface="맑은 고딕"/>
-        <a:font script="Hans" typeface="等线"/>
-        <a:font script="Hant" typeface="新細明體"/>
-        <a:font script="Arab" typeface="Arial"/>
-        <a:font script="Hebr" typeface="Arial"/>
-        <a:font script="Thai" typeface="Cordia New"/>
-        <a:font script="Ethi" typeface="Nyala"/>
-        <a:font script="Beng" typeface="Vrinda"/>
-        <a:font script="Gujr" typeface="Shruti"/>
-        <a:font script="Khmr" typeface="DaunPenh"/>
-        <a:font script="Knda" typeface="Tunga"/>
-        <a:font script="Guru" typeface="Raavi"/>
-        <a:font script="Cans" typeface="Euphemia"/>
-        <a:font script="Cher" typeface="Plantagenet Cherokee"/>
-        <a:font script="Yiii" typeface="Microsoft Yi Baiti"/>
-        <a:font script="Tibt" typeface="Microsoft Himalaya"/>
-        <a:font script="Thaa" typeface="MV Boli"/>
-        <a:font script="Deva" typeface="Mangal"/>
-        <a:font script="Telu" typeface="Gautami"/>
-        <a:font script="Taml" typeface="Latha"/>
-        <a:font script="Syrc" typeface="Estrangelo Edessa"/>
-        <a:font script="Orya" typeface="Kalinga"/>
-        <a:font script="Mlym" typeface="Kartika"/>
-        <a:font script="Laoo" typeface="DokChampa"/>
-        <a:font script="Sinh" typeface="Iskoola Pota"/>
-        <a:font script="Mong" typeface="Mongolian Baiti"/>
-        <a:font script="Viet" typeface="Arial"/>
-        <a:font script="Uigh" typeface="Microsoft Uighur"/>
-        <a:font script="Geor" typeface="Sylfaen"/>
-        <a:font script="Armn" typeface="Arial"/>
-        <a:font script="Bugi" typeface="Leelawadee UI"/>
-        <a:font script="Bopo" typeface="Microsoft JhengHei"/>
-        <a:font script="Java" typeface="Javanese Text"/>
-        <a:font script="Lisu" typeface="Segoe UI"/>
-        <a:font script="Mymr" typeface="Myanmar Text"/>
-        <a:font script="Nkoo" typeface="Ebrima"/>
-        <a:font script="Olck" typeface="Nirmala UI"/>
-        <a:font script="Osma" typeface="Ebrima"/>
-        <a:font script="Phag" typeface="Phagspa"/>
-        <a:font script="Syrn" typeface="Estrangelo Edessa"/>
-        <a:font script="Syrj" typeface="Estrangelo Edessa"/>
-        <a:font script="Syre" typeface="Estrangelo Edessa"/>
-        <a:font script="Sora" typeface="Nirmala UI"/>
-        <a:font script="Tale" typeface="Microsoft Tai Le"/>
-        <a:font script="Talu" typeface="Microsoft New Tai Lue"/>
-        <a:font script="Tfng" typeface="Ebrima"/>
       </a:minorFont>
     </a:fontScheme>
     <a:fmtScheme name="Office">
